--- a/AWS_Sysops.pptx
+++ b/AWS_Sysops.pptx
@@ -5,7 +5,7 @@
     <p:sldMasterId id="2147483732" r:id="rId1"/>
   </p:sldMasterIdLst>
   <p:notesMasterIdLst>
-    <p:notesMasterId r:id="rId9"/>
+    <p:notesMasterId r:id="rId16"/>
   </p:notesMasterIdLst>
   <p:sldIdLst>
     <p:sldId id="256" r:id="rId2"/>
@@ -14,7 +14,14 @@
     <p:sldId id="375" r:id="rId5"/>
     <p:sldId id="376" r:id="rId6"/>
     <p:sldId id="377" r:id="rId7"/>
-    <p:sldId id="269" r:id="rId8"/>
+    <p:sldId id="378" r:id="rId8"/>
+    <p:sldId id="379" r:id="rId9"/>
+    <p:sldId id="380" r:id="rId10"/>
+    <p:sldId id="381" r:id="rId11"/>
+    <p:sldId id="382" r:id="rId12"/>
+    <p:sldId id="384" r:id="rId13"/>
+    <p:sldId id="383" r:id="rId14"/>
+    <p:sldId id="269" r:id="rId15"/>
   </p:sldIdLst>
   <p:sldSz cx="9144000" cy="6858000" type="screen4x3"/>
   <p:notesSz cx="6858000" cy="9144000"/>
@@ -204,7 +211,7 @@
           <a:p>
             <a:fld id="{93500CC2-B2B2-4C5E-B2DB-AB390A470EA1}" type="datetimeFigureOut">
               <a:rPr lang="en-GB" smtClean="0"/>
-              <a:t>15/09/18</a:t>
+              <a:t>07/12/18</a:t>
             </a:fld>
             <a:endParaRPr lang="en-GB"/>
           </a:p>
@@ -744,7 +751,7 @@
           <a:p>
             <a:fld id="{C64CD8ED-4DC0-4871-80D6-2E57B779E393}" type="datetime1">
               <a:rPr lang="en-US" smtClean="0"/>
-              <a:t>15/09/18</a:t>
+              <a:t>07/12/18</a:t>
             </a:fld>
             <a:endParaRPr lang="en-US"/>
           </a:p>
@@ -944,7 +951,7 @@
           <a:p>
             <a:fld id="{C74161E9-A9F7-4677-9FA9-680E6D35AA1C}" type="datetime1">
               <a:rPr lang="en-US" smtClean="0"/>
-              <a:t>15/09/18</a:t>
+              <a:t>07/12/18</a:t>
             </a:fld>
             <a:endParaRPr lang="en-US"/>
           </a:p>
@@ -1119,7 +1126,7 @@
           <a:p>
             <a:fld id="{3401F1B8-DD1B-4E00-A314-6CCBF5544006}" type="datetime1">
               <a:rPr lang="en-US" smtClean="0"/>
-              <a:t>15/09/18</a:t>
+              <a:t>07/12/18</a:t>
             </a:fld>
             <a:endParaRPr lang="en-US"/>
           </a:p>
@@ -1284,7 +1291,7 @@
           <a:p>
             <a:fld id="{20EE9FA0-450A-4DB0-B0AB-18DB89D35454}" type="datetime1">
               <a:rPr lang="en-US" smtClean="0"/>
-              <a:t>15/09/18</a:t>
+              <a:t>07/12/18</a:t>
             </a:fld>
             <a:endParaRPr lang="en-US"/>
           </a:p>
@@ -1532,7 +1539,7 @@
           <a:p>
             <a:fld id="{7EC56B97-FC1B-427F-9B0E-93A386441B29}" type="datetime1">
               <a:rPr lang="en-US" smtClean="0"/>
-              <a:t>15/09/18</a:t>
+              <a:t>07/12/18</a:t>
             </a:fld>
             <a:endParaRPr lang="en-US"/>
           </a:p>
@@ -1850,7 +1857,7 @@
           <a:p>
             <a:fld id="{FCE68E21-8370-4363-AC28-7FE6E76E54B1}" type="datetime1">
               <a:rPr lang="en-US" smtClean="0"/>
-              <a:t>15/09/18</a:t>
+              <a:t>07/12/18</a:t>
             </a:fld>
             <a:endParaRPr lang="en-US"/>
           </a:p>
@@ -2316,7 +2323,7 @@
           <a:p>
             <a:fld id="{DE21D7F6-C620-4327-ABD6-5649DCCC9D7B}" type="datetime1">
               <a:rPr lang="en-US" smtClean="0"/>
-              <a:t>15/09/18</a:t>
+              <a:t>07/12/18</a:t>
             </a:fld>
             <a:endParaRPr lang="en-US"/>
           </a:p>
@@ -2464,7 +2471,7 @@
           <a:p>
             <a:fld id="{B586EC62-343A-4449-AB6B-1C2E9E026A90}" type="datetime1">
               <a:rPr lang="en-US" smtClean="0"/>
-              <a:t>15/09/18</a:t>
+              <a:t>07/12/18</a:t>
             </a:fld>
             <a:endParaRPr lang="en-US"/>
           </a:p>
@@ -2554,7 +2561,7 @@
           <a:p>
             <a:fld id="{F496258A-B4CB-4F23-A4C0-6DF70BD096AD}" type="datetime1">
               <a:rPr lang="en-US" smtClean="0"/>
-              <a:t>15/09/18</a:t>
+              <a:t>07/12/18</a:t>
             </a:fld>
             <a:endParaRPr lang="en-US"/>
           </a:p>
@@ -2828,7 +2835,7 @@
           <a:p>
             <a:fld id="{3F51703E-8549-44B6-9C94-90BF3B139E17}" type="datetime1">
               <a:rPr lang="en-US" smtClean="0"/>
-              <a:t>15/09/18</a:t>
+              <a:t>07/12/18</a:t>
             </a:fld>
             <a:endParaRPr lang="en-US"/>
           </a:p>
@@ -3133,7 +3140,7 @@
           <a:p>
             <a:fld id="{DE6A5A91-5E4B-4C78-B9D4-B8726E898A2C}" type="datetime1">
               <a:rPr lang="en-US" smtClean="0"/>
-              <a:t>15/09/18</a:t>
+              <a:t>07/12/18</a:t>
             </a:fld>
             <a:endParaRPr lang="en-US"/>
           </a:p>
@@ -3431,7 +3438,7 @@
           <a:p>
             <a:fld id="{773D8793-05E7-4BFA-9CED-8F335001F9D9}" type="datetime1">
               <a:rPr lang="en-US" smtClean="0"/>
-              <a:t>15/09/18</a:t>
+              <a:t>07/12/18</a:t>
             </a:fld>
             <a:endParaRPr lang="en-US"/>
           </a:p>
@@ -3879,6 +3886,743 @@
     <p:extLst>
       <p:ext uri="{BB962C8B-B14F-4D97-AF65-F5344CB8AC3E}">
         <p14:creationId xmlns:p14="http://schemas.microsoft.com/office/powerpoint/2010/main" val="448943379"/>
+      </p:ext>
+    </p:extLst>
+  </p:cSld>
+  <p:clrMapOvr>
+    <a:masterClrMapping/>
+  </p:clrMapOvr>
+  <p:timing>
+    <p:tnLst>
+      <p:par>
+        <p:cTn xmlns:p14="http://schemas.microsoft.com/office/powerpoint/2010/main" id="1" dur="indefinite" restart="never" nodeType="tmRoot"/>
+      </p:par>
+    </p:tnLst>
+  </p:timing>
+</p:sld>
+</file>
+
+<file path=ppt/slides/slide10.xml><?xml version="1.0" encoding="utf-8"?>
+<p:sld xmlns:a="http://schemas.openxmlformats.org/drawingml/2006/main" xmlns:r="http://schemas.openxmlformats.org/officeDocument/2006/relationships" xmlns:p="http://schemas.openxmlformats.org/presentationml/2006/main">
+  <p:cSld>
+    <p:spTree>
+      <p:nvGrpSpPr>
+        <p:cNvPr id="1" name=""/>
+        <p:cNvGrpSpPr/>
+        <p:nvPr/>
+      </p:nvGrpSpPr>
+      <p:grpSpPr>
+        <a:xfrm>
+          <a:off x="0" y="0"/>
+          <a:ext cx="0" cy="0"/>
+          <a:chOff x="0" y="0"/>
+          <a:chExt cx="0" cy="0"/>
+        </a:xfrm>
+      </p:grpSpPr>
+      <p:sp>
+        <p:nvSpPr>
+          <p:cNvPr id="2" name="Title 1"/>
+          <p:cNvSpPr>
+            <a:spLocks noGrp="1"/>
+          </p:cNvSpPr>
+          <p:nvPr>
+            <p:ph type="title"/>
+          </p:nvPr>
+        </p:nvSpPr>
+        <p:spPr/>
+        <p:txBody>
+          <a:bodyPr/>
+          <a:lstStyle/>
+          <a:p>
+            <a:r>
+              <a:rPr lang="en-GB" dirty="0" err="1" smtClean="0"/>
+              <a:t>OpsWorks</a:t>
+            </a:r>
+            <a:endParaRPr lang="en-US" dirty="0"/>
+          </a:p>
+        </p:txBody>
+      </p:sp>
+      <p:sp>
+        <p:nvSpPr>
+          <p:cNvPr id="4" name="Slide Number Placeholder 3"/>
+          <p:cNvSpPr>
+            <a:spLocks noGrp="1"/>
+          </p:cNvSpPr>
+          <p:nvPr>
+            <p:ph type="sldNum" sz="quarter" idx="12"/>
+          </p:nvPr>
+        </p:nvSpPr>
+        <p:spPr/>
+        <p:txBody>
+          <a:bodyPr/>
+          <a:lstStyle/>
+          <a:p>
+            <a:fld id="{CF3BE448-F768-4AC5-8094-8F17F27BA907}" type="slidenum">
+              <a:rPr lang="en-US" smtClean="0"/>
+              <a:t>10</a:t>
+            </a:fld>
+            <a:endParaRPr lang="en-US"/>
+          </a:p>
+        </p:txBody>
+      </p:sp>
+      <p:sp>
+        <p:nvSpPr>
+          <p:cNvPr id="6" name="TextBox 5"/>
+          <p:cNvSpPr txBox="1"/>
+          <p:nvPr/>
+        </p:nvSpPr>
+        <p:spPr>
+          <a:xfrm>
+            <a:off x="611560" y="1556792"/>
+            <a:ext cx="8064896" cy="646331"/>
+          </a:xfrm>
+          <a:prstGeom prst="rect">
+            <a:avLst/>
+          </a:prstGeom>
+          <a:noFill/>
+        </p:spPr>
+        <p:txBody>
+          <a:bodyPr wrap="square" rtlCol="0">
+            <a:spAutoFit/>
+          </a:bodyPr>
+          <a:lstStyle/>
+          <a:p>
+            <a:pPr marL="285750" indent="-285750">
+              <a:buFont typeface="Arial"/>
+              <a:buChar char="•"/>
+            </a:pPr>
+            <a:r>
+              <a:rPr lang="en-US" dirty="0" smtClean="0"/>
+              <a:t>Configuration Management Platform</a:t>
+            </a:r>
+          </a:p>
+          <a:p>
+            <a:pPr marL="285750" indent="-285750">
+              <a:buFont typeface="Arial"/>
+              <a:buChar char="•"/>
+            </a:pPr>
+            <a:r>
+              <a:rPr lang="en-US" dirty="0" smtClean="0"/>
+              <a:t>Stack, Layers </a:t>
+            </a:r>
+            <a:r>
+              <a:rPr lang="en-US" smtClean="0"/>
+              <a:t>and Recipes</a:t>
+            </a:r>
+            <a:endParaRPr lang="en-US" dirty="0" smtClean="0"/>
+          </a:p>
+        </p:txBody>
+      </p:sp>
+    </p:spTree>
+    <p:extLst>
+      <p:ext uri="{BB962C8B-B14F-4D97-AF65-F5344CB8AC3E}">
+        <p14:creationId xmlns:p14="http://schemas.microsoft.com/office/powerpoint/2010/main" val="3136414349"/>
+      </p:ext>
+    </p:extLst>
+  </p:cSld>
+  <p:clrMapOvr>
+    <a:masterClrMapping/>
+  </p:clrMapOvr>
+  <p:timing>
+    <p:tnLst>
+      <p:par>
+        <p:cTn xmlns:p14="http://schemas.microsoft.com/office/powerpoint/2010/main" id="1" dur="indefinite" restart="never" nodeType="tmRoot"/>
+      </p:par>
+    </p:tnLst>
+  </p:timing>
+</p:sld>
+</file>
+
+<file path=ppt/slides/slide11.xml><?xml version="1.0" encoding="utf-8"?>
+<p:sld xmlns:a="http://schemas.openxmlformats.org/drawingml/2006/main" xmlns:r="http://schemas.openxmlformats.org/officeDocument/2006/relationships" xmlns:p="http://schemas.openxmlformats.org/presentationml/2006/main">
+  <p:cSld>
+    <p:spTree>
+      <p:nvGrpSpPr>
+        <p:cNvPr id="1" name=""/>
+        <p:cNvGrpSpPr/>
+        <p:nvPr/>
+      </p:nvGrpSpPr>
+      <p:grpSpPr>
+        <a:xfrm>
+          <a:off x="0" y="0"/>
+          <a:ext cx="0" cy="0"/>
+          <a:chOff x="0" y="0"/>
+          <a:chExt cx="0" cy="0"/>
+        </a:xfrm>
+      </p:grpSpPr>
+      <p:sp>
+        <p:nvSpPr>
+          <p:cNvPr id="2" name="Title 1"/>
+          <p:cNvSpPr>
+            <a:spLocks noGrp="1"/>
+          </p:cNvSpPr>
+          <p:nvPr>
+            <p:ph type="title"/>
+          </p:nvPr>
+        </p:nvSpPr>
+        <p:spPr/>
+        <p:txBody>
+          <a:bodyPr/>
+          <a:lstStyle/>
+          <a:p>
+            <a:r>
+              <a:rPr lang="en-GB" dirty="0" smtClean="0"/>
+              <a:t>S</a:t>
+            </a:r>
+            <a:r>
+              <a:rPr lang="en-GB" dirty="0" smtClean="0"/>
+              <a:t>tateless Application</a:t>
+            </a:r>
+            <a:endParaRPr lang="en-US" dirty="0"/>
+          </a:p>
+        </p:txBody>
+      </p:sp>
+      <p:sp>
+        <p:nvSpPr>
+          <p:cNvPr id="4" name="Slide Number Placeholder 3"/>
+          <p:cNvSpPr>
+            <a:spLocks noGrp="1"/>
+          </p:cNvSpPr>
+          <p:nvPr>
+            <p:ph type="sldNum" sz="quarter" idx="12"/>
+          </p:nvPr>
+        </p:nvSpPr>
+        <p:spPr/>
+        <p:txBody>
+          <a:bodyPr/>
+          <a:lstStyle/>
+          <a:p>
+            <a:fld id="{CF3BE448-F768-4AC5-8094-8F17F27BA907}" type="slidenum">
+              <a:rPr lang="en-US" smtClean="0"/>
+              <a:t>11</a:t>
+            </a:fld>
+            <a:endParaRPr lang="en-US"/>
+          </a:p>
+        </p:txBody>
+      </p:sp>
+      <p:sp>
+        <p:nvSpPr>
+          <p:cNvPr id="6" name="TextBox 5"/>
+          <p:cNvSpPr txBox="1"/>
+          <p:nvPr/>
+        </p:nvSpPr>
+        <p:spPr>
+          <a:xfrm>
+            <a:off x="611560" y="1556792"/>
+            <a:ext cx="8064896" cy="369332"/>
+          </a:xfrm>
+          <a:prstGeom prst="rect">
+            <a:avLst/>
+          </a:prstGeom>
+          <a:noFill/>
+        </p:spPr>
+        <p:txBody>
+          <a:bodyPr wrap="square" rtlCol="0">
+            <a:spAutoFit/>
+          </a:bodyPr>
+          <a:lstStyle/>
+          <a:p>
+            <a:pPr marL="285750" indent="-285750">
+              <a:buFont typeface="Arial"/>
+              <a:buChar char="•"/>
+            </a:pPr>
+            <a:r>
+              <a:rPr lang="en-US" dirty="0" smtClean="0"/>
+              <a:t>Stateless applications can scale horizontally </a:t>
+            </a:r>
+            <a:endParaRPr lang="en-US" dirty="0" smtClean="0"/>
+          </a:p>
+        </p:txBody>
+      </p:sp>
+    </p:spTree>
+    <p:extLst>
+      <p:ext uri="{BB962C8B-B14F-4D97-AF65-F5344CB8AC3E}">
+        <p14:creationId xmlns:p14="http://schemas.microsoft.com/office/powerpoint/2010/main" val="1562825207"/>
+      </p:ext>
+    </p:extLst>
+  </p:cSld>
+  <p:clrMapOvr>
+    <a:masterClrMapping/>
+  </p:clrMapOvr>
+  <p:timing>
+    <p:tnLst>
+      <p:par>
+        <p:cTn xmlns:p14="http://schemas.microsoft.com/office/powerpoint/2010/main" id="1" dur="indefinite" restart="never" nodeType="tmRoot"/>
+      </p:par>
+    </p:tnLst>
+  </p:timing>
+</p:sld>
+</file>
+
+<file path=ppt/slides/slide12.xml><?xml version="1.0" encoding="utf-8"?>
+<p:sld xmlns:a="http://schemas.openxmlformats.org/drawingml/2006/main" xmlns:r="http://schemas.openxmlformats.org/officeDocument/2006/relationships" xmlns:p="http://schemas.openxmlformats.org/presentationml/2006/main">
+  <p:cSld>
+    <p:spTree>
+      <p:nvGrpSpPr>
+        <p:cNvPr id="1" name=""/>
+        <p:cNvGrpSpPr/>
+        <p:nvPr/>
+      </p:nvGrpSpPr>
+      <p:grpSpPr>
+        <a:xfrm>
+          <a:off x="0" y="0"/>
+          <a:ext cx="0" cy="0"/>
+          <a:chOff x="0" y="0"/>
+          <a:chExt cx="0" cy="0"/>
+        </a:xfrm>
+      </p:grpSpPr>
+      <p:sp>
+        <p:nvSpPr>
+          <p:cNvPr id="2" name="Title 1"/>
+          <p:cNvSpPr>
+            <a:spLocks noGrp="1"/>
+          </p:cNvSpPr>
+          <p:nvPr>
+            <p:ph type="title"/>
+          </p:nvPr>
+        </p:nvSpPr>
+        <p:spPr/>
+        <p:txBody>
+          <a:bodyPr/>
+          <a:lstStyle/>
+          <a:p>
+            <a:r>
+              <a:rPr lang="en-GB" dirty="0" smtClean="0"/>
+              <a:t>S</a:t>
+            </a:r>
+            <a:r>
+              <a:rPr lang="en-GB" dirty="0" smtClean="0"/>
+              <a:t>tateful Application</a:t>
+            </a:r>
+            <a:endParaRPr lang="en-US" dirty="0"/>
+          </a:p>
+        </p:txBody>
+      </p:sp>
+      <p:sp>
+        <p:nvSpPr>
+          <p:cNvPr id="4" name="Slide Number Placeholder 3"/>
+          <p:cNvSpPr>
+            <a:spLocks noGrp="1"/>
+          </p:cNvSpPr>
+          <p:nvPr>
+            <p:ph type="sldNum" sz="quarter" idx="12"/>
+          </p:nvPr>
+        </p:nvSpPr>
+        <p:spPr/>
+        <p:txBody>
+          <a:bodyPr/>
+          <a:lstStyle/>
+          <a:p>
+            <a:fld id="{CF3BE448-F768-4AC5-8094-8F17F27BA907}" type="slidenum">
+              <a:rPr lang="en-US" smtClean="0"/>
+              <a:t>12</a:t>
+            </a:fld>
+            <a:endParaRPr lang="en-US"/>
+          </a:p>
+        </p:txBody>
+      </p:sp>
+      <p:sp>
+        <p:nvSpPr>
+          <p:cNvPr id="6" name="TextBox 5"/>
+          <p:cNvSpPr txBox="1"/>
+          <p:nvPr/>
+        </p:nvSpPr>
+        <p:spPr>
+          <a:xfrm>
+            <a:off x="611560" y="1556792"/>
+            <a:ext cx="8064896" cy="1200329"/>
+          </a:xfrm>
+          <a:prstGeom prst="rect">
+            <a:avLst/>
+          </a:prstGeom>
+          <a:noFill/>
+        </p:spPr>
+        <p:txBody>
+          <a:bodyPr wrap="square" rtlCol="0">
+            <a:spAutoFit/>
+          </a:bodyPr>
+          <a:lstStyle/>
+          <a:p>
+            <a:pPr marL="285750" indent="-285750">
+              <a:buFont typeface="Arial"/>
+              <a:buChar char="•"/>
+            </a:pPr>
+            <a:r>
+              <a:rPr lang="en-US" dirty="0" smtClean="0"/>
+              <a:t>Stateful application – Session information can be stored in DynamoDB  </a:t>
+            </a:r>
+          </a:p>
+          <a:p>
+            <a:pPr marL="285750" indent="-285750">
+              <a:buFont typeface="Arial"/>
+              <a:buChar char="•"/>
+            </a:pPr>
+            <a:r>
+              <a:rPr lang="en-US" dirty="0" smtClean="0"/>
+              <a:t>Files – S3 or EFS can be used to store large files</a:t>
+            </a:r>
+          </a:p>
+          <a:p>
+            <a:pPr marL="285750" indent="-285750">
+              <a:buFont typeface="Arial"/>
+              <a:buChar char="•"/>
+            </a:pPr>
+            <a:r>
+              <a:rPr lang="en-US" dirty="0"/>
+              <a:t>You can use </a:t>
+            </a:r>
+            <a:r>
+              <a:rPr lang="en-US" dirty="0">
+                <a:solidFill>
+                  <a:srgbClr val="FF0000"/>
+                </a:solidFill>
+              </a:rPr>
+              <a:t>AWS Step Functions </a:t>
+            </a:r>
+            <a:r>
+              <a:rPr lang="en-US" dirty="0"/>
+              <a:t>to centrally store execution history and make these workloads stateless</a:t>
+            </a:r>
+            <a:endParaRPr lang="en-US" dirty="0" smtClean="0"/>
+          </a:p>
+        </p:txBody>
+      </p:sp>
+    </p:spTree>
+    <p:extLst>
+      <p:ext uri="{BB962C8B-B14F-4D97-AF65-F5344CB8AC3E}">
+        <p14:creationId xmlns:p14="http://schemas.microsoft.com/office/powerpoint/2010/main" val="1504741193"/>
+      </p:ext>
+    </p:extLst>
+  </p:cSld>
+  <p:clrMapOvr>
+    <a:masterClrMapping/>
+  </p:clrMapOvr>
+  <p:timing>
+    <p:tnLst>
+      <p:par>
+        <p:cTn xmlns:p14="http://schemas.microsoft.com/office/powerpoint/2010/main" id="1" dur="indefinite" restart="never" nodeType="tmRoot"/>
+      </p:par>
+    </p:tnLst>
+  </p:timing>
+</p:sld>
+</file>
+
+<file path=ppt/slides/slide13.xml><?xml version="1.0" encoding="utf-8"?>
+<p:sld xmlns:a="http://schemas.openxmlformats.org/drawingml/2006/main" xmlns:r="http://schemas.openxmlformats.org/officeDocument/2006/relationships" xmlns:p="http://schemas.openxmlformats.org/presentationml/2006/main">
+  <p:cSld>
+    <p:spTree>
+      <p:nvGrpSpPr>
+        <p:cNvPr id="1" name=""/>
+        <p:cNvGrpSpPr/>
+        <p:nvPr/>
+      </p:nvGrpSpPr>
+      <p:grpSpPr>
+        <a:xfrm>
+          <a:off x="0" y="0"/>
+          <a:ext cx="0" cy="0"/>
+          <a:chOff x="0" y="0"/>
+          <a:chExt cx="0" cy="0"/>
+        </a:xfrm>
+      </p:grpSpPr>
+      <p:sp>
+        <p:nvSpPr>
+          <p:cNvPr id="2" name="Title 1"/>
+          <p:cNvSpPr>
+            <a:spLocks noGrp="1"/>
+          </p:cNvSpPr>
+          <p:nvPr>
+            <p:ph type="title"/>
+          </p:nvPr>
+        </p:nvSpPr>
+        <p:spPr/>
+        <p:txBody>
+          <a:bodyPr/>
+          <a:lstStyle/>
+          <a:p>
+            <a:r>
+              <a:rPr lang="en-GB" dirty="0" smtClean="0"/>
+              <a:t>Multiple Nodes</a:t>
+            </a:r>
+            <a:endParaRPr lang="en-US" dirty="0"/>
+          </a:p>
+        </p:txBody>
+      </p:sp>
+      <p:sp>
+        <p:nvSpPr>
+          <p:cNvPr id="4" name="Slide Number Placeholder 3"/>
+          <p:cNvSpPr>
+            <a:spLocks noGrp="1"/>
+          </p:cNvSpPr>
+          <p:nvPr>
+            <p:ph type="sldNum" sz="quarter" idx="12"/>
+          </p:nvPr>
+        </p:nvSpPr>
+        <p:spPr/>
+        <p:txBody>
+          <a:bodyPr/>
+          <a:lstStyle/>
+          <a:p>
+            <a:fld id="{CF3BE448-F768-4AC5-8094-8F17F27BA907}" type="slidenum">
+              <a:rPr lang="en-US" smtClean="0"/>
+              <a:t>13</a:t>
+            </a:fld>
+            <a:endParaRPr lang="en-US"/>
+          </a:p>
+        </p:txBody>
+      </p:sp>
+      <p:sp>
+        <p:nvSpPr>
+          <p:cNvPr id="6" name="TextBox 5"/>
+          <p:cNvSpPr txBox="1"/>
+          <p:nvPr/>
+        </p:nvSpPr>
+        <p:spPr>
+          <a:xfrm>
+            <a:off x="611560" y="1556792"/>
+            <a:ext cx="8064896" cy="2862323"/>
+          </a:xfrm>
+          <a:prstGeom prst="rect">
+            <a:avLst/>
+          </a:prstGeom>
+          <a:noFill/>
+        </p:spPr>
+        <p:txBody>
+          <a:bodyPr wrap="square" rtlCol="0">
+            <a:spAutoFit/>
+          </a:bodyPr>
+          <a:lstStyle/>
+          <a:p>
+            <a:pPr marL="285750" indent="-285750">
+              <a:buFont typeface="Arial"/>
+              <a:buChar char="•"/>
+            </a:pPr>
+            <a:r>
+              <a:rPr lang="en-US" b="1" dirty="0" smtClean="0">
+                <a:solidFill>
+                  <a:srgbClr val="FF0000"/>
+                </a:solidFill>
+              </a:rPr>
+              <a:t>Push or Pull </a:t>
+            </a:r>
+            <a:r>
+              <a:rPr lang="en-US" dirty="0" smtClean="0"/>
+              <a:t>model can be used to distribute loads to multiple nodes in the environment</a:t>
+            </a:r>
+          </a:p>
+          <a:p>
+            <a:pPr marL="285750" indent="-285750">
+              <a:buFont typeface="Arial"/>
+              <a:buChar char="•"/>
+            </a:pPr>
+            <a:r>
+              <a:rPr lang="en-US" dirty="0" smtClean="0"/>
+              <a:t>Pull model – asynchronous or event driven solution</a:t>
+            </a:r>
+          </a:p>
+          <a:p>
+            <a:pPr marL="285750" indent="-285750">
+              <a:buFont typeface="Arial"/>
+              <a:buChar char="•"/>
+            </a:pPr>
+            <a:r>
+              <a:rPr lang="en-US" dirty="0" smtClean="0"/>
+              <a:t>Network load balancer operates at Layer 4 of OSI model</a:t>
+            </a:r>
+          </a:p>
+          <a:p>
+            <a:pPr marL="285750" indent="-285750">
+              <a:buFont typeface="Arial"/>
+              <a:buChar char="•"/>
+            </a:pPr>
+            <a:r>
+              <a:rPr lang="en-US" dirty="0" smtClean="0"/>
+              <a:t>Application load balancer operates at Layer 7 of OSI model</a:t>
+            </a:r>
+          </a:p>
+          <a:p>
+            <a:pPr marL="285750" indent="-285750">
+              <a:buFont typeface="Arial"/>
+              <a:buChar char="•"/>
+            </a:pPr>
+            <a:r>
+              <a:rPr lang="en-US" dirty="0" smtClean="0"/>
+              <a:t>Route 53 can be used to implement the DNS round robin. This approach doesn’t work well with elasticity. </a:t>
+            </a:r>
+            <a:r>
+              <a:rPr lang="en-US" dirty="0"/>
+              <a:t>This is because even if you can set low time to live (TTL) values for your DNS records, caching DNS resolvers are outside the control of Amazon Route 53 and might not always respect your settings.</a:t>
+            </a:r>
+            <a:endParaRPr lang="en-US" dirty="0" smtClean="0"/>
+          </a:p>
+        </p:txBody>
+      </p:sp>
+    </p:spTree>
+    <p:extLst>
+      <p:ext uri="{BB962C8B-B14F-4D97-AF65-F5344CB8AC3E}">
+        <p14:creationId xmlns:p14="http://schemas.microsoft.com/office/powerpoint/2010/main" val="737559828"/>
+      </p:ext>
+    </p:extLst>
+  </p:cSld>
+  <p:clrMapOvr>
+    <a:masterClrMapping/>
+  </p:clrMapOvr>
+  <p:timing>
+    <p:tnLst>
+      <p:par>
+        <p:cTn xmlns:p14="http://schemas.microsoft.com/office/powerpoint/2010/main" id="1" dur="indefinite" restart="never" nodeType="tmRoot"/>
+      </p:par>
+    </p:tnLst>
+  </p:timing>
+</p:sld>
+</file>
+
+<file path=ppt/slides/slide14.xml><?xml version="1.0" encoding="utf-8"?>
+<p:sld xmlns:a="http://schemas.openxmlformats.org/drawingml/2006/main" xmlns:r="http://schemas.openxmlformats.org/officeDocument/2006/relationships" xmlns:p="http://schemas.openxmlformats.org/presentationml/2006/main">
+  <p:cSld>
+    <p:spTree>
+      <p:nvGrpSpPr>
+        <p:cNvPr id="1" name=""/>
+        <p:cNvGrpSpPr/>
+        <p:nvPr/>
+      </p:nvGrpSpPr>
+      <p:grpSpPr>
+        <a:xfrm>
+          <a:off x="0" y="0"/>
+          <a:ext cx="0" cy="0"/>
+          <a:chOff x="0" y="0"/>
+          <a:chExt cx="0" cy="0"/>
+        </a:xfrm>
+      </p:grpSpPr>
+      <p:sp>
+        <p:nvSpPr>
+          <p:cNvPr id="2" name="Title 1"/>
+          <p:cNvSpPr>
+            <a:spLocks noGrp="1"/>
+          </p:cNvSpPr>
+          <p:nvPr>
+            <p:ph type="title"/>
+          </p:nvPr>
+        </p:nvSpPr>
+        <p:spPr/>
+        <p:txBody>
+          <a:bodyPr/>
+          <a:lstStyle/>
+          <a:p>
+            <a:r>
+              <a:rPr lang="en-US" dirty="0" smtClean="0"/>
+              <a:t>References</a:t>
+            </a:r>
+            <a:endParaRPr lang="en-US" dirty="0"/>
+          </a:p>
+        </p:txBody>
+      </p:sp>
+      <p:sp>
+        <p:nvSpPr>
+          <p:cNvPr id="3" name="Content Placeholder 2"/>
+          <p:cNvSpPr>
+            <a:spLocks noGrp="1"/>
+          </p:cNvSpPr>
+          <p:nvPr>
+            <p:ph idx="1"/>
+          </p:nvPr>
+        </p:nvSpPr>
+        <p:spPr/>
+        <p:txBody>
+          <a:bodyPr>
+            <a:normAutofit/>
+          </a:bodyPr>
+          <a:lstStyle/>
+          <a:p>
+            <a:r>
+              <a:rPr lang="en-US" sz="1600" dirty="0" smtClean="0"/>
+              <a:t>AWS online documentation</a:t>
+            </a:r>
+          </a:p>
+          <a:p>
+            <a:r>
+              <a:rPr lang="en-US" sz="1600" dirty="0">
+                <a:hlinkClick r:id="rId2"/>
+              </a:rPr>
+              <a:t>http://</a:t>
+            </a:r>
+            <a:r>
+              <a:rPr lang="en-US" sz="1600" dirty="0" smtClean="0">
+                <a:hlinkClick r:id="rId2"/>
+              </a:rPr>
+              <a:t>docs.aws.amazon.com/AmazonVPC/latest/UserGuide/default-vpc.html</a:t>
+            </a:r>
+            <a:endParaRPr lang="en-US" sz="1600" dirty="0" smtClean="0"/>
+          </a:p>
+          <a:p>
+            <a:r>
+              <a:rPr lang="en-US" sz="1600" dirty="0">
+                <a:hlinkClick r:id="rId3"/>
+              </a:rPr>
+              <a:t>http://docs.aws.amazon.com/AmazonVPC/latest/UserGuide/VPC_Scenario2.</a:t>
+            </a:r>
+            <a:r>
+              <a:rPr lang="en-US" sz="1600" dirty="0" smtClean="0">
+                <a:hlinkClick r:id="rId3"/>
+              </a:rPr>
+              <a:t>html</a:t>
+            </a:r>
+            <a:endParaRPr lang="en-US" sz="1600" dirty="0" smtClean="0"/>
+          </a:p>
+          <a:p>
+            <a:r>
+              <a:rPr lang="en-US" sz="1600" dirty="0">
+                <a:hlinkClick r:id="rId4"/>
+              </a:rPr>
+              <a:t>https://fourteenislands.io/2015/06/aws-certified-sysops-administrator-associate-level-sample-exam-questions-and-answers</a:t>
+            </a:r>
+            <a:r>
+              <a:rPr lang="en-US" sz="1600" dirty="0" smtClean="0">
+                <a:hlinkClick r:id="rId4"/>
+              </a:rPr>
+              <a:t>/</a:t>
+            </a:r>
+            <a:endParaRPr lang="en-US" sz="1600" dirty="0" smtClean="0"/>
+          </a:p>
+          <a:p>
+            <a:r>
+              <a:rPr lang="en-US" sz="1600" dirty="0"/>
+              <a:t>https://d0.awsstatic.com/whitepapers/</a:t>
+            </a:r>
+            <a:r>
+              <a:rPr lang="en-US" sz="1600" dirty="0" err="1"/>
+              <a:t>AWS_Cloud_Best_Practices.pdf</a:t>
+            </a:r>
+            <a:endParaRPr lang="en-US" sz="1600" dirty="0" smtClean="0"/>
+          </a:p>
+        </p:txBody>
+      </p:sp>
+      <p:sp>
+        <p:nvSpPr>
+          <p:cNvPr id="4" name="Slide Number Placeholder 3"/>
+          <p:cNvSpPr>
+            <a:spLocks noGrp="1"/>
+          </p:cNvSpPr>
+          <p:nvPr>
+            <p:ph type="sldNum" sz="quarter" idx="12"/>
+          </p:nvPr>
+        </p:nvSpPr>
+        <p:spPr/>
+        <p:txBody>
+          <a:bodyPr/>
+          <a:lstStyle/>
+          <a:p>
+            <a:fld id="{CF3BE448-F768-4AC5-8094-8F17F27BA907}" type="slidenum">
+              <a:rPr lang="en-US" smtClean="0"/>
+              <a:t>14</a:t>
+            </a:fld>
+            <a:endParaRPr lang="en-US"/>
+          </a:p>
+        </p:txBody>
+      </p:sp>
+    </p:spTree>
+    <p:extLst>
+      <p:ext uri="{BB962C8B-B14F-4D97-AF65-F5344CB8AC3E}">
+        <p14:creationId xmlns:p14="http://schemas.microsoft.com/office/powerpoint/2010/main" val="924403351"/>
       </p:ext>
     </p:extLst>
   </p:cSld>
@@ -5279,56 +6023,10 @@
           <a:lstStyle/>
           <a:p>
             <a:r>
-              <a:rPr lang="en-US" dirty="0" smtClean="0"/>
-              <a:t>References</a:t>
+              <a:rPr lang="en-GB" dirty="0" smtClean="0"/>
+              <a:t>Network Performance</a:t>
             </a:r>
             <a:endParaRPr lang="en-US" dirty="0"/>
-          </a:p>
-        </p:txBody>
-      </p:sp>
-      <p:sp>
-        <p:nvSpPr>
-          <p:cNvPr id="3" name="Content Placeholder 2"/>
-          <p:cNvSpPr>
-            <a:spLocks noGrp="1"/>
-          </p:cNvSpPr>
-          <p:nvPr>
-            <p:ph idx="1"/>
-          </p:nvPr>
-        </p:nvSpPr>
-        <p:spPr/>
-        <p:txBody>
-          <a:bodyPr>
-            <a:normAutofit/>
-          </a:bodyPr>
-          <a:lstStyle/>
-          <a:p>
-            <a:r>
-              <a:rPr lang="en-US" sz="1600" dirty="0" smtClean="0"/>
-              <a:t>AWS online documentation</a:t>
-            </a:r>
-          </a:p>
-          <a:p>
-            <a:r>
-              <a:rPr lang="en-US" sz="1600" dirty="0">
-                <a:hlinkClick r:id="rId2"/>
-              </a:rPr>
-              <a:t>http://</a:t>
-            </a:r>
-            <a:r>
-              <a:rPr lang="en-US" sz="1600" dirty="0" smtClean="0">
-                <a:hlinkClick r:id="rId2"/>
-              </a:rPr>
-              <a:t>docs.aws.amazon.com/AmazonVPC/latest/UserGuide/default-vpc.html</a:t>
-            </a:r>
-            <a:endParaRPr lang="en-US" sz="1600" dirty="0" smtClean="0"/>
-          </a:p>
-          <a:p>
-            <a:r>
-              <a:rPr lang="en-US" sz="1600" dirty="0"/>
-              <a:t>http://docs.aws.amazon.com/AmazonVPC/latest/UserGuide/VPC_Scenario2.html</a:t>
-            </a:r>
-            <a:endParaRPr lang="en-US" sz="1600" dirty="0" smtClean="0"/>
           </a:p>
         </p:txBody>
       </p:sp>
@@ -5355,10 +6053,297 @@
           </a:p>
         </p:txBody>
       </p:sp>
+      <p:sp>
+        <p:nvSpPr>
+          <p:cNvPr id="6" name="TextBox 5"/>
+          <p:cNvSpPr txBox="1"/>
+          <p:nvPr/>
+        </p:nvSpPr>
+        <p:spPr>
+          <a:xfrm>
+            <a:off x="611560" y="1556792"/>
+            <a:ext cx="8064896" cy="646331"/>
+          </a:xfrm>
+          <a:prstGeom prst="rect">
+            <a:avLst/>
+          </a:prstGeom>
+          <a:noFill/>
+        </p:spPr>
+        <p:txBody>
+          <a:bodyPr wrap="square" rtlCol="0">
+            <a:spAutoFit/>
+          </a:bodyPr>
+          <a:lstStyle/>
+          <a:p>
+            <a:pPr marL="285750" indent="-285750">
+              <a:buFont typeface="Arial"/>
+              <a:buChar char="•"/>
+            </a:pPr>
+            <a:r>
+              <a:rPr lang="en-US" dirty="0" smtClean="0"/>
+              <a:t>If the network performance degrades, the instance type has to be increased or upgraded </a:t>
+            </a:r>
+          </a:p>
+        </p:txBody>
+      </p:sp>
     </p:spTree>
     <p:extLst>
       <p:ext uri="{BB962C8B-B14F-4D97-AF65-F5344CB8AC3E}">
-        <p14:creationId xmlns:p14="http://schemas.microsoft.com/office/powerpoint/2010/main" val="924403351"/>
+        <p14:creationId xmlns:p14="http://schemas.microsoft.com/office/powerpoint/2010/main" val="2301411216"/>
+      </p:ext>
+    </p:extLst>
+  </p:cSld>
+  <p:clrMapOvr>
+    <a:masterClrMapping/>
+  </p:clrMapOvr>
+  <p:timing>
+    <p:tnLst>
+      <p:par>
+        <p:cTn xmlns:p14="http://schemas.microsoft.com/office/powerpoint/2010/main" id="1" dur="indefinite" restart="never" nodeType="tmRoot"/>
+      </p:par>
+    </p:tnLst>
+  </p:timing>
+</p:sld>
+</file>
+
+<file path=ppt/slides/slide8.xml><?xml version="1.0" encoding="utf-8"?>
+<p:sld xmlns:a="http://schemas.openxmlformats.org/drawingml/2006/main" xmlns:r="http://schemas.openxmlformats.org/officeDocument/2006/relationships" xmlns:p="http://schemas.openxmlformats.org/presentationml/2006/main">
+  <p:cSld>
+    <p:spTree>
+      <p:nvGrpSpPr>
+        <p:cNvPr id="1" name=""/>
+        <p:cNvGrpSpPr/>
+        <p:nvPr/>
+      </p:nvGrpSpPr>
+      <p:grpSpPr>
+        <a:xfrm>
+          <a:off x="0" y="0"/>
+          <a:ext cx="0" cy="0"/>
+          <a:chOff x="0" y="0"/>
+          <a:chExt cx="0" cy="0"/>
+        </a:xfrm>
+      </p:grpSpPr>
+      <p:sp>
+        <p:nvSpPr>
+          <p:cNvPr id="2" name="Title 1"/>
+          <p:cNvSpPr>
+            <a:spLocks noGrp="1"/>
+          </p:cNvSpPr>
+          <p:nvPr>
+            <p:ph type="title"/>
+          </p:nvPr>
+        </p:nvSpPr>
+        <p:spPr/>
+        <p:txBody>
+          <a:bodyPr/>
+          <a:lstStyle/>
+          <a:p>
+            <a:r>
+              <a:rPr lang="en-GB" dirty="0" smtClean="0"/>
+              <a:t>SSD Instance Store</a:t>
+            </a:r>
+            <a:endParaRPr lang="en-US" dirty="0"/>
+          </a:p>
+        </p:txBody>
+      </p:sp>
+      <p:sp>
+        <p:nvSpPr>
+          <p:cNvPr id="4" name="Slide Number Placeholder 3"/>
+          <p:cNvSpPr>
+            <a:spLocks noGrp="1"/>
+          </p:cNvSpPr>
+          <p:nvPr>
+            <p:ph type="sldNum" sz="quarter" idx="12"/>
+          </p:nvPr>
+        </p:nvSpPr>
+        <p:spPr/>
+        <p:txBody>
+          <a:bodyPr/>
+          <a:lstStyle/>
+          <a:p>
+            <a:fld id="{CF3BE448-F768-4AC5-8094-8F17F27BA907}" type="slidenum">
+              <a:rPr lang="en-US" smtClean="0"/>
+              <a:t>8</a:t>
+            </a:fld>
+            <a:endParaRPr lang="en-US"/>
+          </a:p>
+        </p:txBody>
+      </p:sp>
+      <p:sp>
+        <p:nvSpPr>
+          <p:cNvPr id="6" name="TextBox 5"/>
+          <p:cNvSpPr txBox="1"/>
+          <p:nvPr/>
+        </p:nvSpPr>
+        <p:spPr>
+          <a:xfrm>
+            <a:off x="611560" y="1556792"/>
+            <a:ext cx="8064896" cy="646331"/>
+          </a:xfrm>
+          <a:prstGeom prst="rect">
+            <a:avLst/>
+          </a:prstGeom>
+          <a:noFill/>
+        </p:spPr>
+        <p:txBody>
+          <a:bodyPr wrap="square" rtlCol="0">
+            <a:spAutoFit/>
+          </a:bodyPr>
+          <a:lstStyle/>
+          <a:p>
+            <a:pPr marL="285750" indent="-285750">
+              <a:buFont typeface="Arial"/>
+              <a:buChar char="•"/>
+            </a:pPr>
+            <a:r>
+              <a:rPr lang="en-US" dirty="0" err="1" smtClean="0"/>
+              <a:t>NoSQL</a:t>
+            </a:r>
+            <a:r>
+              <a:rPr lang="en-US" dirty="0" smtClean="0"/>
+              <a:t> database requiring random I/O reads of greater than 100K 4KB IOPS – SSD Instance Store can be used</a:t>
+            </a:r>
+          </a:p>
+        </p:txBody>
+      </p:sp>
+    </p:spTree>
+    <p:extLst>
+      <p:ext uri="{BB962C8B-B14F-4D97-AF65-F5344CB8AC3E}">
+        <p14:creationId xmlns:p14="http://schemas.microsoft.com/office/powerpoint/2010/main" val="3476477624"/>
+      </p:ext>
+    </p:extLst>
+  </p:cSld>
+  <p:clrMapOvr>
+    <a:masterClrMapping/>
+  </p:clrMapOvr>
+  <p:timing>
+    <p:tnLst>
+      <p:par>
+        <p:cTn xmlns:p14="http://schemas.microsoft.com/office/powerpoint/2010/main" id="1" dur="indefinite" restart="never" nodeType="tmRoot"/>
+      </p:par>
+    </p:tnLst>
+  </p:timing>
+</p:sld>
+</file>
+
+<file path=ppt/slides/slide9.xml><?xml version="1.0" encoding="utf-8"?>
+<p:sld xmlns:a="http://schemas.openxmlformats.org/drawingml/2006/main" xmlns:r="http://schemas.openxmlformats.org/officeDocument/2006/relationships" xmlns:p="http://schemas.openxmlformats.org/presentationml/2006/main">
+  <p:cSld>
+    <p:spTree>
+      <p:nvGrpSpPr>
+        <p:cNvPr id="1" name=""/>
+        <p:cNvGrpSpPr/>
+        <p:nvPr/>
+      </p:nvGrpSpPr>
+      <p:grpSpPr>
+        <a:xfrm>
+          <a:off x="0" y="0"/>
+          <a:ext cx="0" cy="0"/>
+          <a:chOff x="0" y="0"/>
+          <a:chExt cx="0" cy="0"/>
+        </a:xfrm>
+      </p:grpSpPr>
+      <p:sp>
+        <p:nvSpPr>
+          <p:cNvPr id="2" name="Title 1"/>
+          <p:cNvSpPr>
+            <a:spLocks noGrp="1"/>
+          </p:cNvSpPr>
+          <p:nvPr>
+            <p:ph type="title"/>
+          </p:nvPr>
+        </p:nvSpPr>
+        <p:spPr/>
+        <p:txBody>
+          <a:bodyPr/>
+          <a:lstStyle/>
+          <a:p>
+            <a:r>
+              <a:rPr lang="en-GB" dirty="0" smtClean="0"/>
+              <a:t>Subnets</a:t>
+            </a:r>
+            <a:endParaRPr lang="en-US" dirty="0"/>
+          </a:p>
+        </p:txBody>
+      </p:sp>
+      <p:sp>
+        <p:nvSpPr>
+          <p:cNvPr id="4" name="Slide Number Placeholder 3"/>
+          <p:cNvSpPr>
+            <a:spLocks noGrp="1"/>
+          </p:cNvSpPr>
+          <p:nvPr>
+            <p:ph type="sldNum" sz="quarter" idx="12"/>
+          </p:nvPr>
+        </p:nvSpPr>
+        <p:spPr/>
+        <p:txBody>
+          <a:bodyPr/>
+          <a:lstStyle/>
+          <a:p>
+            <a:fld id="{CF3BE448-F768-4AC5-8094-8F17F27BA907}" type="slidenum">
+              <a:rPr lang="en-US" smtClean="0"/>
+              <a:t>9</a:t>
+            </a:fld>
+            <a:endParaRPr lang="en-US"/>
+          </a:p>
+        </p:txBody>
+      </p:sp>
+      <p:sp>
+        <p:nvSpPr>
+          <p:cNvPr id="6" name="TextBox 5"/>
+          <p:cNvSpPr txBox="1"/>
+          <p:nvPr/>
+        </p:nvSpPr>
+        <p:spPr>
+          <a:xfrm>
+            <a:off x="611560" y="1556792"/>
+            <a:ext cx="8064896" cy="1200329"/>
+          </a:xfrm>
+          <a:prstGeom prst="rect">
+            <a:avLst/>
+          </a:prstGeom>
+          <a:noFill/>
+        </p:spPr>
+        <p:txBody>
+          <a:bodyPr wrap="square" rtlCol="0">
+            <a:spAutoFit/>
+          </a:bodyPr>
+          <a:lstStyle/>
+          <a:p>
+            <a:pPr marL="285750" indent="-285750">
+              <a:buFont typeface="Arial"/>
+              <a:buChar char="•"/>
+            </a:pPr>
+            <a:r>
+              <a:rPr lang="en-US" dirty="0" smtClean="0"/>
+              <a:t>By default, subnets </a:t>
+            </a:r>
+            <a:r>
+              <a:rPr lang="en-US" dirty="0"/>
+              <a:t>are able to communicate with each other, unless you go and manually remove </a:t>
+            </a:r>
+            <a:r>
+              <a:rPr lang="en-US" dirty="0" smtClean="0"/>
+              <a:t>it</a:t>
+            </a:r>
+          </a:p>
+          <a:p>
+            <a:pPr marL="285750" indent="-285750">
+              <a:buFont typeface="Arial"/>
+              <a:buChar char="•"/>
+            </a:pPr>
+            <a:r>
+              <a:rPr lang="en-US" dirty="0" smtClean="0"/>
+              <a:t>Instances in different VPC subset to communicate – The security group and NACL should be configured accordingly</a:t>
+            </a:r>
+          </a:p>
+        </p:txBody>
+      </p:sp>
+    </p:spTree>
+    <p:extLst>
+      <p:ext uri="{BB962C8B-B14F-4D97-AF65-F5344CB8AC3E}">
+        <p14:creationId xmlns:p14="http://schemas.microsoft.com/office/powerpoint/2010/main" val="2001259704"/>
       </p:ext>
     </p:extLst>
   </p:cSld>

--- a/AWS_Sysops.pptx
+++ b/AWS_Sysops.pptx
@@ -5,7 +5,7 @@
     <p:sldMasterId id="2147483732" r:id="rId1"/>
   </p:sldMasterIdLst>
   <p:notesMasterIdLst>
-    <p:notesMasterId r:id="rId16"/>
+    <p:notesMasterId r:id="rId19"/>
   </p:notesMasterIdLst>
   <p:sldIdLst>
     <p:sldId id="256" r:id="rId2"/>
@@ -21,7 +21,10 @@
     <p:sldId id="382" r:id="rId12"/>
     <p:sldId id="384" r:id="rId13"/>
     <p:sldId id="383" r:id="rId14"/>
-    <p:sldId id="269" r:id="rId15"/>
+    <p:sldId id="385" r:id="rId15"/>
+    <p:sldId id="386" r:id="rId16"/>
+    <p:sldId id="387" r:id="rId17"/>
+    <p:sldId id="269" r:id="rId18"/>
   </p:sldIdLst>
   <p:sldSz cx="9144000" cy="6858000" type="screen4x3"/>
   <p:notesSz cx="6858000" cy="9144000"/>
@@ -120,6 +123,22 @@
       </a:defRPr>
     </a:lvl9pPr>
   </p:defaultTextStyle>
+  <p:extLst>
+    <p:ext uri="{EFAFB233-063F-42B5-8137-9DF3F51BA10A}">
+      <p15:sldGuideLst xmlns:p15="http://schemas.microsoft.com/office/powerpoint/2012/main">
+        <p15:guide id="1" orient="horz" pos="2160">
+          <p15:clr>
+            <a:srgbClr val="A4A3A4"/>
+          </p15:clr>
+        </p15:guide>
+        <p15:guide id="2" pos="2880">
+          <p15:clr>
+            <a:srgbClr val="A4A3A4"/>
+          </p15:clr>
+        </p15:guide>
+      </p15:sldGuideLst>
+    </p:ext>
+  </p:extLst>
 </p:presentation>
 </file>
 
@@ -211,7 +230,7 @@
           <a:p>
             <a:fld id="{93500CC2-B2B2-4C5E-B2DB-AB390A470EA1}" type="datetimeFigureOut">
               <a:rPr lang="en-GB" smtClean="0"/>
-              <a:t>07/12/18</a:t>
+              <a:t>07/12/2018</a:t>
             </a:fld>
             <a:endParaRPr lang="en-GB"/>
           </a:p>
@@ -275,35 +294,35 @@
           <a:p>
             <a:pPr lvl="0"/>
             <a:r>
-              <a:rPr lang="en-US" smtClean="0"/>
+              <a:rPr lang="en-US"/>
               <a:t>Click to edit Master text styles</a:t>
             </a:r>
           </a:p>
           <a:p>
             <a:pPr lvl="1"/>
             <a:r>
-              <a:rPr lang="en-US" smtClean="0"/>
+              <a:rPr lang="en-US"/>
               <a:t>Second level</a:t>
             </a:r>
           </a:p>
           <a:p>
             <a:pPr lvl="2"/>
             <a:r>
-              <a:rPr lang="en-US" smtClean="0"/>
+              <a:rPr lang="en-US"/>
               <a:t>Third level</a:t>
             </a:r>
           </a:p>
           <a:p>
             <a:pPr lvl="3"/>
             <a:r>
-              <a:rPr lang="en-US" smtClean="0"/>
+              <a:rPr lang="en-US"/>
               <a:t>Fourth level</a:t>
             </a:r>
           </a:p>
           <a:p>
             <a:pPr lvl="4"/>
             <a:r>
-              <a:rPr lang="en-US" smtClean="0"/>
+              <a:rPr lang="en-US"/>
               <a:t>Fifth level</a:t>
             </a:r>
             <a:endParaRPr lang="en-GB"/>
@@ -607,7 +626,7 @@
           </a:lstStyle>
           <a:p>
             <a:r>
-              <a:rPr lang="en-US" smtClean="0"/>
+              <a:rPr lang="en-US"/>
               <a:t>Click to edit Master title style</a:t>
             </a:r>
             <a:endParaRPr lang="en-US" dirty="0"/>
@@ -727,7 +746,7 @@
           </a:lstStyle>
           <a:p>
             <a:r>
-              <a:rPr lang="en-US" smtClean="0"/>
+              <a:rPr lang="en-US"/>
               <a:t>Click to edit Master subtitle style</a:t>
             </a:r>
             <a:endParaRPr lang="en-US" dirty="0"/>
@@ -751,7 +770,7 @@
           <a:p>
             <a:fld id="{C64CD8ED-4DC0-4871-80D6-2E57B779E393}" type="datetime1">
               <a:rPr lang="en-US" smtClean="0"/>
-              <a:t>07/12/18</a:t>
+              <a:t>12/7/18</a:t>
             </a:fld>
             <a:endParaRPr lang="en-US"/>
           </a:p>
@@ -875,10 +894,9 @@
           <a:lstStyle/>
           <a:p>
             <a:r>
-              <a:rPr lang="en-US" smtClean="0"/>
+              <a:rPr lang="en-US"/>
               <a:t>Click to edit Master title style</a:t>
             </a:r>
-            <a:endParaRPr lang="en-US"/>
           </a:p>
         </p:txBody>
       </p:sp>
@@ -899,38 +917,37 @@
           <a:p>
             <a:pPr lvl="0"/>
             <a:r>
-              <a:rPr lang="en-US" smtClean="0"/>
+              <a:rPr lang="en-US"/>
               <a:t>Click to edit Master text styles</a:t>
             </a:r>
           </a:p>
           <a:p>
             <a:pPr lvl="1"/>
             <a:r>
-              <a:rPr lang="en-US" smtClean="0"/>
+              <a:rPr lang="en-US"/>
               <a:t>Second level</a:t>
             </a:r>
           </a:p>
           <a:p>
             <a:pPr lvl="2"/>
             <a:r>
-              <a:rPr lang="en-US" smtClean="0"/>
+              <a:rPr lang="en-US"/>
               <a:t>Third level</a:t>
             </a:r>
           </a:p>
           <a:p>
             <a:pPr lvl="3"/>
             <a:r>
-              <a:rPr lang="en-US" smtClean="0"/>
+              <a:rPr lang="en-US"/>
               <a:t>Fourth level</a:t>
             </a:r>
           </a:p>
           <a:p>
             <a:pPr lvl="4"/>
             <a:r>
-              <a:rPr lang="en-US" smtClean="0"/>
+              <a:rPr lang="en-US"/>
               <a:t>Fifth level</a:t>
             </a:r>
-            <a:endParaRPr lang="en-US"/>
           </a:p>
         </p:txBody>
       </p:sp>
@@ -951,7 +968,7 @@
           <a:p>
             <a:fld id="{C74161E9-A9F7-4677-9FA9-680E6D35AA1C}" type="datetime1">
               <a:rPr lang="en-US" smtClean="0"/>
-              <a:t>07/12/18</a:t>
+              <a:t>12/7/18</a:t>
             </a:fld>
             <a:endParaRPr lang="en-US"/>
           </a:p>
@@ -1045,7 +1062,7 @@
           <a:lstStyle/>
           <a:p>
             <a:r>
-              <a:rPr lang="en-US" smtClean="0"/>
+              <a:rPr lang="en-US"/>
               <a:t>Click to edit Master title style</a:t>
             </a:r>
             <a:endParaRPr lang="en-US" dirty="0"/>
@@ -1074,35 +1091,35 @@
           <a:p>
             <a:pPr lvl="0"/>
             <a:r>
-              <a:rPr lang="en-US" smtClean="0"/>
+              <a:rPr lang="en-US"/>
               <a:t>Click to edit Master text styles</a:t>
             </a:r>
           </a:p>
           <a:p>
             <a:pPr lvl="1"/>
             <a:r>
-              <a:rPr lang="en-US" smtClean="0"/>
+              <a:rPr lang="en-US"/>
               <a:t>Second level</a:t>
             </a:r>
           </a:p>
           <a:p>
             <a:pPr lvl="2"/>
             <a:r>
-              <a:rPr lang="en-US" smtClean="0"/>
+              <a:rPr lang="en-US"/>
               <a:t>Third level</a:t>
             </a:r>
           </a:p>
           <a:p>
             <a:pPr lvl="3"/>
             <a:r>
-              <a:rPr lang="en-US" smtClean="0"/>
+              <a:rPr lang="en-US"/>
               <a:t>Fourth level</a:t>
             </a:r>
           </a:p>
           <a:p>
             <a:pPr lvl="4"/>
             <a:r>
-              <a:rPr lang="en-US" smtClean="0"/>
+              <a:rPr lang="en-US"/>
               <a:t>Fifth level</a:t>
             </a:r>
             <a:endParaRPr lang="en-US" dirty="0"/>
@@ -1126,7 +1143,7 @@
           <a:p>
             <a:fld id="{3401F1B8-DD1B-4E00-A314-6CCBF5544006}" type="datetime1">
               <a:rPr lang="en-US" smtClean="0"/>
-              <a:t>07/12/18</a:t>
+              <a:t>12/7/18</a:t>
             </a:fld>
             <a:endParaRPr lang="en-US"/>
           </a:p>
@@ -1215,10 +1232,9 @@
           <a:lstStyle/>
           <a:p>
             <a:r>
-              <a:rPr lang="en-US" smtClean="0"/>
+              <a:rPr lang="en-US"/>
               <a:t>Click to edit Master title style</a:t>
             </a:r>
-            <a:endParaRPr lang="en-US"/>
           </a:p>
         </p:txBody>
       </p:sp>
@@ -1239,38 +1255,37 @@
           <a:p>
             <a:pPr lvl="0"/>
             <a:r>
-              <a:rPr lang="en-US" smtClean="0"/>
+              <a:rPr lang="en-US"/>
               <a:t>Click to edit Master text styles</a:t>
             </a:r>
           </a:p>
           <a:p>
             <a:pPr lvl="1"/>
             <a:r>
-              <a:rPr lang="en-US" smtClean="0"/>
+              <a:rPr lang="en-US"/>
               <a:t>Second level</a:t>
             </a:r>
           </a:p>
           <a:p>
             <a:pPr lvl="2"/>
             <a:r>
-              <a:rPr lang="en-US" smtClean="0"/>
+              <a:rPr lang="en-US"/>
               <a:t>Third level</a:t>
             </a:r>
           </a:p>
           <a:p>
             <a:pPr lvl="3"/>
             <a:r>
-              <a:rPr lang="en-US" smtClean="0"/>
+              <a:rPr lang="en-US"/>
               <a:t>Fourth level</a:t>
             </a:r>
           </a:p>
           <a:p>
             <a:pPr lvl="4"/>
             <a:r>
-              <a:rPr lang="en-US" smtClean="0"/>
+              <a:rPr lang="en-US"/>
               <a:t>Fifth level</a:t>
             </a:r>
-            <a:endParaRPr lang="en-US"/>
           </a:p>
         </p:txBody>
       </p:sp>
@@ -1291,7 +1306,7 @@
           <a:p>
             <a:fld id="{20EE9FA0-450A-4DB0-B0AB-18DB89D35454}" type="datetime1">
               <a:rPr lang="en-US" smtClean="0"/>
-              <a:t>07/12/18</a:t>
+              <a:t>12/7/18</a:t>
             </a:fld>
             <a:endParaRPr lang="en-US"/>
           </a:p>
@@ -1396,7 +1411,7 @@
           </a:lstStyle>
           <a:p>
             <a:r>
-              <a:rPr lang="en-US" smtClean="0"/>
+              <a:rPr lang="en-US"/>
               <a:t>Click to edit Master title style</a:t>
             </a:r>
             <a:endParaRPr lang="en-US" dirty="0"/>
@@ -1516,7 +1531,7 @@
           <a:p>
             <a:pPr lvl="0"/>
             <a:r>
-              <a:rPr lang="en-US" smtClean="0"/>
+              <a:rPr lang="en-US"/>
               <a:t>Click to edit Master text styles</a:t>
             </a:r>
           </a:p>
@@ -1539,7 +1554,7 @@
           <a:p>
             <a:fld id="{7EC56B97-FC1B-427F-9B0E-93A386441B29}" type="datetime1">
               <a:rPr lang="en-US" smtClean="0"/>
-              <a:t>07/12/18</a:t>
+              <a:t>12/7/18</a:t>
             </a:fld>
             <a:endParaRPr lang="en-US"/>
           </a:p>
@@ -1663,10 +1678,9 @@
           <a:lstStyle/>
           <a:p>
             <a:r>
-              <a:rPr lang="en-US" smtClean="0"/>
+              <a:rPr lang="en-US"/>
               <a:t>Click to edit Master title style</a:t>
             </a:r>
-            <a:endParaRPr lang="en-US"/>
           </a:p>
         </p:txBody>
       </p:sp>
@@ -1720,35 +1734,35 @@
           <a:p>
             <a:pPr lvl="0"/>
             <a:r>
-              <a:rPr lang="en-US" smtClean="0"/>
+              <a:rPr lang="en-US"/>
               <a:t>Click to edit Master text styles</a:t>
             </a:r>
           </a:p>
           <a:p>
             <a:pPr lvl="1"/>
             <a:r>
-              <a:rPr lang="en-US" smtClean="0"/>
+              <a:rPr lang="en-US"/>
               <a:t>Second level</a:t>
             </a:r>
           </a:p>
           <a:p>
             <a:pPr lvl="2"/>
             <a:r>
-              <a:rPr lang="en-US" smtClean="0"/>
+              <a:rPr lang="en-US"/>
               <a:t>Third level</a:t>
             </a:r>
           </a:p>
           <a:p>
             <a:pPr lvl="3"/>
             <a:r>
-              <a:rPr lang="en-US" smtClean="0"/>
+              <a:rPr lang="en-US"/>
               <a:t>Fourth level</a:t>
             </a:r>
           </a:p>
           <a:p>
             <a:pPr lvl="4"/>
             <a:r>
-              <a:rPr lang="en-US" smtClean="0"/>
+              <a:rPr lang="en-US"/>
               <a:t>Fifth level</a:t>
             </a:r>
             <a:endParaRPr lang="en-US" dirty="0"/>
@@ -1805,35 +1819,35 @@
           <a:p>
             <a:pPr lvl="0"/>
             <a:r>
-              <a:rPr lang="en-US" smtClean="0"/>
+              <a:rPr lang="en-US"/>
               <a:t>Click to edit Master text styles</a:t>
             </a:r>
           </a:p>
           <a:p>
             <a:pPr lvl="1"/>
             <a:r>
-              <a:rPr lang="en-US" smtClean="0"/>
+              <a:rPr lang="en-US"/>
               <a:t>Second level</a:t>
             </a:r>
           </a:p>
           <a:p>
             <a:pPr lvl="2"/>
             <a:r>
-              <a:rPr lang="en-US" smtClean="0"/>
+              <a:rPr lang="en-US"/>
               <a:t>Third level</a:t>
             </a:r>
           </a:p>
           <a:p>
             <a:pPr lvl="3"/>
             <a:r>
-              <a:rPr lang="en-US" smtClean="0"/>
+              <a:rPr lang="en-US"/>
               <a:t>Fourth level</a:t>
             </a:r>
           </a:p>
           <a:p>
             <a:pPr lvl="4"/>
             <a:r>
-              <a:rPr lang="en-US" smtClean="0"/>
+              <a:rPr lang="en-US"/>
               <a:t>Fifth level</a:t>
             </a:r>
             <a:endParaRPr lang="en-US" dirty="0"/>
@@ -1857,7 +1871,7 @@
           <a:p>
             <a:fld id="{FCE68E21-8370-4363-AC28-7FE6E76E54B1}" type="datetime1">
               <a:rPr lang="en-US" smtClean="0"/>
-              <a:t>07/12/18</a:t>
+              <a:t>12/7/18</a:t>
             </a:fld>
             <a:endParaRPr lang="en-US"/>
           </a:p>
@@ -1950,7 +1964,7 @@
           </a:lstStyle>
           <a:p>
             <a:r>
-              <a:rPr lang="en-US" smtClean="0"/>
+              <a:rPr lang="en-US"/>
               <a:t>Click to edit Master title style</a:t>
             </a:r>
             <a:endParaRPr lang="en-US" dirty="0"/>
@@ -2039,7 +2053,7 @@
           <a:p>
             <a:pPr lvl="0"/>
             <a:r>
-              <a:rPr lang="en-US" smtClean="0"/>
+              <a:rPr lang="en-US"/>
               <a:t>Click to edit Master text styles</a:t>
             </a:r>
           </a:p>
@@ -2095,35 +2109,35 @@
           <a:p>
             <a:pPr lvl="0"/>
             <a:r>
-              <a:rPr lang="en-US" smtClean="0"/>
+              <a:rPr lang="en-US"/>
               <a:t>Click to edit Master text styles</a:t>
             </a:r>
           </a:p>
           <a:p>
             <a:pPr lvl="1"/>
             <a:r>
-              <a:rPr lang="en-US" smtClean="0"/>
+              <a:rPr lang="en-US"/>
               <a:t>Second level</a:t>
             </a:r>
           </a:p>
           <a:p>
             <a:pPr lvl="2"/>
             <a:r>
-              <a:rPr lang="en-US" smtClean="0"/>
+              <a:rPr lang="en-US"/>
               <a:t>Third level</a:t>
             </a:r>
           </a:p>
           <a:p>
             <a:pPr lvl="3"/>
             <a:r>
-              <a:rPr lang="en-US" smtClean="0"/>
+              <a:rPr lang="en-US"/>
               <a:t>Fourth level</a:t>
             </a:r>
           </a:p>
           <a:p>
             <a:pPr lvl="4"/>
             <a:r>
-              <a:rPr lang="en-US" smtClean="0"/>
+              <a:rPr lang="en-US"/>
               <a:t>Fifth level</a:t>
             </a:r>
             <a:endParaRPr lang="en-US" dirty="0"/>
@@ -2215,7 +2229,7 @@
           <a:p>
             <a:pPr lvl="0"/>
             <a:r>
-              <a:rPr lang="en-US" smtClean="0"/>
+              <a:rPr lang="en-US"/>
               <a:t>Click to edit Master text styles</a:t>
             </a:r>
           </a:p>
@@ -2271,35 +2285,35 @@
           <a:p>
             <a:pPr lvl="0"/>
             <a:r>
-              <a:rPr lang="en-US" smtClean="0"/>
+              <a:rPr lang="en-US"/>
               <a:t>Click to edit Master text styles</a:t>
             </a:r>
           </a:p>
           <a:p>
             <a:pPr lvl="1"/>
             <a:r>
-              <a:rPr lang="en-US" smtClean="0"/>
+              <a:rPr lang="en-US"/>
               <a:t>Second level</a:t>
             </a:r>
           </a:p>
           <a:p>
             <a:pPr lvl="2"/>
             <a:r>
-              <a:rPr lang="en-US" smtClean="0"/>
+              <a:rPr lang="en-US"/>
               <a:t>Third level</a:t>
             </a:r>
           </a:p>
           <a:p>
             <a:pPr lvl="3"/>
             <a:r>
-              <a:rPr lang="en-US" smtClean="0"/>
+              <a:rPr lang="en-US"/>
               <a:t>Fourth level</a:t>
             </a:r>
           </a:p>
           <a:p>
             <a:pPr lvl="4"/>
             <a:r>
-              <a:rPr lang="en-US" smtClean="0"/>
+              <a:rPr lang="en-US"/>
               <a:t>Fifth level</a:t>
             </a:r>
             <a:endParaRPr lang="en-US" dirty="0"/>
@@ -2323,7 +2337,7 @@
           <a:p>
             <a:fld id="{DE21D7F6-C620-4327-ABD6-5649DCCC9D7B}" type="datetime1">
               <a:rPr lang="en-US" smtClean="0"/>
-              <a:t>07/12/18</a:t>
+              <a:t>12/7/18</a:t>
             </a:fld>
             <a:endParaRPr lang="en-US"/>
           </a:p>
@@ -2447,10 +2461,9 @@
           <a:lstStyle/>
           <a:p>
             <a:r>
-              <a:rPr lang="en-US" smtClean="0"/>
+              <a:rPr lang="en-US"/>
               <a:t>Click to edit Master title style</a:t>
             </a:r>
-            <a:endParaRPr lang="en-US"/>
           </a:p>
         </p:txBody>
       </p:sp>
@@ -2471,7 +2484,7 @@
           <a:p>
             <a:fld id="{B586EC62-343A-4449-AB6B-1C2E9E026A90}" type="datetime1">
               <a:rPr lang="en-US" smtClean="0"/>
-              <a:t>07/12/18</a:t>
+              <a:t>12/7/18</a:t>
             </a:fld>
             <a:endParaRPr lang="en-US"/>
           </a:p>
@@ -2561,7 +2574,7 @@
           <a:p>
             <a:fld id="{F496258A-B4CB-4F23-A4C0-6DF70BD096AD}" type="datetime1">
               <a:rPr lang="en-US" smtClean="0"/>
-              <a:t>07/12/18</a:t>
+              <a:t>12/7/18</a:t>
             </a:fld>
             <a:endParaRPr lang="en-US"/>
           </a:p>
@@ -2661,7 +2674,7 @@
           </a:lstStyle>
           <a:p>
             <a:r>
-              <a:rPr lang="en-US" smtClean="0"/>
+              <a:rPr lang="en-US"/>
               <a:t>Click to edit Master title style</a:t>
             </a:r>
             <a:endParaRPr lang="en-US" dirty="0"/>
@@ -2718,35 +2731,35 @@
           <a:p>
             <a:pPr lvl="0"/>
             <a:r>
-              <a:rPr lang="en-US" smtClean="0"/>
+              <a:rPr lang="en-US"/>
               <a:t>Click to edit Master text styles</a:t>
             </a:r>
           </a:p>
           <a:p>
             <a:pPr lvl="1"/>
             <a:r>
-              <a:rPr lang="en-US" smtClean="0"/>
+              <a:rPr lang="en-US"/>
               <a:t>Second level</a:t>
             </a:r>
           </a:p>
           <a:p>
             <a:pPr lvl="2"/>
             <a:r>
-              <a:rPr lang="en-US" smtClean="0"/>
+              <a:rPr lang="en-US"/>
               <a:t>Third level</a:t>
             </a:r>
           </a:p>
           <a:p>
             <a:pPr lvl="3"/>
             <a:r>
-              <a:rPr lang="en-US" smtClean="0"/>
+              <a:rPr lang="en-US"/>
               <a:t>Fourth level</a:t>
             </a:r>
           </a:p>
           <a:p>
             <a:pPr lvl="4"/>
             <a:r>
-              <a:rPr lang="en-US" smtClean="0"/>
+              <a:rPr lang="en-US"/>
               <a:t>Fifth level</a:t>
             </a:r>
             <a:endParaRPr lang="en-US" dirty="0"/>
@@ -2812,7 +2825,7 @@
           <a:p>
             <a:pPr lvl="0"/>
             <a:r>
-              <a:rPr lang="en-US" smtClean="0"/>
+              <a:rPr lang="en-US"/>
               <a:t>Click to edit Master text styles</a:t>
             </a:r>
           </a:p>
@@ -2835,7 +2848,7 @@
           <a:p>
             <a:fld id="{3F51703E-8549-44B6-9C94-90BF3B139E17}" type="datetime1">
               <a:rPr lang="en-US" smtClean="0"/>
-              <a:t>07/12/18</a:t>
+              <a:t>12/7/18</a:t>
             </a:fld>
             <a:endParaRPr lang="en-US"/>
           </a:p>
@@ -2970,7 +2983,7 @@
           </a:lstStyle>
           <a:p>
             <a:r>
-              <a:rPr lang="en-US" smtClean="0"/>
+              <a:rPr lang="en-US"/>
               <a:t>Click to edit Master title style</a:t>
             </a:r>
             <a:endParaRPr lang="en-US" dirty="0"/>
@@ -3051,7 +3064,7 @@
           </a:lstStyle>
           <a:p>
             <a:r>
-              <a:rPr lang="en-US" smtClean="0"/>
+              <a:rPr lang="en-US"/>
               <a:t>Click icon to add picture</a:t>
             </a:r>
             <a:endParaRPr lang="en-US" dirty="0"/>
@@ -3117,7 +3130,7 @@
           <a:p>
             <a:pPr lvl="0"/>
             <a:r>
-              <a:rPr lang="en-US" smtClean="0"/>
+              <a:rPr lang="en-US"/>
               <a:t>Click to edit Master text styles</a:t>
             </a:r>
           </a:p>
@@ -3140,7 +3153,7 @@
           <a:p>
             <a:fld id="{DE6A5A91-5E4B-4C78-B9D4-B8726E898A2C}" type="datetime1">
               <a:rPr lang="en-US" smtClean="0"/>
-              <a:t>07/12/18</a:t>
+              <a:t>12/7/18</a:t>
             </a:fld>
             <a:endParaRPr lang="en-US"/>
           </a:p>
@@ -3290,7 +3303,7 @@
           <a:lstStyle/>
           <a:p>
             <a:r>
-              <a:rPr lang="en-US" smtClean="0"/>
+              <a:rPr lang="en-US"/>
               <a:t>Click to edit Master title style</a:t>
             </a:r>
             <a:endParaRPr lang="en-US" dirty="0"/>
@@ -3324,35 +3337,35 @@
           <a:p>
             <a:pPr lvl="0"/>
             <a:r>
-              <a:rPr lang="en-US" smtClean="0"/>
+              <a:rPr lang="en-US"/>
               <a:t>Click to edit Master text styles</a:t>
             </a:r>
           </a:p>
           <a:p>
             <a:pPr lvl="1"/>
             <a:r>
-              <a:rPr lang="en-US" smtClean="0"/>
+              <a:rPr lang="en-US"/>
               <a:t>Second level</a:t>
             </a:r>
           </a:p>
           <a:p>
             <a:pPr lvl="2"/>
             <a:r>
-              <a:rPr lang="en-US" smtClean="0"/>
+              <a:rPr lang="en-US"/>
               <a:t>Third level</a:t>
             </a:r>
           </a:p>
           <a:p>
             <a:pPr lvl="3"/>
             <a:r>
-              <a:rPr lang="en-US" smtClean="0"/>
+              <a:rPr lang="en-US"/>
               <a:t>Fourth level</a:t>
             </a:r>
           </a:p>
           <a:p>
             <a:pPr lvl="4"/>
             <a:r>
-              <a:rPr lang="en-US" smtClean="0"/>
+              <a:rPr lang="en-US"/>
               <a:t>Fifth level</a:t>
             </a:r>
             <a:endParaRPr lang="en-US" dirty="0"/>
@@ -3438,7 +3451,7 @@
           <a:p>
             <a:fld id="{773D8793-05E7-4BFA-9CED-8F335001F9D9}" type="datetime1">
               <a:rPr lang="en-US" smtClean="0"/>
-              <a:t>07/12/18</a:t>
+              <a:t>12/7/18</a:t>
             </a:fld>
             <a:endParaRPr lang="en-US"/>
           </a:p>
@@ -3852,10 +3865,9 @@
           <a:lstStyle/>
           <a:p>
             <a:r>
-              <a:rPr lang="en-US" dirty="0" smtClean="0"/>
+              <a:rPr lang="en-US" dirty="0"/>
               <a:t>AWS Solution Architect</a:t>
             </a:r>
-            <a:endParaRPr lang="en-US" dirty="0"/>
           </a:p>
         </p:txBody>
       </p:sp>
@@ -3892,13 +3904,6 @@
   <p:clrMapOvr>
     <a:masterClrMapping/>
   </p:clrMapOvr>
-  <p:timing>
-    <p:tnLst>
-      <p:par>
-        <p:cTn xmlns:p14="http://schemas.microsoft.com/office/powerpoint/2010/main" id="1" dur="indefinite" restart="never" nodeType="tmRoot"/>
-      </p:par>
-    </p:tnLst>
-  </p:timing>
 </p:sld>
 </file>
 
@@ -3935,7 +3940,7 @@
           <a:lstStyle/>
           <a:p>
             <a:r>
-              <a:rPr lang="en-GB" dirty="0" err="1" smtClean="0"/>
+              <a:rPr lang="en-GB" dirty="0" err="1"/>
               <a:t>OpsWorks</a:t>
             </a:r>
             <a:endParaRPr lang="en-US" dirty="0"/>
@@ -3992,7 +3997,7 @@
               <a:buChar char="•"/>
             </a:pPr>
             <a:r>
-              <a:rPr lang="en-US" dirty="0" smtClean="0"/>
+              <a:rPr lang="en-US" dirty="0"/>
               <a:t>Configuration Management Platform</a:t>
             </a:r>
           </a:p>
@@ -4002,14 +4007,14 @@
               <a:buChar char="•"/>
             </a:pPr>
             <a:r>
-              <a:rPr lang="en-US" dirty="0" smtClean="0"/>
+              <a:rPr lang="en-US" dirty="0"/>
               <a:t>Stack, Layers </a:t>
             </a:r>
             <a:r>
-              <a:rPr lang="en-US" smtClean="0"/>
+              <a:rPr lang="en-US"/>
               <a:t>and Recipes</a:t>
             </a:r>
-            <a:endParaRPr lang="en-US" dirty="0" smtClean="0"/>
+            <a:endParaRPr lang="en-US" dirty="0"/>
           </a:p>
         </p:txBody>
       </p:sp>
@@ -4023,13 +4028,6 @@
   <p:clrMapOvr>
     <a:masterClrMapping/>
   </p:clrMapOvr>
-  <p:timing>
-    <p:tnLst>
-      <p:par>
-        <p:cTn xmlns:p14="http://schemas.microsoft.com/office/powerpoint/2010/main" id="1" dur="indefinite" restart="never" nodeType="tmRoot"/>
-      </p:par>
-    </p:tnLst>
-  </p:timing>
 </p:sld>
 </file>
 
@@ -4066,12 +4064,8 @@
           <a:lstStyle/>
           <a:p>
             <a:r>
-              <a:rPr lang="en-GB" dirty="0" smtClean="0"/>
-              <a:t>S</a:t>
-            </a:r>
-            <a:r>
-              <a:rPr lang="en-GB" dirty="0" smtClean="0"/>
-              <a:t>tateless Application</a:t>
+              <a:rPr lang="en-GB" dirty="0"/>
+              <a:t>Stateless Application</a:t>
             </a:r>
             <a:endParaRPr lang="en-US" dirty="0"/>
           </a:p>
@@ -4127,10 +4121,9 @@
               <a:buChar char="•"/>
             </a:pPr>
             <a:r>
-              <a:rPr lang="en-US" dirty="0" smtClean="0"/>
+              <a:rPr lang="en-US" dirty="0"/>
               <a:t>Stateless applications can scale horizontally </a:t>
             </a:r>
-            <a:endParaRPr lang="en-US" dirty="0" smtClean="0"/>
           </a:p>
         </p:txBody>
       </p:sp>
@@ -4144,13 +4137,6 @@
   <p:clrMapOvr>
     <a:masterClrMapping/>
   </p:clrMapOvr>
-  <p:timing>
-    <p:tnLst>
-      <p:par>
-        <p:cTn xmlns:p14="http://schemas.microsoft.com/office/powerpoint/2010/main" id="1" dur="indefinite" restart="never" nodeType="tmRoot"/>
-      </p:par>
-    </p:tnLst>
-  </p:timing>
 </p:sld>
 </file>
 
@@ -4187,12 +4173,8 @@
           <a:lstStyle/>
           <a:p>
             <a:r>
-              <a:rPr lang="en-GB" dirty="0" smtClean="0"/>
-              <a:t>S</a:t>
-            </a:r>
-            <a:r>
-              <a:rPr lang="en-GB" dirty="0" smtClean="0"/>
-              <a:t>tateful Application</a:t>
+              <a:rPr lang="en-GB" dirty="0"/>
+              <a:t>Stateful Application</a:t>
             </a:r>
             <a:endParaRPr lang="en-US" dirty="0"/>
           </a:p>
@@ -4248,7 +4230,7 @@
               <a:buChar char="•"/>
             </a:pPr>
             <a:r>
-              <a:rPr lang="en-US" dirty="0" smtClean="0"/>
+              <a:rPr lang="en-US" dirty="0"/>
               <a:t>Stateful application – Session information can be stored in DynamoDB  </a:t>
             </a:r>
           </a:p>
@@ -4258,7 +4240,7 @@
               <a:buChar char="•"/>
             </a:pPr>
             <a:r>
-              <a:rPr lang="en-US" dirty="0" smtClean="0"/>
+              <a:rPr lang="en-US" dirty="0"/>
               <a:t>Files – S3 or EFS can be used to store large files</a:t>
             </a:r>
           </a:p>
@@ -4283,7 +4265,6 @@
               <a:rPr lang="en-US" dirty="0"/>
               <a:t>to centrally store execution history and make these workloads stateless</a:t>
             </a:r>
-            <a:endParaRPr lang="en-US" dirty="0" smtClean="0"/>
           </a:p>
         </p:txBody>
       </p:sp>
@@ -4297,13 +4278,6 @@
   <p:clrMapOvr>
     <a:masterClrMapping/>
   </p:clrMapOvr>
-  <p:timing>
-    <p:tnLst>
-      <p:par>
-        <p:cTn xmlns:p14="http://schemas.microsoft.com/office/powerpoint/2010/main" id="1" dur="indefinite" restart="never" nodeType="tmRoot"/>
-      </p:par>
-    </p:tnLst>
-  </p:timing>
 </p:sld>
 </file>
 
@@ -4340,7 +4314,7 @@
           <a:lstStyle/>
           <a:p>
             <a:r>
-              <a:rPr lang="en-GB" dirty="0" smtClean="0"/>
+              <a:rPr lang="en-GB" dirty="0"/>
               <a:t>Multiple Nodes</a:t>
             </a:r>
             <a:endParaRPr lang="en-US" dirty="0"/>
@@ -4397,7 +4371,7 @@
               <a:buChar char="•"/>
             </a:pPr>
             <a:r>
-              <a:rPr lang="en-US" b="1" dirty="0" smtClean="0">
+              <a:rPr lang="en-US" b="1" dirty="0">
                 <a:solidFill>
                   <a:srgbClr val="FF0000"/>
                 </a:solidFill>
@@ -4405,7 +4379,7 @@
               <a:t>Push or Pull </a:t>
             </a:r>
             <a:r>
-              <a:rPr lang="en-US" dirty="0" smtClean="0"/>
+              <a:rPr lang="en-US" dirty="0"/>
               <a:t>model can be used to distribute loads to multiple nodes in the environment</a:t>
             </a:r>
           </a:p>
@@ -4415,7 +4389,7 @@
               <a:buChar char="•"/>
             </a:pPr>
             <a:r>
-              <a:rPr lang="en-US" dirty="0" smtClean="0"/>
+              <a:rPr lang="en-US" dirty="0"/>
               <a:t>Pull model – asynchronous or event driven solution</a:t>
             </a:r>
           </a:p>
@@ -4425,7 +4399,7 @@
               <a:buChar char="•"/>
             </a:pPr>
             <a:r>
-              <a:rPr lang="en-US" dirty="0" smtClean="0"/>
+              <a:rPr lang="en-US" dirty="0"/>
               <a:t>Network load balancer operates at Layer 4 of OSI model</a:t>
             </a:r>
           </a:p>
@@ -4435,7 +4409,7 @@
               <a:buChar char="•"/>
             </a:pPr>
             <a:r>
-              <a:rPr lang="en-US" dirty="0" smtClean="0"/>
+              <a:rPr lang="en-US" dirty="0"/>
               <a:t>Application load balancer operates at Layer 7 of OSI model</a:t>
             </a:r>
           </a:p>
@@ -4445,14 +4419,9 @@
               <a:buChar char="•"/>
             </a:pPr>
             <a:r>
-              <a:rPr lang="en-US" dirty="0" smtClean="0"/>
-              <a:t>Route 53 can be used to implement the DNS round robin. This approach doesn’t work well with elasticity. </a:t>
-            </a:r>
-            <a:r>
               <a:rPr lang="en-US" dirty="0"/>
-              <a:t>This is because even if you can set low time to live (TTL) values for your DNS records, caching DNS resolvers are outside the control of Amazon Route 53 and might not always respect your settings.</a:t>
-            </a:r>
-            <a:endParaRPr lang="en-US" dirty="0" smtClean="0"/>
+              <a:t>Route 53 can be used to implement the DNS round robin. This approach doesn’t work well with elasticity. This is because even if you can set low time to live (TTL) values for your DNS records, caching DNS resolvers are outside the control of Amazon Route 53 and might not always respect your settings.</a:t>
+            </a:r>
           </a:p>
         </p:txBody>
       </p:sp>
@@ -4466,13 +4435,6 @@
   <p:clrMapOvr>
     <a:masterClrMapping/>
   </p:clrMapOvr>
-  <p:timing>
-    <p:tnLst>
-      <p:par>
-        <p:cTn xmlns:p14="http://schemas.microsoft.com/office/powerpoint/2010/main" id="1" dur="indefinite" restart="never" nodeType="tmRoot"/>
-      </p:par>
-    </p:tnLst>
-  </p:timing>
 </p:sld>
 </file>
 
@@ -4509,10 +4471,353 @@
           <a:lstStyle/>
           <a:p>
             <a:r>
-              <a:rPr lang="en-US" dirty="0" smtClean="0"/>
+              <a:rPr lang="en-GB" dirty="0"/>
+              <a:t>Autoscaling</a:t>
+            </a:r>
+            <a:endParaRPr lang="en-US" dirty="0"/>
+          </a:p>
+        </p:txBody>
+      </p:sp>
+      <p:sp>
+        <p:nvSpPr>
+          <p:cNvPr id="4" name="Slide Number Placeholder 3"/>
+          <p:cNvSpPr>
+            <a:spLocks noGrp="1"/>
+          </p:cNvSpPr>
+          <p:nvPr>
+            <p:ph type="sldNum" sz="quarter" idx="12"/>
+          </p:nvPr>
+        </p:nvSpPr>
+        <p:spPr/>
+        <p:txBody>
+          <a:bodyPr/>
+          <a:lstStyle/>
+          <a:p>
+            <a:fld id="{CF3BE448-F768-4AC5-8094-8F17F27BA907}" type="slidenum">
+              <a:rPr lang="en-US" smtClean="0"/>
+              <a:t>14</a:t>
+            </a:fld>
+            <a:endParaRPr lang="en-US"/>
+          </a:p>
+        </p:txBody>
+      </p:sp>
+      <p:sp>
+        <p:nvSpPr>
+          <p:cNvPr id="6" name="TextBox 5"/>
+          <p:cNvSpPr txBox="1"/>
+          <p:nvPr/>
+        </p:nvSpPr>
+        <p:spPr>
+          <a:xfrm>
+            <a:off x="611560" y="1556792"/>
+            <a:ext cx="8064896" cy="369332"/>
+          </a:xfrm>
+          <a:prstGeom prst="rect">
+            <a:avLst/>
+          </a:prstGeom>
+          <a:noFill/>
+        </p:spPr>
+        <p:txBody>
+          <a:bodyPr wrap="square" rtlCol="0">
+            <a:spAutoFit/>
+          </a:bodyPr>
+          <a:lstStyle/>
+          <a:p>
+            <a:pPr marL="285750" indent="-285750">
+              <a:buFont typeface="Arial"/>
+              <a:buChar char="•"/>
+            </a:pPr>
+            <a:r>
+              <a:rPr lang="en-US" dirty="0" err="1"/>
+              <a:t>GroupTotalInstance</a:t>
+            </a:r>
+            <a:r>
+              <a:rPr lang="en-US" dirty="0"/>
+              <a:t> – total number of instances in auto scaling group</a:t>
+            </a:r>
+          </a:p>
+        </p:txBody>
+      </p:sp>
+    </p:spTree>
+    <p:extLst>
+      <p:ext uri="{BB962C8B-B14F-4D97-AF65-F5344CB8AC3E}">
+        <p14:creationId xmlns:p14="http://schemas.microsoft.com/office/powerpoint/2010/main" val="1969467866"/>
+      </p:ext>
+    </p:extLst>
+  </p:cSld>
+  <p:clrMapOvr>
+    <a:masterClrMapping/>
+  </p:clrMapOvr>
+</p:sld>
+</file>
+
+<file path=ppt/slides/slide15.xml><?xml version="1.0" encoding="utf-8"?>
+<p:sld xmlns:a="http://schemas.openxmlformats.org/drawingml/2006/main" xmlns:r="http://schemas.openxmlformats.org/officeDocument/2006/relationships" xmlns:p="http://schemas.openxmlformats.org/presentationml/2006/main">
+  <p:cSld>
+    <p:spTree>
+      <p:nvGrpSpPr>
+        <p:cNvPr id="1" name=""/>
+        <p:cNvGrpSpPr/>
+        <p:nvPr/>
+      </p:nvGrpSpPr>
+      <p:grpSpPr>
+        <a:xfrm>
+          <a:off x="0" y="0"/>
+          <a:ext cx="0" cy="0"/>
+          <a:chOff x="0" y="0"/>
+          <a:chExt cx="0" cy="0"/>
+        </a:xfrm>
+      </p:grpSpPr>
+      <p:sp>
+        <p:nvSpPr>
+          <p:cNvPr id="2" name="Title 1"/>
+          <p:cNvSpPr>
+            <a:spLocks noGrp="1"/>
+          </p:cNvSpPr>
+          <p:nvPr>
+            <p:ph type="title"/>
+          </p:nvPr>
+        </p:nvSpPr>
+        <p:spPr/>
+        <p:txBody>
+          <a:bodyPr/>
+          <a:lstStyle/>
+          <a:p>
+            <a:r>
+              <a:rPr lang="en-GB" dirty="0"/>
+              <a:t>ELB</a:t>
+            </a:r>
+            <a:endParaRPr lang="en-US" dirty="0"/>
+          </a:p>
+        </p:txBody>
+      </p:sp>
+      <p:sp>
+        <p:nvSpPr>
+          <p:cNvPr id="4" name="Slide Number Placeholder 3"/>
+          <p:cNvSpPr>
+            <a:spLocks noGrp="1"/>
+          </p:cNvSpPr>
+          <p:nvPr>
+            <p:ph type="sldNum" sz="quarter" idx="12"/>
+          </p:nvPr>
+        </p:nvSpPr>
+        <p:spPr/>
+        <p:txBody>
+          <a:bodyPr/>
+          <a:lstStyle/>
+          <a:p>
+            <a:fld id="{CF3BE448-F768-4AC5-8094-8F17F27BA907}" type="slidenum">
+              <a:rPr lang="en-US" smtClean="0"/>
+              <a:t>15</a:t>
+            </a:fld>
+            <a:endParaRPr lang="en-US"/>
+          </a:p>
+        </p:txBody>
+      </p:sp>
+      <p:sp>
+        <p:nvSpPr>
+          <p:cNvPr id="6" name="TextBox 5"/>
+          <p:cNvSpPr txBox="1"/>
+          <p:nvPr/>
+        </p:nvSpPr>
+        <p:spPr>
+          <a:xfrm>
+            <a:off x="611560" y="1556792"/>
+            <a:ext cx="8064896" cy="369332"/>
+          </a:xfrm>
+          <a:prstGeom prst="rect">
+            <a:avLst/>
+          </a:prstGeom>
+          <a:noFill/>
+        </p:spPr>
+        <p:txBody>
+          <a:bodyPr wrap="square" rtlCol="0">
+            <a:spAutoFit/>
+          </a:bodyPr>
+          <a:lstStyle/>
+          <a:p>
+            <a:pPr marL="285750" indent="-285750">
+              <a:buFont typeface="Arial"/>
+              <a:buChar char="•"/>
+            </a:pPr>
+            <a:r>
+              <a:rPr lang="en-US" dirty="0"/>
+              <a:t>ELB doesn’t support the </a:t>
+            </a:r>
+            <a:r>
+              <a:rPr lang="en-US" dirty="0">
+                <a:solidFill>
+                  <a:srgbClr val="FF0000"/>
+                </a:solidFill>
+              </a:rPr>
+              <a:t>TLS v1.3</a:t>
+            </a:r>
+          </a:p>
+        </p:txBody>
+      </p:sp>
+    </p:spTree>
+    <p:extLst>
+      <p:ext uri="{BB962C8B-B14F-4D97-AF65-F5344CB8AC3E}">
+        <p14:creationId xmlns:p14="http://schemas.microsoft.com/office/powerpoint/2010/main" val="3571121536"/>
+      </p:ext>
+    </p:extLst>
+  </p:cSld>
+  <p:clrMapOvr>
+    <a:masterClrMapping/>
+  </p:clrMapOvr>
+</p:sld>
+</file>
+
+<file path=ppt/slides/slide16.xml><?xml version="1.0" encoding="utf-8"?>
+<p:sld xmlns:a="http://schemas.openxmlformats.org/drawingml/2006/main" xmlns:r="http://schemas.openxmlformats.org/officeDocument/2006/relationships" xmlns:p="http://schemas.openxmlformats.org/presentationml/2006/main">
+  <p:cSld>
+    <p:spTree>
+      <p:nvGrpSpPr>
+        <p:cNvPr id="1" name=""/>
+        <p:cNvGrpSpPr/>
+        <p:nvPr/>
+      </p:nvGrpSpPr>
+      <p:grpSpPr>
+        <a:xfrm>
+          <a:off x="0" y="0"/>
+          <a:ext cx="0" cy="0"/>
+          <a:chOff x="0" y="0"/>
+          <a:chExt cx="0" cy="0"/>
+        </a:xfrm>
+      </p:grpSpPr>
+      <p:sp>
+        <p:nvSpPr>
+          <p:cNvPr id="2" name="Title 1"/>
+          <p:cNvSpPr>
+            <a:spLocks noGrp="1"/>
+          </p:cNvSpPr>
+          <p:nvPr>
+            <p:ph type="title"/>
+          </p:nvPr>
+        </p:nvSpPr>
+        <p:spPr/>
+        <p:txBody>
+          <a:bodyPr/>
+          <a:lstStyle/>
+          <a:p>
+            <a:r>
+              <a:rPr lang="en-GB" dirty="0"/>
+              <a:t>RDS</a:t>
+            </a:r>
+            <a:endParaRPr lang="en-US" dirty="0"/>
+          </a:p>
+        </p:txBody>
+      </p:sp>
+      <p:sp>
+        <p:nvSpPr>
+          <p:cNvPr id="4" name="Slide Number Placeholder 3"/>
+          <p:cNvSpPr>
+            <a:spLocks noGrp="1"/>
+          </p:cNvSpPr>
+          <p:nvPr>
+            <p:ph type="sldNum" sz="quarter" idx="12"/>
+          </p:nvPr>
+        </p:nvSpPr>
+        <p:spPr/>
+        <p:txBody>
+          <a:bodyPr/>
+          <a:lstStyle/>
+          <a:p>
+            <a:fld id="{CF3BE448-F768-4AC5-8094-8F17F27BA907}" type="slidenum">
+              <a:rPr lang="en-US" smtClean="0"/>
+              <a:t>16</a:t>
+            </a:fld>
+            <a:endParaRPr lang="en-US"/>
+          </a:p>
+        </p:txBody>
+      </p:sp>
+      <p:sp>
+        <p:nvSpPr>
+          <p:cNvPr id="6" name="TextBox 5"/>
+          <p:cNvSpPr txBox="1"/>
+          <p:nvPr/>
+        </p:nvSpPr>
+        <p:spPr>
+          <a:xfrm>
+            <a:off x="611560" y="1556792"/>
+            <a:ext cx="8064896" cy="369332"/>
+          </a:xfrm>
+          <a:prstGeom prst="rect">
+            <a:avLst/>
+          </a:prstGeom>
+          <a:noFill/>
+        </p:spPr>
+        <p:txBody>
+          <a:bodyPr wrap="square" rtlCol="0">
+            <a:spAutoFit/>
+          </a:bodyPr>
+          <a:lstStyle/>
+          <a:p>
+            <a:pPr marL="285750" indent="-285750">
+              <a:buFont typeface="Arial"/>
+              <a:buChar char="•"/>
+            </a:pPr>
+            <a:r>
+              <a:rPr lang="en-US" dirty="0"/>
+              <a:t>Transaction log can’t be viewed from console for MySQL RDS</a:t>
+            </a:r>
+            <a:endParaRPr lang="en-US" dirty="0">
+              <a:solidFill>
+                <a:srgbClr val="FF0000"/>
+              </a:solidFill>
+            </a:endParaRPr>
+          </a:p>
+        </p:txBody>
+      </p:sp>
+    </p:spTree>
+    <p:extLst>
+      <p:ext uri="{BB962C8B-B14F-4D97-AF65-F5344CB8AC3E}">
+        <p14:creationId xmlns:p14="http://schemas.microsoft.com/office/powerpoint/2010/main" val="2095324223"/>
+      </p:ext>
+    </p:extLst>
+  </p:cSld>
+  <p:clrMapOvr>
+    <a:masterClrMapping/>
+  </p:clrMapOvr>
+</p:sld>
+</file>
+
+<file path=ppt/slides/slide17.xml><?xml version="1.0" encoding="utf-8"?>
+<p:sld xmlns:a="http://schemas.openxmlformats.org/drawingml/2006/main" xmlns:r="http://schemas.openxmlformats.org/officeDocument/2006/relationships" xmlns:p="http://schemas.openxmlformats.org/presentationml/2006/main">
+  <p:cSld>
+    <p:spTree>
+      <p:nvGrpSpPr>
+        <p:cNvPr id="1" name=""/>
+        <p:cNvGrpSpPr/>
+        <p:nvPr/>
+      </p:nvGrpSpPr>
+      <p:grpSpPr>
+        <a:xfrm>
+          <a:off x="0" y="0"/>
+          <a:ext cx="0" cy="0"/>
+          <a:chOff x="0" y="0"/>
+          <a:chExt cx="0" cy="0"/>
+        </a:xfrm>
+      </p:grpSpPr>
+      <p:sp>
+        <p:nvSpPr>
+          <p:cNvPr id="2" name="Title 1"/>
+          <p:cNvSpPr>
+            <a:spLocks noGrp="1"/>
+          </p:cNvSpPr>
+          <p:nvPr>
+            <p:ph type="title"/>
+          </p:nvPr>
+        </p:nvSpPr>
+        <p:spPr/>
+        <p:txBody>
+          <a:bodyPr/>
+          <a:lstStyle/>
+          <a:p>
+            <a:r>
+              <a:rPr lang="en-US" dirty="0"/>
               <a:t>References</a:t>
             </a:r>
-            <a:endParaRPr lang="en-US" dirty="0"/>
           </a:p>
         </p:txBody>
       </p:sp>
@@ -4534,7 +4839,7 @@
           <a:lstStyle/>
           <a:p>
             <a:r>
-              <a:rPr lang="en-US" sz="1600" dirty="0" smtClean="0"/>
+              <a:rPr lang="en-US" sz="1600" dirty="0"/>
               <a:t>AWS online documentation</a:t>
             </a:r>
           </a:p>
@@ -4543,56 +4848,50 @@
               <a:rPr lang="en-US" sz="1600" dirty="0">
                 <a:hlinkClick r:id="rId2"/>
               </a:rPr>
-              <a:t>http://</a:t>
-            </a:r>
-            <a:r>
-              <a:rPr lang="en-US" sz="1600" dirty="0" smtClean="0">
-                <a:hlinkClick r:id="rId2"/>
-              </a:rPr>
-              <a:t>docs.aws.amazon.com/AmazonVPC/latest/UserGuide/default-vpc.html</a:t>
-            </a:r>
-            <a:endParaRPr lang="en-US" sz="1600" dirty="0" smtClean="0"/>
+              <a:t>http://docs.aws.amazon.com/AmazonVPC/latest/UserGuide/default-vpc.html</a:t>
+            </a:r>
+            <a:endParaRPr lang="en-US" sz="1600" dirty="0"/>
           </a:p>
           <a:p>
             <a:r>
               <a:rPr lang="en-US" sz="1600" dirty="0">
                 <a:hlinkClick r:id="rId3"/>
               </a:rPr>
-              <a:t>http://docs.aws.amazon.com/AmazonVPC/latest/UserGuide/VPC_Scenario2.</a:t>
-            </a:r>
-            <a:r>
-              <a:rPr lang="en-US" sz="1600" dirty="0" smtClean="0">
-                <a:hlinkClick r:id="rId3"/>
-              </a:rPr>
-              <a:t>html</a:t>
-            </a:r>
-            <a:endParaRPr lang="en-US" sz="1600" dirty="0" smtClean="0"/>
+              <a:t>http://docs.aws.amazon.com/AmazonVPC/latest/UserGuide/VPC_Scenario2.html</a:t>
+            </a:r>
+            <a:endParaRPr lang="en-US" sz="1600" dirty="0"/>
           </a:p>
           <a:p>
             <a:r>
               <a:rPr lang="en-US" sz="1600" dirty="0">
                 <a:hlinkClick r:id="rId4"/>
               </a:rPr>
-              <a:t>https://fourteenislands.io/2015/06/aws-certified-sysops-administrator-associate-level-sample-exam-questions-and-answers</a:t>
-            </a:r>
-            <a:r>
-              <a:rPr lang="en-US" sz="1600" dirty="0" smtClean="0">
-                <a:hlinkClick r:id="rId4"/>
+              <a:t>https://fourteenislands.io/2015/06/aws-certified-sysops-administrator-associate-level-sample-exam-questions-and-answers/</a:t>
+            </a:r>
+            <a:endParaRPr lang="en-US" sz="1600" dirty="0"/>
+          </a:p>
+          <a:p>
+            <a:r>
+              <a:rPr lang="en-US" sz="1600" dirty="0">
+                <a:hlinkClick r:id="rId5"/>
               </a:rPr>
-              <a:t>/</a:t>
-            </a:r>
-            <a:endParaRPr lang="en-US" sz="1600" dirty="0" smtClean="0"/>
+              <a:t>https://d0.awsstatic.com/whitepapers/AWS_Cloud_Best_Practices.pdf</a:t>
+            </a:r>
+            <a:endParaRPr lang="en-US" sz="1600" dirty="0"/>
           </a:p>
           <a:p>
             <a:r>
               <a:rPr lang="en-US" sz="1600" dirty="0"/>
-              <a:t>https://d0.awsstatic.com/whitepapers/</a:t>
+              <a:t>https://</a:t>
             </a:r>
             <a:r>
               <a:rPr lang="en-US" sz="1600" dirty="0" err="1"/>
-              <a:t>AWS_Cloud_Best_Practices.pdf</a:t>
-            </a:r>
-            <a:endParaRPr lang="en-US" sz="1600" dirty="0" smtClean="0"/>
+              <a:t>awslagi.com</a:t>
+            </a:r>
+            <a:r>
+              <a:rPr lang="en-US" sz="1600" dirty="0"/>
+              <a:t>/test2/</a:t>
+            </a:r>
           </a:p>
         </p:txBody>
       </p:sp>
@@ -4613,7 +4912,7 @@
           <a:p>
             <a:fld id="{CF3BE448-F768-4AC5-8094-8F17F27BA907}" type="slidenum">
               <a:rPr lang="en-US" smtClean="0"/>
-              <a:t>14</a:t>
+              <a:t>17</a:t>
             </a:fld>
             <a:endParaRPr lang="en-US"/>
           </a:p>
@@ -4629,13 +4928,6 @@
   <p:clrMapOvr>
     <a:masterClrMapping/>
   </p:clrMapOvr>
-  <p:timing>
-    <p:tnLst>
-      <p:par>
-        <p:cTn xmlns:p14="http://schemas.microsoft.com/office/powerpoint/2010/main" id="1" dur="indefinite" restart="never" nodeType="tmRoot"/>
-      </p:par>
-    </p:tnLst>
-  </p:timing>
 </p:sld>
 </file>
 
@@ -4672,7 +4964,7 @@
           <a:lstStyle/>
           <a:p>
             <a:r>
-              <a:rPr lang="en-GB" dirty="0" smtClean="0"/>
+              <a:rPr lang="en-GB" dirty="0"/>
               <a:t>Elasticity Vs. Scalability</a:t>
             </a:r>
             <a:endParaRPr lang="en-US" dirty="0"/>
@@ -4727,8 +5019,20 @@
                 <a:tableStyleId>{5202B0CA-FC54-4496-8BCA-5EF66A818D29}</a:tableStyleId>
               </a:tblPr>
               <a:tblGrid>
-                <a:gridCol w="3744416"/>
-                <a:gridCol w="3744416"/>
+                <a:gridCol w="3744416">
+                  <a:extLst>
+                    <a:ext uri="{9D8B030D-6E8A-4147-A177-3AD203B41FA5}">
+                      <a16:colId xmlns:a16="http://schemas.microsoft.com/office/drawing/2014/main" val="20000"/>
+                    </a:ext>
+                  </a:extLst>
+                </a:gridCol>
+                <a:gridCol w="3744416">
+                  <a:extLst>
+                    <a:ext uri="{9D8B030D-6E8A-4147-A177-3AD203B41FA5}">
+                      <a16:colId xmlns:a16="http://schemas.microsoft.com/office/drawing/2014/main" val="20001"/>
+                    </a:ext>
+                  </a:extLst>
+                </a:gridCol>
               </a:tblGrid>
               <a:tr h="370840">
                 <a:tc>
@@ -4737,10 +5041,9 @@
                     <a:lstStyle/>
                     <a:p>
                       <a:r>
-                        <a:rPr lang="en-US" dirty="0" smtClean="0"/>
+                        <a:rPr lang="en-US" dirty="0"/>
                         <a:t>Elasticity</a:t>
                       </a:r>
-                      <a:endParaRPr lang="en-US" dirty="0"/>
                     </a:p>
                   </a:txBody>
                   <a:tcPr>
@@ -4788,10 +5091,9 @@
                     <a:lstStyle/>
                     <a:p>
                       <a:r>
-                        <a:rPr lang="en-US" dirty="0" smtClean="0"/>
+                        <a:rPr lang="en-US" dirty="0"/>
                         <a:t>Scalability</a:t>
                       </a:r>
-                      <a:endParaRPr lang="en-US" dirty="0"/>
                     </a:p>
                   </a:txBody>
                   <a:tcPr>
@@ -4833,6 +5135,11 @@
                     </a:lnB>
                   </a:tcPr>
                 </a:tc>
+                <a:extLst>
+                  <a:ext uri="{0D108BD9-81ED-4DB2-BD59-A6C34878D82A}">
+                    <a16:rowId xmlns:a16="http://schemas.microsoft.com/office/drawing/2014/main" val="10000"/>
+                  </a:ext>
+                </a:extLst>
               </a:tr>
               <a:tr h="370840">
                 <a:tc>
@@ -4841,10 +5148,9 @@
                     <a:lstStyle/>
                     <a:p>
                       <a:r>
-                        <a:rPr lang="en-US" dirty="0" smtClean="0"/>
+                        <a:rPr lang="en-US" dirty="0"/>
                         <a:t>Short time solution</a:t>
                       </a:r>
-                      <a:endParaRPr lang="en-US" dirty="0"/>
                     </a:p>
                   </a:txBody>
                   <a:tcPr>
@@ -4892,10 +5198,9 @@
                     <a:lstStyle/>
                     <a:p>
                       <a:r>
-                        <a:rPr lang="en-US" dirty="0" smtClean="0"/>
+                        <a:rPr lang="en-US" dirty="0"/>
                         <a:t>Long time solution</a:t>
                       </a:r>
-                      <a:endParaRPr lang="en-US" dirty="0"/>
                     </a:p>
                   </a:txBody>
                   <a:tcPr>
@@ -4937,6 +5242,11 @@
                     </a:lnB>
                   </a:tcPr>
                 </a:tc>
+                <a:extLst>
+                  <a:ext uri="{0D108BD9-81ED-4DB2-BD59-A6C34878D82A}">
+                    <a16:rowId xmlns:a16="http://schemas.microsoft.com/office/drawing/2014/main" val="10001"/>
+                  </a:ext>
+                </a:extLst>
               </a:tr>
               <a:tr h="370840">
                 <a:tc>
@@ -4945,11 +5255,11 @@
                     <a:lstStyle/>
                     <a:p>
                       <a:r>
-                        <a:rPr lang="en-US" dirty="0" smtClean="0"/>
+                        <a:rPr lang="en-US" dirty="0"/>
                         <a:t>Expand and</a:t>
                       </a:r>
                       <a:r>
-                        <a:rPr lang="en-US" baseline="0" dirty="0" smtClean="0"/>
+                        <a:rPr lang="en-US" baseline="0" dirty="0"/>
                         <a:t> bring it back to normal </a:t>
                       </a:r>
                       <a:endParaRPr lang="en-US" dirty="0"/>
@@ -5000,11 +5310,11 @@
                     <a:lstStyle/>
                     <a:p>
                       <a:r>
-                        <a:rPr lang="en-US" dirty="0" smtClean="0"/>
+                        <a:rPr lang="en-US" dirty="0"/>
                         <a:t>Expand</a:t>
                       </a:r>
                       <a:r>
-                        <a:rPr lang="en-US" baseline="0" dirty="0" smtClean="0"/>
+                        <a:rPr lang="en-US" baseline="0" dirty="0"/>
                         <a:t> permanently</a:t>
                       </a:r>
                       <a:endParaRPr lang="en-US" dirty="0"/>
@@ -5049,6 +5359,11 @@
                     </a:lnB>
                   </a:tcPr>
                 </a:tc>
+                <a:extLst>
+                  <a:ext uri="{0D108BD9-81ED-4DB2-BD59-A6C34878D82A}">
+                    <a16:rowId xmlns:a16="http://schemas.microsoft.com/office/drawing/2014/main" val="10002"/>
+                  </a:ext>
+                </a:extLst>
               </a:tr>
               <a:tr h="370840">
                 <a:tc>
@@ -5057,10 +5372,9 @@
                     <a:lstStyle/>
                     <a:p>
                       <a:r>
-                        <a:rPr lang="en-US" dirty="0" smtClean="0"/>
+                        <a:rPr lang="en-US" dirty="0"/>
                         <a:t>EC2 – Increase the number of instances</a:t>
                       </a:r>
-                      <a:endParaRPr lang="en-US" dirty="0"/>
                     </a:p>
                   </a:txBody>
                   <a:tcPr>
@@ -5108,10 +5422,9 @@
                     <a:lstStyle/>
                     <a:p>
                       <a:r>
-                        <a:rPr lang="en-US" dirty="0" smtClean="0"/>
+                        <a:rPr lang="en-US" dirty="0"/>
                         <a:t>EC2 – Increase instance size as required</a:t>
                       </a:r>
-                      <a:endParaRPr lang="en-US" dirty="0"/>
                     </a:p>
                   </a:txBody>
                   <a:tcPr>
@@ -5153,6 +5466,11 @@
                     </a:lnB>
                   </a:tcPr>
                 </a:tc>
+                <a:extLst>
+                  <a:ext uri="{0D108BD9-81ED-4DB2-BD59-A6C34878D82A}">
+                    <a16:rowId xmlns:a16="http://schemas.microsoft.com/office/drawing/2014/main" val="10003"/>
+                  </a:ext>
+                </a:extLst>
               </a:tr>
               <a:tr h="370840">
                 <a:tc>
@@ -5161,11 +5479,11 @@
                     <a:lstStyle/>
                     <a:p>
                       <a:r>
-                        <a:rPr lang="en-US" dirty="0" smtClean="0"/>
+                        <a:rPr lang="en-US" dirty="0"/>
                         <a:t>DynamoDB</a:t>
                       </a:r>
                       <a:r>
-                        <a:rPr lang="en-US" baseline="0" dirty="0" smtClean="0"/>
+                        <a:rPr lang="en-US" baseline="0" dirty="0"/>
                         <a:t> – Increase additional IOPS for additional spike in traffic</a:t>
                       </a:r>
                       <a:endParaRPr lang="en-US" dirty="0"/>
@@ -5216,11 +5534,11 @@
                     <a:lstStyle/>
                     <a:p>
                       <a:r>
-                        <a:rPr lang="en-US" dirty="0" smtClean="0"/>
+                        <a:rPr lang="en-US" dirty="0"/>
                         <a:t>DynamoDB</a:t>
                       </a:r>
                       <a:r>
-                        <a:rPr lang="en-US" baseline="0" dirty="0" smtClean="0"/>
+                        <a:rPr lang="en-US" baseline="0" dirty="0"/>
                         <a:t> – Unlimited amount of storage</a:t>
                       </a:r>
                       <a:endParaRPr lang="en-US" dirty="0"/>
@@ -5265,6 +5583,11 @@
                     </a:lnB>
                   </a:tcPr>
                 </a:tc>
+                <a:extLst>
+                  <a:ext uri="{0D108BD9-81ED-4DB2-BD59-A6C34878D82A}">
+                    <a16:rowId xmlns:a16="http://schemas.microsoft.com/office/drawing/2014/main" val="10004"/>
+                  </a:ext>
+                </a:extLst>
               </a:tr>
             </a:tbl>
           </a:graphicData>
@@ -5280,13 +5603,6 @@
   <p:clrMapOvr>
     <a:masterClrMapping/>
   </p:clrMapOvr>
-  <p:timing>
-    <p:tnLst>
-      <p:par>
-        <p:cTn xmlns:p14="http://schemas.microsoft.com/office/powerpoint/2010/main" id="1" dur="indefinite" restart="never" nodeType="tmRoot"/>
-      </p:par>
-    </p:tnLst>
-  </p:timing>
 </p:sld>
 </file>
 
@@ -5323,7 +5639,7 @@
           <a:lstStyle/>
           <a:p>
             <a:r>
-              <a:rPr lang="en-GB" dirty="0" smtClean="0"/>
+              <a:rPr lang="en-GB" dirty="0"/>
               <a:t>Internet Gateway</a:t>
             </a:r>
             <a:endParaRPr lang="en-US" dirty="0"/>
@@ -5380,10 +5696,9 @@
               <a:buChar char="•"/>
             </a:pPr>
             <a:r>
-              <a:rPr lang="en-US" dirty="0" smtClean="0"/>
+              <a:rPr lang="en-US" dirty="0"/>
               <a:t>There can be only one Internet Gateway per VPC</a:t>
             </a:r>
-            <a:endParaRPr lang="en-US" dirty="0"/>
           </a:p>
         </p:txBody>
       </p:sp>
@@ -5397,13 +5712,6 @@
   <p:clrMapOvr>
     <a:masterClrMapping/>
   </p:clrMapOvr>
-  <p:timing>
-    <p:tnLst>
-      <p:par>
-        <p:cTn xmlns:p14="http://schemas.microsoft.com/office/powerpoint/2010/main" id="1" dur="indefinite" restart="never" nodeType="tmRoot"/>
-      </p:par>
-    </p:tnLst>
-  </p:timing>
 </p:sld>
 </file>
 
@@ -5440,16 +5748,8 @@
           <a:lstStyle/>
           <a:p>
             <a:r>
-              <a:rPr lang="en-GB" dirty="0" smtClean="0"/>
-              <a:t>Scale Up Vs</a:t>
-            </a:r>
-            <a:r>
               <a:rPr lang="en-GB" dirty="0"/>
-              <a:t>.</a:t>
-            </a:r>
-            <a:r>
-              <a:rPr lang="en-GB" dirty="0" smtClean="0"/>
-              <a:t> Scale Out</a:t>
+              <a:t>Scale Up Vs. Scale Out</a:t>
             </a:r>
             <a:endParaRPr lang="en-US" dirty="0"/>
           </a:p>
@@ -5505,11 +5805,11 @@
               <a:buChar char="•"/>
             </a:pPr>
             <a:r>
-              <a:rPr lang="en-US" dirty="0" smtClean="0"/>
+              <a:rPr lang="en-US" dirty="0"/>
               <a:t>Increase the instance size of the NAT from T2.Small to T2.medium – </a:t>
             </a:r>
             <a:r>
-              <a:rPr lang="en-US" b="1" dirty="0" smtClean="0"/>
+              <a:rPr lang="en-US" b="1" dirty="0"/>
               <a:t>Scale Up</a:t>
             </a:r>
           </a:p>
@@ -5519,15 +5819,15 @@
               <a:buChar char="•"/>
             </a:pPr>
             <a:r>
-              <a:rPr lang="en-US" b="1" dirty="0" smtClean="0"/>
+              <a:rPr lang="en-US" b="1" dirty="0"/>
               <a:t>Add</a:t>
             </a:r>
             <a:r>
-              <a:rPr lang="en-US" dirty="0" smtClean="0"/>
+              <a:rPr lang="en-US" dirty="0"/>
               <a:t> another NAT instance and configure your subnet route tables to be spread across two NATs – </a:t>
             </a:r>
             <a:r>
-              <a:rPr lang="en-US" b="1" dirty="0" smtClean="0"/>
+              <a:rPr lang="en-US" b="1" dirty="0"/>
               <a:t>Scale out</a:t>
             </a:r>
           </a:p>
@@ -5537,7 +5837,7 @@
               <a:buChar char="•"/>
             </a:pPr>
             <a:r>
-              <a:rPr lang="en-US" dirty="0" smtClean="0"/>
+              <a:rPr lang="en-US" dirty="0"/>
               <a:t>Network Related issues – Scale up answer</a:t>
             </a:r>
           </a:p>
@@ -5547,7 +5847,7 @@
               <a:buChar char="•"/>
             </a:pPr>
             <a:r>
-              <a:rPr lang="en-US" dirty="0" smtClean="0"/>
+              <a:rPr lang="en-US" dirty="0"/>
               <a:t>Not having enough resources – Scale out answer</a:t>
             </a:r>
           </a:p>
@@ -5557,10 +5857,9 @@
               <a:buChar char="•"/>
             </a:pPr>
             <a:r>
-              <a:rPr lang="en-US" dirty="0" smtClean="0"/>
+              <a:rPr lang="en-US" dirty="0"/>
               <a:t>Remember Elasticity – Scaling out, you can scale back. Scaling up is easy, scaling down is not so easy</a:t>
             </a:r>
-            <a:endParaRPr lang="en-US" dirty="0"/>
           </a:p>
         </p:txBody>
       </p:sp>
@@ -5574,13 +5873,6 @@
   <p:clrMapOvr>
     <a:masterClrMapping/>
   </p:clrMapOvr>
-  <p:timing>
-    <p:tnLst>
-      <p:par>
-        <p:cTn xmlns:p14="http://schemas.microsoft.com/office/powerpoint/2010/main" id="1" dur="indefinite" restart="never" nodeType="tmRoot"/>
-      </p:par>
-    </p:tnLst>
-  </p:timing>
 </p:sld>
 </file>
 
@@ -5617,7 +5909,7 @@
           <a:lstStyle/>
           <a:p>
             <a:r>
-              <a:rPr lang="en-GB" dirty="0" smtClean="0"/>
+              <a:rPr lang="en-GB" dirty="0"/>
               <a:t>RDS Multi-AZ Failover</a:t>
             </a:r>
             <a:endParaRPr lang="en-US" dirty="0"/>
@@ -5674,7 +5966,7 @@
               <a:buChar char="•"/>
             </a:pPr>
             <a:r>
-              <a:rPr lang="en-US" dirty="0" smtClean="0"/>
+              <a:rPr lang="en-US" dirty="0"/>
               <a:t>Required during the database instance failure or loss of an availability zone</a:t>
             </a:r>
           </a:p>
@@ -5684,15 +5976,15 @@
               <a:buChar char="•"/>
             </a:pPr>
             <a:r>
-              <a:rPr lang="en-US" dirty="0" smtClean="0"/>
+              <a:rPr lang="en-US" dirty="0"/>
               <a:t>MySQL, Oracle and PostgreSQL – Utilize synchronous </a:t>
             </a:r>
             <a:r>
-              <a:rPr lang="en-US" b="1" dirty="0" smtClean="0"/>
+              <a:rPr lang="en-US" b="1" dirty="0"/>
               <a:t>physical</a:t>
             </a:r>
             <a:r>
-              <a:rPr lang="en-US" dirty="0" smtClean="0"/>
+              <a:rPr lang="en-US" dirty="0"/>
               <a:t> replication</a:t>
             </a:r>
           </a:p>
@@ -5702,15 +5994,15 @@
               <a:buChar char="•"/>
             </a:pPr>
             <a:r>
-              <a:rPr lang="en-US" dirty="0" smtClean="0"/>
+              <a:rPr lang="en-US" dirty="0"/>
               <a:t>SQL server engine – Use synchronous </a:t>
             </a:r>
             <a:r>
-              <a:rPr lang="en-US" b="1" dirty="0" smtClean="0"/>
+              <a:rPr lang="en-US" b="1" dirty="0"/>
               <a:t>logical</a:t>
             </a:r>
             <a:r>
-              <a:rPr lang="en-US" dirty="0" smtClean="0"/>
+              <a:rPr lang="en-US" dirty="0"/>
               <a:t> replication</a:t>
             </a:r>
           </a:p>
@@ -5720,7 +6012,7 @@
               <a:buChar char="•"/>
             </a:pPr>
             <a:r>
-              <a:rPr lang="en-US" dirty="0" smtClean="0"/>
+              <a:rPr lang="en-US" dirty="0"/>
               <a:t>Logical replication – Native windows mirror technology </a:t>
             </a:r>
           </a:p>
@@ -5730,11 +6022,11 @@
               <a:buChar char="•"/>
             </a:pPr>
             <a:r>
-              <a:rPr lang="en-US" b="1" dirty="0" smtClean="0"/>
+              <a:rPr lang="en-US" b="1" dirty="0"/>
               <a:t>DNS name </a:t>
             </a:r>
             <a:r>
-              <a:rPr lang="en-US" dirty="0" smtClean="0"/>
+              <a:rPr lang="en-US" dirty="0"/>
               <a:t>– is important to move from one instance to another when the primary is failed</a:t>
             </a:r>
           </a:p>
@@ -5744,19 +6036,19 @@
               <a:buChar char="•"/>
             </a:pPr>
             <a:r>
-              <a:rPr lang="en-US" dirty="0" smtClean="0"/>
+              <a:rPr lang="en-US" dirty="0"/>
               <a:t>You can </a:t>
             </a:r>
             <a:r>
-              <a:rPr lang="en-US" b="1" dirty="0" smtClean="0"/>
+              <a:rPr lang="en-US" b="1" dirty="0"/>
               <a:t>force </a:t>
             </a:r>
             <a:r>
-              <a:rPr lang="en-US" dirty="0" smtClean="0"/>
+              <a:rPr lang="en-US" dirty="0"/>
               <a:t>a failover from one AZ to another by </a:t>
             </a:r>
             <a:r>
-              <a:rPr lang="en-US" b="1" dirty="0" smtClean="0">
+              <a:rPr lang="en-US" b="1" dirty="0">
                 <a:solidFill>
                   <a:srgbClr val="FF6600"/>
                 </a:solidFill>
@@ -5764,7 +6056,7 @@
               <a:t>rebooting</a:t>
             </a:r>
             <a:r>
-              <a:rPr lang="en-US" dirty="0" smtClean="0">
+              <a:rPr lang="en-US" dirty="0">
                 <a:solidFill>
                   <a:srgbClr val="FF6600"/>
                 </a:solidFill>
@@ -5772,11 +6064,11 @@
               <a:t> </a:t>
             </a:r>
             <a:r>
-              <a:rPr lang="en-US" dirty="0" smtClean="0"/>
+              <a:rPr lang="en-US" dirty="0"/>
               <a:t>your instance. This can be done through the AWS Management console or by using </a:t>
             </a:r>
             <a:r>
-              <a:rPr lang="en-US" b="1" dirty="0" smtClean="0">
+              <a:rPr lang="en-US" b="1" dirty="0">
                 <a:solidFill>
                   <a:srgbClr val="FF6600"/>
                 </a:solidFill>
@@ -5784,7 +6076,7 @@
               <a:t>RebootDBInstance</a:t>
             </a:r>
             <a:r>
-              <a:rPr lang="en-US" dirty="0" smtClean="0">
+              <a:rPr lang="en-US" dirty="0">
                 <a:solidFill>
                   <a:srgbClr val="FF6600"/>
                 </a:solidFill>
@@ -5792,10 +6084,10 @@
               <a:t> </a:t>
             </a:r>
             <a:r>
-              <a:rPr lang="en-US" dirty="0" smtClean="0"/>
+              <a:rPr lang="en-US" dirty="0"/>
               <a:t>API calls</a:t>
             </a:r>
-            <a:endParaRPr lang="en-US" b="1" dirty="0" smtClean="0"/>
+            <a:endParaRPr lang="en-US" b="1" dirty="0"/>
           </a:p>
           <a:p>
             <a:pPr marL="285750" indent="-285750">
@@ -5803,7 +6095,7 @@
               <a:buChar char="•"/>
             </a:pPr>
             <a:r>
-              <a:rPr lang="en-US" b="1" dirty="0" smtClean="0"/>
+              <a:rPr lang="en-US" b="1" dirty="0"/>
               <a:t>Advantages:-</a:t>
             </a:r>
           </a:p>
@@ -5813,7 +6105,7 @@
               <a:buChar char="•"/>
             </a:pPr>
             <a:r>
-              <a:rPr lang="en-US" dirty="0" smtClean="0"/>
+              <a:rPr lang="en-US" dirty="0"/>
               <a:t>High availability</a:t>
             </a:r>
           </a:p>
@@ -5823,7 +6115,7 @@
               <a:buChar char="•"/>
             </a:pPr>
             <a:r>
-              <a:rPr lang="en-US" dirty="0" smtClean="0"/>
+              <a:rPr lang="en-US" dirty="0"/>
               <a:t>Backups are taken from secondary which avoids I/O suspension to the primary</a:t>
             </a:r>
           </a:p>
@@ -5833,14 +6125,9 @@
               <a:buChar char="•"/>
             </a:pPr>
             <a:r>
-              <a:rPr lang="en-US" dirty="0" smtClean="0"/>
-              <a:t>Restores are taken from secondary which avoids </a:t>
-            </a:r>
-            <a:r>
               <a:rPr lang="en-US" dirty="0"/>
-              <a:t>I/O suspension to the primary</a:t>
-            </a:r>
-            <a:endParaRPr lang="en-US" dirty="0" smtClean="0"/>
+              <a:t>Restores are taken from secondary which avoids I/O suspension to the primary</a:t>
+            </a:r>
           </a:p>
         </p:txBody>
       </p:sp>
@@ -5854,13 +6141,6 @@
   <p:clrMapOvr>
     <a:masterClrMapping/>
   </p:clrMapOvr>
-  <p:timing>
-    <p:tnLst>
-      <p:par>
-        <p:cTn xmlns:p14="http://schemas.microsoft.com/office/powerpoint/2010/main" id="1" dur="indefinite" restart="never" nodeType="tmRoot"/>
-      </p:par>
-    </p:tnLst>
-  </p:timing>
 </p:sld>
 </file>
 
@@ -5897,7 +6177,7 @@
           <a:lstStyle/>
           <a:p>
             <a:r>
-              <a:rPr lang="en-GB" dirty="0" smtClean="0"/>
+              <a:rPr lang="en-GB" dirty="0"/>
               <a:t>RDS Multi-AZ Failover</a:t>
             </a:r>
             <a:endParaRPr lang="en-US" dirty="0"/>
@@ -5954,7 +6234,7 @@
               <a:buChar char="•"/>
             </a:pPr>
             <a:r>
-              <a:rPr lang="en-US" dirty="0" smtClean="0"/>
+              <a:rPr lang="en-US" dirty="0"/>
               <a:t>Not a scaling solution</a:t>
             </a:r>
           </a:p>
@@ -5964,7 +6244,7 @@
               <a:buChar char="•"/>
             </a:pPr>
             <a:r>
-              <a:rPr lang="en-US" dirty="0" smtClean="0"/>
+              <a:rPr lang="en-US" dirty="0"/>
               <a:t>Read replica’s are used to scale</a:t>
             </a:r>
           </a:p>
@@ -5980,13 +6260,6 @@
   <p:clrMapOvr>
     <a:masterClrMapping/>
   </p:clrMapOvr>
-  <p:timing>
-    <p:tnLst>
-      <p:par>
-        <p:cTn xmlns:p14="http://schemas.microsoft.com/office/powerpoint/2010/main" id="1" dur="indefinite" restart="never" nodeType="tmRoot"/>
-      </p:par>
-    </p:tnLst>
-  </p:timing>
 </p:sld>
 </file>
 
@@ -6023,7 +6296,7 @@
           <a:lstStyle/>
           <a:p>
             <a:r>
-              <a:rPr lang="en-GB" dirty="0" smtClean="0"/>
+              <a:rPr lang="en-GB" dirty="0"/>
               <a:t>Network Performance</a:t>
             </a:r>
             <a:endParaRPr lang="en-US" dirty="0"/>
@@ -6080,7 +6353,7 @@
               <a:buChar char="•"/>
             </a:pPr>
             <a:r>
-              <a:rPr lang="en-US" dirty="0" smtClean="0"/>
+              <a:rPr lang="en-US" dirty="0"/>
               <a:t>If the network performance degrades, the instance type has to be increased or upgraded </a:t>
             </a:r>
           </a:p>
@@ -6096,13 +6369,6 @@
   <p:clrMapOvr>
     <a:masterClrMapping/>
   </p:clrMapOvr>
-  <p:timing>
-    <p:tnLst>
-      <p:par>
-        <p:cTn xmlns:p14="http://schemas.microsoft.com/office/powerpoint/2010/main" id="1" dur="indefinite" restart="never" nodeType="tmRoot"/>
-      </p:par>
-    </p:tnLst>
-  </p:timing>
 </p:sld>
 </file>
 
@@ -6139,7 +6405,7 @@
           <a:lstStyle/>
           <a:p>
             <a:r>
-              <a:rPr lang="en-GB" dirty="0" smtClean="0"/>
+              <a:rPr lang="en-GB" dirty="0"/>
               <a:t>SSD Instance Store</a:t>
             </a:r>
             <a:endParaRPr lang="en-US" dirty="0"/>
@@ -6196,11 +6462,11 @@
               <a:buChar char="•"/>
             </a:pPr>
             <a:r>
-              <a:rPr lang="en-US" dirty="0" err="1" smtClean="0"/>
+              <a:rPr lang="en-US" dirty="0" err="1"/>
               <a:t>NoSQL</a:t>
             </a:r>
             <a:r>
-              <a:rPr lang="en-US" dirty="0" smtClean="0"/>
+              <a:rPr lang="en-US" dirty="0"/>
               <a:t> database requiring random I/O reads of greater than 100K 4KB IOPS – SSD Instance Store can be used</a:t>
             </a:r>
           </a:p>
@@ -6216,13 +6482,6 @@
   <p:clrMapOvr>
     <a:masterClrMapping/>
   </p:clrMapOvr>
-  <p:timing>
-    <p:tnLst>
-      <p:par>
-        <p:cTn xmlns:p14="http://schemas.microsoft.com/office/powerpoint/2010/main" id="1" dur="indefinite" restart="never" nodeType="tmRoot"/>
-      </p:par>
-    </p:tnLst>
-  </p:timing>
 </p:sld>
 </file>
 
@@ -6259,7 +6518,7 @@
           <a:lstStyle/>
           <a:p>
             <a:r>
-              <a:rPr lang="en-GB" dirty="0" smtClean="0"/>
+              <a:rPr lang="en-GB" dirty="0"/>
               <a:t>Subnets</a:t>
             </a:r>
             <a:endParaRPr lang="en-US" dirty="0"/>
@@ -6316,16 +6575,8 @@
               <a:buChar char="•"/>
             </a:pPr>
             <a:r>
-              <a:rPr lang="en-US" dirty="0" smtClean="0"/>
-              <a:t>By default, subnets </a:t>
-            </a:r>
-            <a:r>
               <a:rPr lang="en-US" dirty="0"/>
-              <a:t>are able to communicate with each other, unless you go and manually remove </a:t>
-            </a:r>
-            <a:r>
-              <a:rPr lang="en-US" dirty="0" smtClean="0"/>
-              <a:t>it</a:t>
+              <a:t>By default, subnets are able to communicate with each other, unless you go and manually remove it</a:t>
             </a:r>
           </a:p>
           <a:p>
@@ -6334,7 +6585,7 @@
               <a:buChar char="•"/>
             </a:pPr>
             <a:r>
-              <a:rPr lang="en-US" dirty="0" smtClean="0"/>
+              <a:rPr lang="en-US" dirty="0"/>
               <a:t>Instances in different VPC subset to communicate – The security group and NACL should be configured accordingly</a:t>
             </a:r>
           </a:p>
@@ -6350,13 +6601,6 @@
   <p:clrMapOvr>
     <a:masterClrMapping/>
   </p:clrMapOvr>
-  <p:timing>
-    <p:tnLst>
-      <p:par>
-        <p:cTn xmlns:p14="http://schemas.microsoft.com/office/powerpoint/2010/main" id="1" dur="indefinite" restart="never" nodeType="tmRoot"/>
-      </p:par>
-    </p:tnLst>
-  </p:timing>
 </p:sld>
 </file>
 

--- a/AWS_Sysops.pptx
+++ b/AWS_Sysops.pptx
@@ -5,7 +5,7 @@
     <p:sldMasterId id="2147483732" r:id="rId1"/>
   </p:sldMasterIdLst>
   <p:notesMasterIdLst>
-    <p:notesMasterId r:id="rId19"/>
+    <p:notesMasterId r:id="rId29"/>
   </p:notesMasterIdLst>
   <p:sldIdLst>
     <p:sldId id="256" r:id="rId2"/>
@@ -24,7 +24,17 @@
     <p:sldId id="385" r:id="rId15"/>
     <p:sldId id="386" r:id="rId16"/>
     <p:sldId id="387" r:id="rId17"/>
-    <p:sldId id="269" r:id="rId18"/>
+    <p:sldId id="393" r:id="rId18"/>
+    <p:sldId id="395" r:id="rId19"/>
+    <p:sldId id="396" r:id="rId20"/>
+    <p:sldId id="394" r:id="rId21"/>
+    <p:sldId id="392" r:id="rId22"/>
+    <p:sldId id="389" r:id="rId23"/>
+    <p:sldId id="390" r:id="rId24"/>
+    <p:sldId id="391" r:id="rId25"/>
+    <p:sldId id="397" r:id="rId26"/>
+    <p:sldId id="388" r:id="rId27"/>
+    <p:sldId id="269" r:id="rId28"/>
   </p:sldIdLst>
   <p:sldSz cx="9144000" cy="6858000" type="screen4x3"/>
   <p:notesSz cx="6858000" cy="9144000"/>
@@ -125,7 +135,7 @@
   </p:defaultTextStyle>
   <p:extLst>
     <p:ext uri="{EFAFB233-063F-42B5-8137-9DF3F51BA10A}">
-      <p15:sldGuideLst xmlns:p15="http://schemas.microsoft.com/office/powerpoint/2012/main">
+      <p15:sldGuideLst xmlns:p15="http://schemas.microsoft.com/office/powerpoint/2012/main" xmlns="">
         <p15:guide id="1" orient="horz" pos="2160">
           <p15:clr>
             <a:srgbClr val="A4A3A4"/>
@@ -230,7 +240,7 @@
           <a:p>
             <a:fld id="{93500CC2-B2B2-4C5E-B2DB-AB390A470EA1}" type="datetimeFigureOut">
               <a:rPr lang="en-GB" smtClean="0"/>
-              <a:t>07/12/2018</a:t>
+              <a:t>08/12/18</a:t>
             </a:fld>
             <a:endParaRPr lang="en-GB"/>
           </a:p>
@@ -770,7 +780,7 @@
           <a:p>
             <a:fld id="{C64CD8ED-4DC0-4871-80D6-2E57B779E393}" type="datetime1">
               <a:rPr lang="en-US" smtClean="0"/>
-              <a:t>12/7/18</a:t>
+              <a:t>08/12/18</a:t>
             </a:fld>
             <a:endParaRPr lang="en-US"/>
           </a:p>
@@ -968,7 +978,7 @@
           <a:p>
             <a:fld id="{C74161E9-A9F7-4677-9FA9-680E6D35AA1C}" type="datetime1">
               <a:rPr lang="en-US" smtClean="0"/>
-              <a:t>12/7/18</a:t>
+              <a:t>08/12/18</a:t>
             </a:fld>
             <a:endParaRPr lang="en-US"/>
           </a:p>
@@ -1143,7 +1153,7 @@
           <a:p>
             <a:fld id="{3401F1B8-DD1B-4E00-A314-6CCBF5544006}" type="datetime1">
               <a:rPr lang="en-US" smtClean="0"/>
-              <a:t>12/7/18</a:t>
+              <a:t>08/12/18</a:t>
             </a:fld>
             <a:endParaRPr lang="en-US"/>
           </a:p>
@@ -1306,7 +1316,7 @@
           <a:p>
             <a:fld id="{20EE9FA0-450A-4DB0-B0AB-18DB89D35454}" type="datetime1">
               <a:rPr lang="en-US" smtClean="0"/>
-              <a:t>12/7/18</a:t>
+              <a:t>08/12/18</a:t>
             </a:fld>
             <a:endParaRPr lang="en-US"/>
           </a:p>
@@ -1554,7 +1564,7 @@
           <a:p>
             <a:fld id="{7EC56B97-FC1B-427F-9B0E-93A386441B29}" type="datetime1">
               <a:rPr lang="en-US" smtClean="0"/>
-              <a:t>12/7/18</a:t>
+              <a:t>08/12/18</a:t>
             </a:fld>
             <a:endParaRPr lang="en-US"/>
           </a:p>
@@ -1871,7 +1881,7 @@
           <a:p>
             <a:fld id="{FCE68E21-8370-4363-AC28-7FE6E76E54B1}" type="datetime1">
               <a:rPr lang="en-US" smtClean="0"/>
-              <a:t>12/7/18</a:t>
+              <a:t>08/12/18</a:t>
             </a:fld>
             <a:endParaRPr lang="en-US"/>
           </a:p>
@@ -2337,7 +2347,7 @@
           <a:p>
             <a:fld id="{DE21D7F6-C620-4327-ABD6-5649DCCC9D7B}" type="datetime1">
               <a:rPr lang="en-US" smtClean="0"/>
-              <a:t>12/7/18</a:t>
+              <a:t>08/12/18</a:t>
             </a:fld>
             <a:endParaRPr lang="en-US"/>
           </a:p>
@@ -2484,7 +2494,7 @@
           <a:p>
             <a:fld id="{B586EC62-343A-4449-AB6B-1C2E9E026A90}" type="datetime1">
               <a:rPr lang="en-US" smtClean="0"/>
-              <a:t>12/7/18</a:t>
+              <a:t>08/12/18</a:t>
             </a:fld>
             <a:endParaRPr lang="en-US"/>
           </a:p>
@@ -2574,7 +2584,7 @@
           <a:p>
             <a:fld id="{F496258A-B4CB-4F23-A4C0-6DF70BD096AD}" type="datetime1">
               <a:rPr lang="en-US" smtClean="0"/>
-              <a:t>12/7/18</a:t>
+              <a:t>08/12/18</a:t>
             </a:fld>
             <a:endParaRPr lang="en-US"/>
           </a:p>
@@ -2848,7 +2858,7 @@
           <a:p>
             <a:fld id="{3F51703E-8549-44B6-9C94-90BF3B139E17}" type="datetime1">
               <a:rPr lang="en-US" smtClean="0"/>
-              <a:t>12/7/18</a:t>
+              <a:t>08/12/18</a:t>
             </a:fld>
             <a:endParaRPr lang="en-US"/>
           </a:p>
@@ -3153,7 +3163,7 @@
           <a:p>
             <a:fld id="{DE6A5A91-5E4B-4C78-B9D4-B8726E898A2C}" type="datetime1">
               <a:rPr lang="en-US" smtClean="0"/>
-              <a:t>12/7/18</a:t>
+              <a:t>08/12/18</a:t>
             </a:fld>
             <a:endParaRPr lang="en-US"/>
           </a:p>
@@ -3451,7 +3461,7 @@
           <a:p>
             <a:fld id="{773D8793-05E7-4BFA-9CED-8F335001F9D9}" type="datetime1">
               <a:rPr lang="en-US" smtClean="0"/>
-              <a:t>12/7/18</a:t>
+              <a:t>08/12/18</a:t>
             </a:fld>
             <a:endParaRPr lang="en-US"/>
           </a:p>
@@ -4510,7 +4520,7 @@
         <p:spPr>
           <a:xfrm>
             <a:off x="611560" y="1556792"/>
-            <a:ext cx="8064896" cy="369332"/>
+            <a:ext cx="8064896" cy="1754327"/>
           </a:xfrm>
           <a:prstGeom prst="rect">
             <a:avLst/>
@@ -4528,13 +4538,84 @@
               <a:buChar char="•"/>
             </a:pPr>
             <a:r>
-              <a:rPr lang="en-US" dirty="0" err="1"/>
-              <a:t>GroupTotalInstance</a:t>
+              <a:rPr lang="en-US" dirty="0">
+                <a:solidFill>
+                  <a:srgbClr val="FF0000"/>
+                </a:solidFill>
+              </a:rPr>
+              <a:t>GroupTotalInstance </a:t>
             </a:r>
             <a:r>
               <a:rPr lang="en-US" dirty="0"/>
-              <a:t> – total number of instances in auto scaling group</a:t>
-            </a:r>
+              <a:t>– total number of instances in auto scaling </a:t>
+            </a:r>
+            <a:r>
+              <a:rPr lang="en-US" dirty="0" smtClean="0"/>
+              <a:t>group</a:t>
+            </a:r>
+          </a:p>
+          <a:p>
+            <a:pPr marL="285750" indent="-285750">
+              <a:buFont typeface="Arial"/>
+              <a:buChar char="•"/>
+            </a:pPr>
+            <a:r>
+              <a:rPr lang="en-US" dirty="0" smtClean="0"/>
+              <a:t>Autoscaling can be temporarily suspended if you want to analyze the root cause for high memory utilization</a:t>
+            </a:r>
+          </a:p>
+          <a:p>
+            <a:pPr marL="285750" indent="-285750">
+              <a:buFont typeface="Arial"/>
+              <a:buChar char="•"/>
+            </a:pPr>
+            <a:r>
+              <a:rPr lang="en-US" dirty="0" smtClean="0"/>
+              <a:t>Maximum siz</a:t>
+            </a:r>
+            <a:r>
+              <a:rPr lang="en-US" dirty="0" smtClean="0"/>
+              <a:t>e is </a:t>
+            </a:r>
+            <a:r>
+              <a:rPr lang="en-US" b="1" dirty="0" smtClean="0">
+                <a:solidFill>
+                  <a:srgbClr val="FF0000"/>
+                </a:solidFill>
+              </a:rPr>
+              <a:t>not</a:t>
+            </a:r>
+            <a:r>
+              <a:rPr lang="en-US" dirty="0" smtClean="0">
+                <a:solidFill>
+                  <a:srgbClr val="FF0000"/>
+                </a:solidFill>
+              </a:rPr>
+              <a:t> </a:t>
+            </a:r>
+            <a:r>
+              <a:rPr lang="en-US" dirty="0" smtClean="0"/>
+              <a:t>required for scheduled auto-scaling policy</a:t>
+            </a:r>
+          </a:p>
+          <a:p>
+            <a:pPr marL="285750" indent="-285750">
+              <a:buFont typeface="Arial"/>
+              <a:buChar char="•"/>
+            </a:pPr>
+            <a:r>
+              <a:rPr lang="en-US" dirty="0" smtClean="0">
+                <a:solidFill>
+                  <a:srgbClr val="FF0000"/>
+                </a:solidFill>
+              </a:rPr>
+              <a:t>as-update-auto-scaling-group</a:t>
+            </a:r>
+            <a:r>
+              <a:rPr lang="en-US" dirty="0" smtClean="0"/>
+              <a:t> to configure one group to span across zones and delete the other group</a:t>
+            </a:r>
+            <a:endParaRPr lang="en-US" dirty="0"/>
           </a:p>
         </p:txBody>
       </p:sp>
@@ -4623,7 +4704,7 @@
         <p:spPr>
           <a:xfrm>
             <a:off x="611560" y="1556792"/>
-            <a:ext cx="8064896" cy="369332"/>
+            <a:ext cx="8064896" cy="2862323"/>
           </a:xfrm>
           <a:prstGeom prst="rect">
             <a:avLst/>
@@ -4650,8 +4731,141 @@
                   <a:srgbClr val="FF0000"/>
                 </a:solidFill>
               </a:rPr>
-              <a:t>TLS v1.3</a:t>
-            </a:r>
+              <a:t>TLS </a:t>
+            </a:r>
+            <a:r>
+              <a:rPr lang="en-US" dirty="0" smtClean="0">
+                <a:solidFill>
+                  <a:srgbClr val="FF0000"/>
+                </a:solidFill>
+              </a:rPr>
+              <a:t>v1.3</a:t>
+            </a:r>
+          </a:p>
+          <a:p>
+            <a:pPr marL="285750" indent="-285750">
+              <a:buFont typeface="Arial"/>
+              <a:buChar char="•"/>
+            </a:pPr>
+            <a:r>
+              <a:rPr lang="en-US" dirty="0" smtClean="0">
+                <a:solidFill>
+                  <a:srgbClr val="292934"/>
+                </a:solidFill>
+              </a:rPr>
+              <a:t>If the user has not provided the security policy for SSL negotiation, the ELB will automatically select the latest version of the security policy</a:t>
+            </a:r>
+          </a:p>
+          <a:p>
+            <a:pPr marL="285750" indent="-285750">
+              <a:buFont typeface="Arial"/>
+              <a:buChar char="•"/>
+            </a:pPr>
+            <a:r>
+              <a:rPr lang="en-US" dirty="0" smtClean="0">
+                <a:solidFill>
+                  <a:srgbClr val="292934"/>
+                </a:solidFill>
+              </a:rPr>
+              <a:t>ELB supports tw</a:t>
+            </a:r>
+            <a:r>
+              <a:rPr lang="en-US" dirty="0" smtClean="0">
+                <a:solidFill>
+                  <a:srgbClr val="292934"/>
+                </a:solidFill>
+              </a:rPr>
+              <a:t>o policies:-</a:t>
+            </a:r>
+          </a:p>
+          <a:p>
+            <a:pPr marL="742950" lvl="1" indent="-285750">
+              <a:buFont typeface="Wingdings" charset="2"/>
+              <a:buChar char="ü"/>
+            </a:pPr>
+            <a:r>
+              <a:rPr lang="en-US" dirty="0" smtClean="0">
+                <a:solidFill>
+                  <a:srgbClr val="292934"/>
+                </a:solidFill>
+              </a:rPr>
+              <a:t>Pre-Defined </a:t>
+            </a:r>
+          </a:p>
+          <a:p>
+            <a:pPr marL="742950" lvl="1" indent="-285750">
+              <a:buFont typeface="Wingdings" charset="2"/>
+              <a:buChar char="ü"/>
+            </a:pPr>
+            <a:r>
+              <a:rPr lang="en-US" dirty="0" smtClean="0">
+                <a:solidFill>
+                  <a:srgbClr val="292934"/>
+                </a:solidFill>
+              </a:rPr>
+              <a:t>Custom </a:t>
+            </a:r>
+          </a:p>
+          <a:p>
+            <a:pPr marL="285750" indent="-285750">
+              <a:buFont typeface="Arial"/>
+              <a:buChar char="•"/>
+            </a:pPr>
+            <a:r>
+              <a:rPr lang="en-US" dirty="0" smtClean="0">
+                <a:solidFill>
+                  <a:srgbClr val="292934"/>
+                </a:solidFill>
+              </a:rPr>
+              <a:t>ELB logs</a:t>
+            </a:r>
+          </a:p>
+          <a:p>
+            <a:pPr marL="742950" lvl="1" indent="-285750">
+              <a:buFont typeface="Wingdings" charset="2"/>
+              <a:buChar char="ü"/>
+            </a:pPr>
+            <a:r>
+              <a:rPr lang="en-US" dirty="0" smtClean="0">
+                <a:solidFill>
+                  <a:srgbClr val="292934"/>
+                </a:solidFill>
+              </a:rPr>
+              <a:t>Request processing time</a:t>
+            </a:r>
+          </a:p>
+          <a:p>
+            <a:pPr marL="742950" lvl="1" indent="-285750">
+              <a:buFont typeface="Wingdings" charset="2"/>
+              <a:buChar char="ü"/>
+            </a:pPr>
+            <a:r>
+              <a:rPr lang="en-US" dirty="0" smtClean="0">
+                <a:solidFill>
+                  <a:srgbClr val="292934"/>
+                </a:solidFill>
+              </a:rPr>
+              <a:t>Backend processing time</a:t>
+            </a:r>
+          </a:p>
+          <a:p>
+            <a:pPr marL="742950" lvl="1" indent="-285750">
+              <a:buFont typeface="Wingdings" charset="2"/>
+              <a:buChar char="ü"/>
+            </a:pPr>
+            <a:r>
+              <a:rPr lang="en-US" dirty="0" smtClean="0">
+                <a:solidFill>
+                  <a:srgbClr val="292934"/>
+                </a:solidFill>
+              </a:rPr>
+              <a:t>Response processing time</a:t>
+            </a:r>
+            <a:endParaRPr lang="en-US" dirty="0">
+              <a:solidFill>
+                <a:srgbClr val="292934"/>
+              </a:solidFill>
+            </a:endParaRPr>
           </a:p>
         </p:txBody>
       </p:sp>
@@ -4740,7 +4954,7 @@
         <p:spPr>
           <a:xfrm>
             <a:off x="611560" y="1556792"/>
-            <a:ext cx="8064896" cy="369332"/>
+            <a:ext cx="8064896" cy="2308324"/>
           </a:xfrm>
           <a:prstGeom prst="rect">
             <a:avLst/>
@@ -4759,13 +4973,75 @@
             </a:pPr>
             <a:r>
               <a:rPr lang="en-US" dirty="0"/>
-              <a:t>Transaction log can’t be viewed from console for MySQL RDS</a:t>
-            </a:r>
-            <a:endParaRPr lang="en-US" dirty="0">
-              <a:solidFill>
-                <a:srgbClr val="FF0000"/>
-              </a:solidFill>
-            </a:endParaRPr>
+              <a:t>Transaction log can’t be viewed from console for MySQL </a:t>
+            </a:r>
+            <a:r>
+              <a:rPr lang="en-US" dirty="0" smtClean="0"/>
+              <a:t>RDS</a:t>
+            </a:r>
+          </a:p>
+          <a:p>
+            <a:pPr marL="285750" indent="-285750">
+              <a:buFont typeface="Arial"/>
+              <a:buChar char="•"/>
+            </a:pPr>
+            <a:r>
+              <a:rPr lang="en-US" dirty="0" smtClean="0"/>
+              <a:t>Order of events during maintenance window:-</a:t>
+            </a:r>
+          </a:p>
+          <a:p>
+            <a:pPr marL="742950" lvl="1" indent="-285750">
+              <a:buFont typeface="Wingdings" charset="2"/>
+              <a:buChar char="ü"/>
+            </a:pPr>
+            <a:r>
+              <a:rPr lang="en-US" dirty="0" smtClean="0"/>
+              <a:t>Perform maintenance on standby</a:t>
+            </a:r>
+          </a:p>
+          <a:p>
+            <a:pPr marL="742950" lvl="1" indent="-285750">
+              <a:buFont typeface="Wingdings" charset="2"/>
+              <a:buChar char="ü"/>
+            </a:pPr>
+            <a:r>
+              <a:rPr lang="en-US" dirty="0" smtClean="0"/>
+              <a:t>Promote standby to primary </a:t>
+            </a:r>
+          </a:p>
+          <a:p>
+            <a:pPr marL="742950" lvl="1" indent="-285750">
+              <a:buFont typeface="Wingdings" charset="2"/>
+              <a:buChar char="ü"/>
+            </a:pPr>
+            <a:r>
+              <a:rPr lang="en-US" dirty="0" smtClean="0"/>
+              <a:t>Perform maintenance on original primary, which becomes the new standby</a:t>
+            </a:r>
+          </a:p>
+          <a:p>
+            <a:pPr marL="285750" indent="-285750">
+              <a:buFont typeface="Arial"/>
+              <a:buChar char="•"/>
+            </a:pPr>
+            <a:r>
+              <a:rPr lang="en-US" dirty="0" smtClean="0"/>
+              <a:t>If maintenance window is not selected, RDS assigns a </a:t>
+            </a:r>
+            <a:r>
+              <a:rPr lang="en-US" b="1" dirty="0" smtClean="0">
+                <a:solidFill>
+                  <a:srgbClr val="FF0000"/>
+                </a:solidFill>
+              </a:rPr>
+              <a:t>30-minute </a:t>
+            </a:r>
+            <a:r>
+              <a:rPr lang="en-US" dirty="0" smtClean="0"/>
+              <a:t>maintenance window on a randomly selected day of the week</a:t>
+            </a:r>
+            <a:endParaRPr lang="en-US" dirty="0"/>
           </a:p>
         </p:txBody>
       </p:sp>
@@ -4815,83 +5091,10 @@
           <a:lstStyle/>
           <a:p>
             <a:r>
-              <a:rPr lang="en-US" dirty="0"/>
-              <a:t>References</a:t>
-            </a:r>
-          </a:p>
-        </p:txBody>
-      </p:sp>
-      <p:sp>
-        <p:nvSpPr>
-          <p:cNvPr id="3" name="Content Placeholder 2"/>
-          <p:cNvSpPr>
-            <a:spLocks noGrp="1"/>
-          </p:cNvSpPr>
-          <p:nvPr>
-            <p:ph idx="1"/>
-          </p:nvPr>
-        </p:nvSpPr>
-        <p:spPr/>
-        <p:txBody>
-          <a:bodyPr>
-            <a:normAutofit/>
-          </a:bodyPr>
-          <a:lstStyle/>
-          <a:p>
-            <a:r>
-              <a:rPr lang="en-US" sz="1600" dirty="0"/>
-              <a:t>AWS online documentation</a:t>
-            </a:r>
-          </a:p>
-          <a:p>
-            <a:r>
-              <a:rPr lang="en-US" sz="1600" dirty="0">
-                <a:hlinkClick r:id="rId2"/>
-              </a:rPr>
-              <a:t>http://docs.aws.amazon.com/AmazonVPC/latest/UserGuide/default-vpc.html</a:t>
-            </a:r>
-            <a:endParaRPr lang="en-US" sz="1600" dirty="0"/>
-          </a:p>
-          <a:p>
-            <a:r>
-              <a:rPr lang="en-US" sz="1600" dirty="0">
-                <a:hlinkClick r:id="rId3"/>
-              </a:rPr>
-              <a:t>http://docs.aws.amazon.com/AmazonVPC/latest/UserGuide/VPC_Scenario2.html</a:t>
-            </a:r>
-            <a:endParaRPr lang="en-US" sz="1600" dirty="0"/>
-          </a:p>
-          <a:p>
-            <a:r>
-              <a:rPr lang="en-US" sz="1600" dirty="0">
-                <a:hlinkClick r:id="rId4"/>
-              </a:rPr>
-              <a:t>https://fourteenislands.io/2015/06/aws-certified-sysops-administrator-associate-level-sample-exam-questions-and-answers/</a:t>
-            </a:r>
-            <a:endParaRPr lang="en-US" sz="1600" dirty="0"/>
-          </a:p>
-          <a:p>
-            <a:r>
-              <a:rPr lang="en-US" sz="1600" dirty="0">
-                <a:hlinkClick r:id="rId5"/>
-              </a:rPr>
-              <a:t>https://d0.awsstatic.com/whitepapers/AWS_Cloud_Best_Practices.pdf</a:t>
-            </a:r>
-            <a:endParaRPr lang="en-US" sz="1600" dirty="0"/>
-          </a:p>
-          <a:p>
-            <a:r>
-              <a:rPr lang="en-US" sz="1600" dirty="0"/>
-              <a:t>https://</a:t>
-            </a:r>
-            <a:r>
-              <a:rPr lang="en-US" sz="1600" dirty="0" err="1"/>
-              <a:t>awslagi.com</a:t>
-            </a:r>
-            <a:r>
-              <a:rPr lang="en-US" sz="1600" dirty="0"/>
-              <a:t>/test2/</a:t>
-            </a:r>
+              <a:rPr lang="en-GB" dirty="0" smtClean="0"/>
+              <a:t>SNS</a:t>
+            </a:r>
+            <a:endParaRPr lang="en-US" dirty="0"/>
           </a:p>
         </p:txBody>
       </p:sp>
@@ -4918,10 +5121,334 @@
           </a:p>
         </p:txBody>
       </p:sp>
+      <p:sp>
+        <p:nvSpPr>
+          <p:cNvPr id="6" name="TextBox 5"/>
+          <p:cNvSpPr txBox="1"/>
+          <p:nvPr/>
+        </p:nvSpPr>
+        <p:spPr>
+          <a:xfrm>
+            <a:off x="611560" y="1556792"/>
+            <a:ext cx="8064896" cy="369332"/>
+          </a:xfrm>
+          <a:prstGeom prst="rect">
+            <a:avLst/>
+          </a:prstGeom>
+          <a:noFill/>
+        </p:spPr>
+        <p:txBody>
+          <a:bodyPr wrap="square" rtlCol="0">
+            <a:spAutoFit/>
+          </a:bodyPr>
+          <a:lstStyle/>
+          <a:p>
+            <a:pPr marL="285750" indent="-285750">
+              <a:buFont typeface="Arial"/>
+              <a:buChar char="•"/>
+            </a:pPr>
+            <a:r>
+              <a:rPr lang="en-US" dirty="0" smtClean="0"/>
+              <a:t>Notification to HTTP, HTTPS, Email, Email-JSON, SQS and SMS</a:t>
+            </a:r>
+            <a:endParaRPr lang="en-US" dirty="0">
+              <a:solidFill>
+                <a:srgbClr val="FF0000"/>
+              </a:solidFill>
+            </a:endParaRPr>
+          </a:p>
+        </p:txBody>
+      </p:sp>
     </p:spTree>
     <p:extLst>
       <p:ext uri="{BB962C8B-B14F-4D97-AF65-F5344CB8AC3E}">
-        <p14:creationId xmlns:p14="http://schemas.microsoft.com/office/powerpoint/2010/main" val="924403351"/>
+        <p14:creationId xmlns:p14="http://schemas.microsoft.com/office/powerpoint/2010/main" val="1948117394"/>
+      </p:ext>
+    </p:extLst>
+  </p:cSld>
+  <p:clrMapOvr>
+    <a:masterClrMapping/>
+  </p:clrMapOvr>
+</p:sld>
+</file>
+
+<file path=ppt/slides/slide18.xml><?xml version="1.0" encoding="utf-8"?>
+<p:sld xmlns:a="http://schemas.openxmlformats.org/drawingml/2006/main" xmlns:r="http://schemas.openxmlformats.org/officeDocument/2006/relationships" xmlns:p="http://schemas.openxmlformats.org/presentationml/2006/main">
+  <p:cSld>
+    <p:spTree>
+      <p:nvGrpSpPr>
+        <p:cNvPr id="1" name=""/>
+        <p:cNvGrpSpPr/>
+        <p:nvPr/>
+      </p:nvGrpSpPr>
+      <p:grpSpPr>
+        <a:xfrm>
+          <a:off x="0" y="0"/>
+          <a:ext cx="0" cy="0"/>
+          <a:chOff x="0" y="0"/>
+          <a:chExt cx="0" cy="0"/>
+        </a:xfrm>
+      </p:grpSpPr>
+      <p:sp>
+        <p:nvSpPr>
+          <p:cNvPr id="2" name="Title 1"/>
+          <p:cNvSpPr>
+            <a:spLocks noGrp="1"/>
+          </p:cNvSpPr>
+          <p:nvPr>
+            <p:ph type="title"/>
+          </p:nvPr>
+        </p:nvSpPr>
+        <p:spPr/>
+        <p:txBody>
+          <a:bodyPr/>
+          <a:lstStyle/>
+          <a:p>
+            <a:r>
+              <a:rPr lang="en-GB" dirty="0" smtClean="0"/>
+              <a:t>SQS</a:t>
+            </a:r>
+            <a:endParaRPr lang="en-US" dirty="0"/>
+          </a:p>
+        </p:txBody>
+      </p:sp>
+      <p:sp>
+        <p:nvSpPr>
+          <p:cNvPr id="4" name="Slide Number Placeholder 3"/>
+          <p:cNvSpPr>
+            <a:spLocks noGrp="1"/>
+          </p:cNvSpPr>
+          <p:nvPr>
+            <p:ph type="sldNum" sz="quarter" idx="12"/>
+          </p:nvPr>
+        </p:nvSpPr>
+        <p:spPr/>
+        <p:txBody>
+          <a:bodyPr/>
+          <a:lstStyle/>
+          <a:p>
+            <a:fld id="{CF3BE448-F768-4AC5-8094-8F17F27BA907}" type="slidenum">
+              <a:rPr lang="en-US" smtClean="0"/>
+              <a:t>18</a:t>
+            </a:fld>
+            <a:endParaRPr lang="en-US"/>
+          </a:p>
+        </p:txBody>
+      </p:sp>
+      <p:sp>
+        <p:nvSpPr>
+          <p:cNvPr id="6" name="TextBox 5"/>
+          <p:cNvSpPr txBox="1"/>
+          <p:nvPr/>
+        </p:nvSpPr>
+        <p:spPr>
+          <a:xfrm>
+            <a:off x="611560" y="1556792"/>
+            <a:ext cx="8064896" cy="646331"/>
+          </a:xfrm>
+          <a:prstGeom prst="rect">
+            <a:avLst/>
+          </a:prstGeom>
+          <a:noFill/>
+        </p:spPr>
+        <p:txBody>
+          <a:bodyPr wrap="square" rtlCol="0">
+            <a:spAutoFit/>
+          </a:bodyPr>
+          <a:lstStyle/>
+          <a:p>
+            <a:pPr marL="285750" indent="-285750">
+              <a:buFont typeface="Arial"/>
+              <a:buChar char="•"/>
+            </a:pPr>
+            <a:r>
+              <a:rPr lang="en-US" dirty="0" smtClean="0"/>
+              <a:t>SQS URL Pattern </a:t>
+            </a:r>
+            <a:r>
+              <a:rPr lang="en-US" dirty="0" smtClean="0">
+                <a:solidFill>
+                  <a:srgbClr val="FF0000"/>
+                </a:solidFill>
+              </a:rPr>
+              <a:t>https://sqs.us-west-2.amazonaws.com/&lt;acct-id&gt;/&lt;queue-name&gt; </a:t>
+            </a:r>
+          </a:p>
+        </p:txBody>
+      </p:sp>
+    </p:spTree>
+    <p:extLst>
+      <p:ext uri="{BB962C8B-B14F-4D97-AF65-F5344CB8AC3E}">
+        <p14:creationId xmlns:p14="http://schemas.microsoft.com/office/powerpoint/2010/main" val="325454860"/>
+      </p:ext>
+    </p:extLst>
+  </p:cSld>
+  <p:clrMapOvr>
+    <a:masterClrMapping/>
+  </p:clrMapOvr>
+</p:sld>
+</file>
+
+<file path=ppt/slides/slide19.xml><?xml version="1.0" encoding="utf-8"?>
+<p:sld xmlns:a="http://schemas.openxmlformats.org/drawingml/2006/main" xmlns:r="http://schemas.openxmlformats.org/officeDocument/2006/relationships" xmlns:p="http://schemas.openxmlformats.org/presentationml/2006/main">
+  <p:cSld>
+    <p:spTree>
+      <p:nvGrpSpPr>
+        <p:cNvPr id="1" name=""/>
+        <p:cNvGrpSpPr/>
+        <p:nvPr/>
+      </p:nvGrpSpPr>
+      <p:grpSpPr>
+        <a:xfrm>
+          <a:off x="0" y="0"/>
+          <a:ext cx="0" cy="0"/>
+          <a:chOff x="0" y="0"/>
+          <a:chExt cx="0" cy="0"/>
+        </a:xfrm>
+      </p:grpSpPr>
+      <p:sp>
+        <p:nvSpPr>
+          <p:cNvPr id="2" name="Title 1"/>
+          <p:cNvSpPr>
+            <a:spLocks noGrp="1"/>
+          </p:cNvSpPr>
+          <p:nvPr>
+            <p:ph type="title"/>
+          </p:nvPr>
+        </p:nvSpPr>
+        <p:spPr/>
+        <p:txBody>
+          <a:bodyPr/>
+          <a:lstStyle/>
+          <a:p>
+            <a:r>
+              <a:rPr lang="en-GB" dirty="0" smtClean="0"/>
+              <a:t>IAM</a:t>
+            </a:r>
+            <a:endParaRPr lang="en-US" dirty="0"/>
+          </a:p>
+        </p:txBody>
+      </p:sp>
+      <p:sp>
+        <p:nvSpPr>
+          <p:cNvPr id="4" name="Slide Number Placeholder 3"/>
+          <p:cNvSpPr>
+            <a:spLocks noGrp="1"/>
+          </p:cNvSpPr>
+          <p:nvPr>
+            <p:ph type="sldNum" sz="quarter" idx="12"/>
+          </p:nvPr>
+        </p:nvSpPr>
+        <p:spPr/>
+        <p:txBody>
+          <a:bodyPr/>
+          <a:lstStyle/>
+          <a:p>
+            <a:fld id="{CF3BE448-F768-4AC5-8094-8F17F27BA907}" type="slidenum">
+              <a:rPr lang="en-US" smtClean="0"/>
+              <a:t>19</a:t>
+            </a:fld>
+            <a:endParaRPr lang="en-US"/>
+          </a:p>
+        </p:txBody>
+      </p:sp>
+      <p:sp>
+        <p:nvSpPr>
+          <p:cNvPr id="6" name="TextBox 5"/>
+          <p:cNvSpPr txBox="1"/>
+          <p:nvPr/>
+        </p:nvSpPr>
+        <p:spPr>
+          <a:xfrm>
+            <a:off x="611560" y="1556792"/>
+            <a:ext cx="8064896" cy="1477328"/>
+          </a:xfrm>
+          <a:prstGeom prst="rect">
+            <a:avLst/>
+          </a:prstGeom>
+          <a:noFill/>
+        </p:spPr>
+        <p:txBody>
+          <a:bodyPr wrap="square" rtlCol="0">
+            <a:spAutoFit/>
+          </a:bodyPr>
+          <a:lstStyle/>
+          <a:p>
+            <a:pPr marL="285750" indent="-285750">
+              <a:buFont typeface="Arial"/>
+              <a:buChar char="•"/>
+            </a:pPr>
+            <a:r>
+              <a:rPr lang="en-US" dirty="0" smtClean="0">
+                <a:solidFill>
+                  <a:srgbClr val="292934"/>
+                </a:solidFill>
+              </a:rPr>
+              <a:t>Default maximum for each of the IAM entities are:-</a:t>
+            </a:r>
+          </a:p>
+          <a:p>
+            <a:pPr marL="742950" lvl="1" indent="-285750">
+              <a:buFont typeface="Wingdings" charset="2"/>
+              <a:buChar char="ü"/>
+            </a:pPr>
+            <a:r>
+              <a:rPr lang="en-US" dirty="0" smtClean="0">
+                <a:solidFill>
+                  <a:srgbClr val="292934"/>
+                </a:solidFill>
+              </a:rPr>
+              <a:t>Groups per AWS account – 100</a:t>
+            </a:r>
+          </a:p>
+          <a:p>
+            <a:pPr marL="742950" lvl="1" indent="-285750">
+              <a:buFont typeface="Wingdings" charset="2"/>
+              <a:buChar char="ü"/>
+            </a:pPr>
+            <a:r>
+              <a:rPr lang="en-US" dirty="0" smtClean="0">
+                <a:solidFill>
+                  <a:srgbClr val="292934"/>
+                </a:solidFill>
+              </a:rPr>
+              <a:t>Users per AWS account – 5000</a:t>
+            </a:r>
+          </a:p>
+          <a:p>
+            <a:pPr marL="742950" lvl="1" indent="-285750">
+              <a:buFont typeface="Wingdings" charset="2"/>
+              <a:buChar char="ü"/>
+            </a:pPr>
+            <a:r>
+              <a:rPr lang="en-US" dirty="0" smtClean="0">
+                <a:solidFill>
+                  <a:srgbClr val="292934"/>
+                </a:solidFill>
+              </a:rPr>
+              <a:t>Roles per AWS account – 250</a:t>
+            </a:r>
+          </a:p>
+          <a:p>
+            <a:pPr marL="742950" lvl="1" indent="-285750">
+              <a:buFont typeface="Wingdings" charset="2"/>
+              <a:buChar char="ü"/>
+            </a:pPr>
+            <a:r>
+              <a:rPr lang="en-US" dirty="0" smtClean="0">
+                <a:solidFill>
+                  <a:srgbClr val="292934"/>
+                </a:solidFill>
+              </a:rPr>
+              <a:t>Number of groups per user - 10</a:t>
+            </a:r>
+          </a:p>
+        </p:txBody>
+      </p:sp>
+    </p:spTree>
+    <p:extLst>
+      <p:ext uri="{BB962C8B-B14F-4D97-AF65-F5344CB8AC3E}">
+        <p14:creationId xmlns:p14="http://schemas.microsoft.com/office/powerpoint/2010/main" val="1319398620"/>
       </p:ext>
     </p:extLst>
   </p:cSld>
@@ -5022,14 +5549,14 @@
                 <a:gridCol w="3744416">
                   <a:extLst>
                     <a:ext uri="{9D8B030D-6E8A-4147-A177-3AD203B41FA5}">
-                      <a16:colId xmlns:a16="http://schemas.microsoft.com/office/drawing/2014/main" val="20000"/>
+                      <a16:colId xmlns:a16="http://schemas.microsoft.com/office/drawing/2014/main" xmlns="" val="20000"/>
                     </a:ext>
                   </a:extLst>
                 </a:gridCol>
                 <a:gridCol w="3744416">
                   <a:extLst>
                     <a:ext uri="{9D8B030D-6E8A-4147-A177-3AD203B41FA5}">
-                      <a16:colId xmlns:a16="http://schemas.microsoft.com/office/drawing/2014/main" val="20001"/>
+                      <a16:colId xmlns:a16="http://schemas.microsoft.com/office/drawing/2014/main" xmlns="" val="20001"/>
                     </a:ext>
                   </a:extLst>
                 </a:gridCol>
@@ -5137,7 +5664,7 @@
                 </a:tc>
                 <a:extLst>
                   <a:ext uri="{0D108BD9-81ED-4DB2-BD59-A6C34878D82A}">
-                    <a16:rowId xmlns:a16="http://schemas.microsoft.com/office/drawing/2014/main" val="10000"/>
+                    <a16:rowId xmlns:a16="http://schemas.microsoft.com/office/drawing/2014/main" xmlns="" val="10000"/>
                   </a:ext>
                 </a:extLst>
               </a:tr>
@@ -5244,7 +5771,7 @@
                 </a:tc>
                 <a:extLst>
                   <a:ext uri="{0D108BD9-81ED-4DB2-BD59-A6C34878D82A}">
-                    <a16:rowId xmlns:a16="http://schemas.microsoft.com/office/drawing/2014/main" val="10001"/>
+                    <a16:rowId xmlns:a16="http://schemas.microsoft.com/office/drawing/2014/main" xmlns="" val="10001"/>
                   </a:ext>
                 </a:extLst>
               </a:tr>
@@ -5361,7 +5888,7 @@
                 </a:tc>
                 <a:extLst>
                   <a:ext uri="{0D108BD9-81ED-4DB2-BD59-A6C34878D82A}">
-                    <a16:rowId xmlns:a16="http://schemas.microsoft.com/office/drawing/2014/main" val="10002"/>
+                    <a16:rowId xmlns:a16="http://schemas.microsoft.com/office/drawing/2014/main" xmlns="" val="10002"/>
                   </a:ext>
                 </a:extLst>
               </a:tr>
@@ -5468,7 +5995,7 @@
                 </a:tc>
                 <a:extLst>
                   <a:ext uri="{0D108BD9-81ED-4DB2-BD59-A6C34878D82A}">
-                    <a16:rowId xmlns:a16="http://schemas.microsoft.com/office/drawing/2014/main" val="10003"/>
+                    <a16:rowId xmlns:a16="http://schemas.microsoft.com/office/drawing/2014/main" xmlns="" val="10003"/>
                   </a:ext>
                 </a:extLst>
               </a:tr>
@@ -5585,7 +6112,7 @@
                 </a:tc>
                 <a:extLst>
                   <a:ext uri="{0D108BD9-81ED-4DB2-BD59-A6C34878D82A}">
-                    <a16:rowId xmlns:a16="http://schemas.microsoft.com/office/drawing/2014/main" val="10004"/>
+                    <a16:rowId xmlns:a16="http://schemas.microsoft.com/office/drawing/2014/main" xmlns="" val="10004"/>
                   </a:ext>
                 </a:extLst>
               </a:tr>
@@ -5597,6 +6124,1134 @@
     <p:extLst>
       <p:ext uri="{BB962C8B-B14F-4D97-AF65-F5344CB8AC3E}">
         <p14:creationId xmlns:p14="http://schemas.microsoft.com/office/powerpoint/2010/main" val="3358024853"/>
+      </p:ext>
+    </p:extLst>
+  </p:cSld>
+  <p:clrMapOvr>
+    <a:masterClrMapping/>
+  </p:clrMapOvr>
+</p:sld>
+</file>
+
+<file path=ppt/slides/slide20.xml><?xml version="1.0" encoding="utf-8"?>
+<p:sld xmlns:a="http://schemas.openxmlformats.org/drawingml/2006/main" xmlns:r="http://schemas.openxmlformats.org/officeDocument/2006/relationships" xmlns:p="http://schemas.openxmlformats.org/presentationml/2006/main">
+  <p:cSld>
+    <p:spTree>
+      <p:nvGrpSpPr>
+        <p:cNvPr id="1" name=""/>
+        <p:cNvGrpSpPr/>
+        <p:nvPr/>
+      </p:nvGrpSpPr>
+      <p:grpSpPr>
+        <a:xfrm>
+          <a:off x="0" y="0"/>
+          <a:ext cx="0" cy="0"/>
+          <a:chOff x="0" y="0"/>
+          <a:chExt cx="0" cy="0"/>
+        </a:xfrm>
+      </p:grpSpPr>
+      <p:sp>
+        <p:nvSpPr>
+          <p:cNvPr id="2" name="Title 1"/>
+          <p:cNvSpPr>
+            <a:spLocks noGrp="1"/>
+          </p:cNvSpPr>
+          <p:nvPr>
+            <p:ph type="title"/>
+          </p:nvPr>
+        </p:nvSpPr>
+        <p:spPr/>
+        <p:txBody>
+          <a:bodyPr/>
+          <a:lstStyle/>
+          <a:p>
+            <a:r>
+              <a:rPr lang="en-GB" dirty="0" smtClean="0"/>
+              <a:t>Snapshots</a:t>
+            </a:r>
+            <a:endParaRPr lang="en-US" dirty="0"/>
+          </a:p>
+        </p:txBody>
+      </p:sp>
+      <p:sp>
+        <p:nvSpPr>
+          <p:cNvPr id="4" name="Slide Number Placeholder 3"/>
+          <p:cNvSpPr>
+            <a:spLocks noGrp="1"/>
+          </p:cNvSpPr>
+          <p:nvPr>
+            <p:ph type="sldNum" sz="quarter" idx="12"/>
+          </p:nvPr>
+        </p:nvSpPr>
+        <p:spPr/>
+        <p:txBody>
+          <a:bodyPr/>
+          <a:lstStyle/>
+          <a:p>
+            <a:fld id="{CF3BE448-F768-4AC5-8094-8F17F27BA907}" type="slidenum">
+              <a:rPr lang="en-US" smtClean="0"/>
+              <a:t>20</a:t>
+            </a:fld>
+            <a:endParaRPr lang="en-US"/>
+          </a:p>
+        </p:txBody>
+      </p:sp>
+      <p:sp>
+        <p:nvSpPr>
+          <p:cNvPr id="6" name="TextBox 5"/>
+          <p:cNvSpPr txBox="1"/>
+          <p:nvPr/>
+        </p:nvSpPr>
+        <p:spPr>
+          <a:xfrm>
+            <a:off x="611560" y="1556792"/>
+            <a:ext cx="8064896" cy="369332"/>
+          </a:xfrm>
+          <a:prstGeom prst="rect">
+            <a:avLst/>
+          </a:prstGeom>
+          <a:noFill/>
+        </p:spPr>
+        <p:txBody>
+          <a:bodyPr wrap="square" rtlCol="0">
+            <a:spAutoFit/>
+          </a:bodyPr>
+          <a:lstStyle/>
+          <a:p>
+            <a:pPr marL="285750" indent="-285750">
+              <a:buFont typeface="Arial"/>
+              <a:buChar char="•"/>
+            </a:pPr>
+            <a:r>
+              <a:rPr lang="en-US" dirty="0" smtClean="0"/>
+              <a:t>Snapshots are asynchronous and incremental</a:t>
+            </a:r>
+            <a:endParaRPr lang="en-US" dirty="0">
+              <a:solidFill>
+                <a:srgbClr val="FF0000"/>
+              </a:solidFill>
+            </a:endParaRPr>
+          </a:p>
+        </p:txBody>
+      </p:sp>
+    </p:spTree>
+    <p:extLst>
+      <p:ext uri="{BB962C8B-B14F-4D97-AF65-F5344CB8AC3E}">
+        <p14:creationId xmlns:p14="http://schemas.microsoft.com/office/powerpoint/2010/main" val="3446570626"/>
+      </p:ext>
+    </p:extLst>
+  </p:cSld>
+  <p:clrMapOvr>
+    <a:masterClrMapping/>
+  </p:clrMapOvr>
+</p:sld>
+</file>
+
+<file path=ppt/slides/slide21.xml><?xml version="1.0" encoding="utf-8"?>
+<p:sld xmlns:a="http://schemas.openxmlformats.org/drawingml/2006/main" xmlns:r="http://schemas.openxmlformats.org/officeDocument/2006/relationships" xmlns:p="http://schemas.openxmlformats.org/presentationml/2006/main">
+  <p:cSld>
+    <p:spTree>
+      <p:nvGrpSpPr>
+        <p:cNvPr id="1" name=""/>
+        <p:cNvGrpSpPr/>
+        <p:nvPr/>
+      </p:nvGrpSpPr>
+      <p:grpSpPr>
+        <a:xfrm>
+          <a:off x="0" y="0"/>
+          <a:ext cx="0" cy="0"/>
+          <a:chOff x="0" y="0"/>
+          <a:chExt cx="0" cy="0"/>
+        </a:xfrm>
+      </p:grpSpPr>
+      <p:sp>
+        <p:nvSpPr>
+          <p:cNvPr id="2" name="Title 1"/>
+          <p:cNvSpPr>
+            <a:spLocks noGrp="1"/>
+          </p:cNvSpPr>
+          <p:nvPr>
+            <p:ph type="title"/>
+          </p:nvPr>
+        </p:nvSpPr>
+        <p:spPr/>
+        <p:txBody>
+          <a:bodyPr/>
+          <a:lstStyle/>
+          <a:p>
+            <a:r>
+              <a:rPr lang="en-GB" dirty="0" smtClean="0"/>
+              <a:t>VPC</a:t>
+            </a:r>
+            <a:endParaRPr lang="en-US" dirty="0"/>
+          </a:p>
+        </p:txBody>
+      </p:sp>
+      <p:sp>
+        <p:nvSpPr>
+          <p:cNvPr id="4" name="Slide Number Placeholder 3"/>
+          <p:cNvSpPr>
+            <a:spLocks noGrp="1"/>
+          </p:cNvSpPr>
+          <p:nvPr>
+            <p:ph type="sldNum" sz="quarter" idx="12"/>
+          </p:nvPr>
+        </p:nvSpPr>
+        <p:spPr/>
+        <p:txBody>
+          <a:bodyPr/>
+          <a:lstStyle/>
+          <a:p>
+            <a:fld id="{CF3BE448-F768-4AC5-8094-8F17F27BA907}" type="slidenum">
+              <a:rPr lang="en-US" smtClean="0"/>
+              <a:t>21</a:t>
+            </a:fld>
+            <a:endParaRPr lang="en-US"/>
+          </a:p>
+        </p:txBody>
+      </p:sp>
+      <p:sp>
+        <p:nvSpPr>
+          <p:cNvPr id="6" name="TextBox 5"/>
+          <p:cNvSpPr txBox="1"/>
+          <p:nvPr/>
+        </p:nvSpPr>
+        <p:spPr>
+          <a:xfrm>
+            <a:off x="611560" y="1556792"/>
+            <a:ext cx="8064896" cy="2862323"/>
+          </a:xfrm>
+          <a:prstGeom prst="rect">
+            <a:avLst/>
+          </a:prstGeom>
+          <a:noFill/>
+        </p:spPr>
+        <p:txBody>
+          <a:bodyPr wrap="square" rtlCol="0">
+            <a:spAutoFit/>
+          </a:bodyPr>
+          <a:lstStyle/>
+          <a:p>
+            <a:pPr marL="285750" indent="-285750">
+              <a:buFont typeface="Arial"/>
+              <a:buChar char="•"/>
+            </a:pPr>
+            <a:r>
+              <a:rPr lang="en-US" dirty="0" smtClean="0"/>
+              <a:t>When the user </a:t>
+            </a:r>
+            <a:r>
+              <a:rPr lang="en-US" dirty="0" smtClean="0"/>
+              <a:t>terminates the instance, all the network interface attached with it will also be deleted</a:t>
+            </a:r>
+          </a:p>
+          <a:p>
+            <a:pPr marL="285750" indent="-285750">
+              <a:buFont typeface="Arial"/>
+              <a:buChar char="•"/>
+            </a:pPr>
+            <a:r>
+              <a:rPr lang="en-US" dirty="0" smtClean="0"/>
+              <a:t>The user cannot delete the subnet until he terminates the instance and deletes the network interface</a:t>
+            </a:r>
+          </a:p>
+          <a:p>
+            <a:pPr marL="285750" indent="-285750">
+              <a:buFont typeface="Arial"/>
+              <a:buChar char="•"/>
+            </a:pPr>
+            <a:r>
+              <a:rPr lang="en-US" dirty="0" smtClean="0"/>
+              <a:t>VPC bounds the main route table with the private subnet and a custom route table with the public subnet</a:t>
+            </a:r>
+            <a:endParaRPr lang="en-US" dirty="0" smtClean="0"/>
+          </a:p>
+          <a:p>
+            <a:pPr marL="285750" indent="-285750">
+              <a:buFont typeface="Arial"/>
+              <a:buChar char="•"/>
+            </a:pPr>
+            <a:r>
+              <a:rPr lang="en-US" b="1" dirty="0" smtClean="0">
+                <a:solidFill>
+                  <a:srgbClr val="FF0000"/>
+                </a:solidFill>
+              </a:rPr>
+              <a:t>VPC scenario 3: </a:t>
+            </a:r>
+            <a:r>
+              <a:rPr lang="en-US" dirty="0" smtClean="0"/>
+              <a:t>Set the route table and security group of the public subnet which receives traffic from a virtual private gateway</a:t>
+            </a:r>
+          </a:p>
+          <a:p>
+            <a:pPr marL="285750" indent="-285750">
+              <a:buFont typeface="Arial"/>
+              <a:buChar char="•"/>
+            </a:pPr>
+            <a:r>
+              <a:rPr lang="en-US" dirty="0" smtClean="0"/>
+              <a:t>If the user has an IP address prefix in the VPC that overlaps with one of the network prefixes, any traffic to the network’s prefix is dropped</a:t>
+            </a:r>
+            <a:endParaRPr lang="en-US" dirty="0"/>
+          </a:p>
+        </p:txBody>
+      </p:sp>
+    </p:spTree>
+    <p:extLst>
+      <p:ext uri="{BB962C8B-B14F-4D97-AF65-F5344CB8AC3E}">
+        <p14:creationId xmlns:p14="http://schemas.microsoft.com/office/powerpoint/2010/main" val="1467450700"/>
+      </p:ext>
+    </p:extLst>
+  </p:cSld>
+  <p:clrMapOvr>
+    <a:masterClrMapping/>
+  </p:clrMapOvr>
+</p:sld>
+</file>
+
+<file path=ppt/slides/slide22.xml><?xml version="1.0" encoding="utf-8"?>
+<p:sld xmlns:a="http://schemas.openxmlformats.org/drawingml/2006/main" xmlns:r="http://schemas.openxmlformats.org/officeDocument/2006/relationships" xmlns:p="http://schemas.openxmlformats.org/presentationml/2006/main">
+  <p:cSld>
+    <p:spTree>
+      <p:nvGrpSpPr>
+        <p:cNvPr id="1" name=""/>
+        <p:cNvGrpSpPr/>
+        <p:nvPr/>
+      </p:nvGrpSpPr>
+      <p:grpSpPr>
+        <a:xfrm>
+          <a:off x="0" y="0"/>
+          <a:ext cx="0" cy="0"/>
+          <a:chOff x="0" y="0"/>
+          <a:chExt cx="0" cy="0"/>
+        </a:xfrm>
+      </p:grpSpPr>
+      <p:sp>
+        <p:nvSpPr>
+          <p:cNvPr id="2" name="Title 1"/>
+          <p:cNvSpPr>
+            <a:spLocks noGrp="1"/>
+          </p:cNvSpPr>
+          <p:nvPr>
+            <p:ph type="title"/>
+          </p:nvPr>
+        </p:nvSpPr>
+        <p:spPr/>
+        <p:txBody>
+          <a:bodyPr/>
+          <a:lstStyle/>
+          <a:p>
+            <a:r>
+              <a:rPr lang="en-GB" dirty="0" smtClean="0"/>
+              <a:t>CloudWatch</a:t>
+            </a:r>
+            <a:endParaRPr lang="en-US" dirty="0"/>
+          </a:p>
+        </p:txBody>
+      </p:sp>
+      <p:sp>
+        <p:nvSpPr>
+          <p:cNvPr id="4" name="Slide Number Placeholder 3"/>
+          <p:cNvSpPr>
+            <a:spLocks noGrp="1"/>
+          </p:cNvSpPr>
+          <p:nvPr>
+            <p:ph type="sldNum" sz="quarter" idx="12"/>
+          </p:nvPr>
+        </p:nvSpPr>
+        <p:spPr/>
+        <p:txBody>
+          <a:bodyPr/>
+          <a:lstStyle/>
+          <a:p>
+            <a:fld id="{CF3BE448-F768-4AC5-8094-8F17F27BA907}" type="slidenum">
+              <a:rPr lang="en-US" smtClean="0"/>
+              <a:t>22</a:t>
+            </a:fld>
+            <a:endParaRPr lang="en-US"/>
+          </a:p>
+        </p:txBody>
+      </p:sp>
+      <p:sp>
+        <p:nvSpPr>
+          <p:cNvPr id="6" name="TextBox 5"/>
+          <p:cNvSpPr txBox="1"/>
+          <p:nvPr/>
+        </p:nvSpPr>
+        <p:spPr>
+          <a:xfrm>
+            <a:off x="611560" y="1556792"/>
+            <a:ext cx="8064896" cy="1477328"/>
+          </a:xfrm>
+          <a:prstGeom prst="rect">
+            <a:avLst/>
+          </a:prstGeom>
+          <a:noFill/>
+        </p:spPr>
+        <p:txBody>
+          <a:bodyPr wrap="square" rtlCol="0">
+            <a:spAutoFit/>
+          </a:bodyPr>
+          <a:lstStyle/>
+          <a:p>
+            <a:pPr marL="285750" indent="-285750">
+              <a:buFont typeface="Arial"/>
+              <a:buChar char="•"/>
+            </a:pPr>
+            <a:r>
+              <a:rPr lang="en-US" dirty="0" smtClean="0"/>
+              <a:t>CloudWatch </a:t>
+            </a:r>
+            <a:r>
+              <a:rPr lang="en-US" b="1" dirty="0" smtClean="0">
+                <a:solidFill>
+                  <a:srgbClr val="FF0000"/>
+                </a:solidFill>
+              </a:rPr>
+              <a:t>does not differentiate </a:t>
+            </a:r>
+            <a:r>
+              <a:rPr lang="en-US" dirty="0" smtClean="0"/>
+              <a:t>the source of a metric when receiving custom data</a:t>
+            </a:r>
+          </a:p>
+          <a:p>
+            <a:pPr marL="285750" indent="-285750">
+              <a:buFont typeface="Arial"/>
+              <a:buChar char="•"/>
+            </a:pPr>
+            <a:r>
+              <a:rPr lang="en-US" dirty="0" smtClean="0"/>
+              <a:t>RDS, ELB, </a:t>
+            </a:r>
+            <a:r>
+              <a:rPr lang="en-US" dirty="0" err="1" smtClean="0"/>
+              <a:t>OpsWorks</a:t>
+            </a:r>
+            <a:r>
+              <a:rPr lang="en-US" dirty="0" smtClean="0"/>
+              <a:t> and Route 53 can provide monitoring data every minute </a:t>
+            </a:r>
+            <a:r>
+              <a:rPr lang="en-US" dirty="0" smtClean="0">
+                <a:solidFill>
+                  <a:srgbClr val="FF0000"/>
+                </a:solidFill>
+              </a:rPr>
+              <a:t>without</a:t>
+            </a:r>
+            <a:r>
+              <a:rPr lang="en-US" dirty="0" smtClean="0"/>
+              <a:t> charging the user</a:t>
+            </a:r>
+          </a:p>
+          <a:p>
+            <a:pPr marL="285750" indent="-285750">
+              <a:buFont typeface="Arial"/>
+              <a:buChar char="•"/>
+            </a:pPr>
+            <a:r>
+              <a:rPr lang="en-US" dirty="0" smtClean="0"/>
+              <a:t>EMR doesn’t provide detailed monitoring </a:t>
+            </a:r>
+            <a:endParaRPr lang="en-US" dirty="0"/>
+          </a:p>
+        </p:txBody>
+      </p:sp>
+    </p:spTree>
+    <p:extLst>
+      <p:ext uri="{BB962C8B-B14F-4D97-AF65-F5344CB8AC3E}">
+        <p14:creationId xmlns:p14="http://schemas.microsoft.com/office/powerpoint/2010/main" val="3939871260"/>
+      </p:ext>
+    </p:extLst>
+  </p:cSld>
+  <p:clrMapOvr>
+    <a:masterClrMapping/>
+  </p:clrMapOvr>
+</p:sld>
+</file>
+
+<file path=ppt/slides/slide23.xml><?xml version="1.0" encoding="utf-8"?>
+<p:sld xmlns:a="http://schemas.openxmlformats.org/drawingml/2006/main" xmlns:r="http://schemas.openxmlformats.org/officeDocument/2006/relationships" xmlns:p="http://schemas.openxmlformats.org/presentationml/2006/main">
+  <p:cSld>
+    <p:spTree>
+      <p:nvGrpSpPr>
+        <p:cNvPr id="1" name=""/>
+        <p:cNvGrpSpPr/>
+        <p:nvPr/>
+      </p:nvGrpSpPr>
+      <p:grpSpPr>
+        <a:xfrm>
+          <a:off x="0" y="0"/>
+          <a:ext cx="0" cy="0"/>
+          <a:chOff x="0" y="0"/>
+          <a:chExt cx="0" cy="0"/>
+        </a:xfrm>
+      </p:grpSpPr>
+      <p:sp>
+        <p:nvSpPr>
+          <p:cNvPr id="2" name="Title 1"/>
+          <p:cNvSpPr>
+            <a:spLocks noGrp="1"/>
+          </p:cNvSpPr>
+          <p:nvPr>
+            <p:ph type="title"/>
+          </p:nvPr>
+        </p:nvSpPr>
+        <p:spPr/>
+        <p:txBody>
+          <a:bodyPr/>
+          <a:lstStyle/>
+          <a:p>
+            <a:r>
+              <a:rPr lang="en-GB" dirty="0" smtClean="0"/>
+              <a:t>AWS S3</a:t>
+            </a:r>
+            <a:endParaRPr lang="en-US" dirty="0"/>
+          </a:p>
+        </p:txBody>
+      </p:sp>
+      <p:sp>
+        <p:nvSpPr>
+          <p:cNvPr id="4" name="Slide Number Placeholder 3"/>
+          <p:cNvSpPr>
+            <a:spLocks noGrp="1"/>
+          </p:cNvSpPr>
+          <p:nvPr>
+            <p:ph type="sldNum" sz="quarter" idx="12"/>
+          </p:nvPr>
+        </p:nvSpPr>
+        <p:spPr/>
+        <p:txBody>
+          <a:bodyPr/>
+          <a:lstStyle/>
+          <a:p>
+            <a:fld id="{CF3BE448-F768-4AC5-8094-8F17F27BA907}" type="slidenum">
+              <a:rPr lang="en-US" smtClean="0"/>
+              <a:t>23</a:t>
+            </a:fld>
+            <a:endParaRPr lang="en-US"/>
+          </a:p>
+        </p:txBody>
+      </p:sp>
+      <p:sp>
+        <p:nvSpPr>
+          <p:cNvPr id="6" name="TextBox 5"/>
+          <p:cNvSpPr txBox="1"/>
+          <p:nvPr/>
+        </p:nvSpPr>
+        <p:spPr>
+          <a:xfrm>
+            <a:off x="611560" y="1556792"/>
+            <a:ext cx="8064896" cy="2031325"/>
+          </a:xfrm>
+          <a:prstGeom prst="rect">
+            <a:avLst/>
+          </a:prstGeom>
+          <a:noFill/>
+        </p:spPr>
+        <p:txBody>
+          <a:bodyPr wrap="square" rtlCol="0">
+            <a:spAutoFit/>
+          </a:bodyPr>
+          <a:lstStyle/>
+          <a:p>
+            <a:pPr marL="285750" indent="-285750">
+              <a:buFont typeface="Arial"/>
+              <a:buChar char="•"/>
+            </a:pPr>
+            <a:r>
+              <a:rPr lang="en-US" dirty="0" smtClean="0"/>
+              <a:t>S3 RRS (Reduced Redundancy Storage) is for less critical files</a:t>
+            </a:r>
+          </a:p>
+          <a:p>
+            <a:pPr marL="285750" indent="-285750">
+              <a:buFont typeface="Arial"/>
+              <a:buChar char="•"/>
+            </a:pPr>
+            <a:r>
+              <a:rPr lang="en-US" dirty="0" smtClean="0"/>
+              <a:t>S3 predefined group:-</a:t>
+            </a:r>
+          </a:p>
+          <a:p>
+            <a:pPr marL="742950" lvl="1" indent="-285750">
+              <a:buFont typeface="Wingdings" charset="2"/>
+              <a:buChar char="ü"/>
+            </a:pPr>
+            <a:r>
+              <a:rPr lang="en-US" dirty="0" smtClean="0"/>
+              <a:t>Authenticated Users Group – Represents all AWS accounts</a:t>
+            </a:r>
+          </a:p>
+          <a:p>
+            <a:pPr marL="742950" lvl="1" indent="-285750">
+              <a:buFont typeface="Wingdings" charset="2"/>
+              <a:buChar char="ü"/>
+            </a:pPr>
+            <a:r>
+              <a:rPr lang="en-US" dirty="0" smtClean="0"/>
+              <a:t>All users group – Access permission to this group allows anyone access the resource</a:t>
+            </a:r>
+          </a:p>
+          <a:p>
+            <a:pPr marL="742950" lvl="1" indent="-285750">
+              <a:buFont typeface="Wingdings" charset="2"/>
+              <a:buChar char="ü"/>
+            </a:pPr>
+            <a:r>
+              <a:rPr lang="en-US" dirty="0" smtClean="0"/>
+              <a:t>Log delivery group – WRITE permissions on a bucket enables this group to write server access logs to the bucket</a:t>
+            </a:r>
+            <a:endParaRPr lang="en-US" dirty="0"/>
+          </a:p>
+        </p:txBody>
+      </p:sp>
+    </p:spTree>
+    <p:extLst>
+      <p:ext uri="{BB962C8B-B14F-4D97-AF65-F5344CB8AC3E}">
+        <p14:creationId xmlns:p14="http://schemas.microsoft.com/office/powerpoint/2010/main" val="564299053"/>
+      </p:ext>
+    </p:extLst>
+  </p:cSld>
+  <p:clrMapOvr>
+    <a:masterClrMapping/>
+  </p:clrMapOvr>
+</p:sld>
+</file>
+
+<file path=ppt/slides/slide24.xml><?xml version="1.0" encoding="utf-8"?>
+<p:sld xmlns:a="http://schemas.openxmlformats.org/drawingml/2006/main" xmlns:r="http://schemas.openxmlformats.org/officeDocument/2006/relationships" xmlns:p="http://schemas.openxmlformats.org/presentationml/2006/main">
+  <p:cSld>
+    <p:spTree>
+      <p:nvGrpSpPr>
+        <p:cNvPr id="1" name=""/>
+        <p:cNvGrpSpPr/>
+        <p:nvPr/>
+      </p:nvGrpSpPr>
+      <p:grpSpPr>
+        <a:xfrm>
+          <a:off x="0" y="0"/>
+          <a:ext cx="0" cy="0"/>
+          <a:chOff x="0" y="0"/>
+          <a:chExt cx="0" cy="0"/>
+        </a:xfrm>
+      </p:grpSpPr>
+      <p:sp>
+        <p:nvSpPr>
+          <p:cNvPr id="2" name="Title 1"/>
+          <p:cNvSpPr>
+            <a:spLocks noGrp="1"/>
+          </p:cNvSpPr>
+          <p:nvPr>
+            <p:ph type="title"/>
+          </p:nvPr>
+        </p:nvSpPr>
+        <p:spPr/>
+        <p:txBody>
+          <a:bodyPr/>
+          <a:lstStyle/>
+          <a:p>
+            <a:r>
+              <a:rPr lang="en-GB" dirty="0" smtClean="0"/>
+              <a:t>EBS</a:t>
+            </a:r>
+            <a:endParaRPr lang="en-US" dirty="0"/>
+          </a:p>
+        </p:txBody>
+      </p:sp>
+      <p:sp>
+        <p:nvSpPr>
+          <p:cNvPr id="4" name="Slide Number Placeholder 3"/>
+          <p:cNvSpPr>
+            <a:spLocks noGrp="1"/>
+          </p:cNvSpPr>
+          <p:nvPr>
+            <p:ph type="sldNum" sz="quarter" idx="12"/>
+          </p:nvPr>
+        </p:nvSpPr>
+        <p:spPr/>
+        <p:txBody>
+          <a:bodyPr/>
+          <a:lstStyle/>
+          <a:p>
+            <a:fld id="{CF3BE448-F768-4AC5-8094-8F17F27BA907}" type="slidenum">
+              <a:rPr lang="en-US" smtClean="0"/>
+              <a:t>24</a:t>
+            </a:fld>
+            <a:endParaRPr lang="en-US"/>
+          </a:p>
+        </p:txBody>
+      </p:sp>
+      <p:sp>
+        <p:nvSpPr>
+          <p:cNvPr id="6" name="TextBox 5"/>
+          <p:cNvSpPr txBox="1"/>
+          <p:nvPr/>
+        </p:nvSpPr>
+        <p:spPr>
+          <a:xfrm>
+            <a:off x="611560" y="1556792"/>
+            <a:ext cx="8064896" cy="923330"/>
+          </a:xfrm>
+          <a:prstGeom prst="rect">
+            <a:avLst/>
+          </a:prstGeom>
+          <a:noFill/>
+        </p:spPr>
+        <p:txBody>
+          <a:bodyPr wrap="square" rtlCol="0">
+            <a:spAutoFit/>
+          </a:bodyPr>
+          <a:lstStyle/>
+          <a:p>
+            <a:pPr marL="285750" indent="-285750">
+              <a:buFont typeface="Arial"/>
+              <a:buChar char="•"/>
+            </a:pPr>
+            <a:r>
+              <a:rPr lang="en-US" dirty="0" smtClean="0"/>
+              <a:t>Pre-warming an EBS volume on a </a:t>
+            </a:r>
+            <a:r>
+              <a:rPr lang="en-US" dirty="0"/>
+              <a:t>L</a:t>
+            </a:r>
+            <a:r>
+              <a:rPr lang="en-US" dirty="0" smtClean="0"/>
+              <a:t>inux instance requires that the user should </a:t>
+            </a:r>
+            <a:r>
+              <a:rPr lang="en-US" dirty="0" err="1" smtClean="0"/>
+              <a:t>unmount</a:t>
+            </a:r>
+            <a:r>
+              <a:rPr lang="en-US" dirty="0" smtClean="0"/>
+              <a:t> the blank device first and then write all the blocks on the device using a command, such as “</a:t>
+            </a:r>
+            <a:r>
+              <a:rPr lang="en-US" dirty="0" err="1" smtClean="0"/>
+              <a:t>dd</a:t>
+            </a:r>
+            <a:r>
+              <a:rPr lang="en-US" dirty="0" smtClean="0"/>
+              <a:t>” </a:t>
+            </a:r>
+            <a:endParaRPr lang="en-US" dirty="0">
+              <a:solidFill>
+                <a:srgbClr val="FF0000"/>
+              </a:solidFill>
+            </a:endParaRPr>
+          </a:p>
+        </p:txBody>
+      </p:sp>
+    </p:spTree>
+    <p:extLst>
+      <p:ext uri="{BB962C8B-B14F-4D97-AF65-F5344CB8AC3E}">
+        <p14:creationId xmlns:p14="http://schemas.microsoft.com/office/powerpoint/2010/main" val="3662141219"/>
+      </p:ext>
+    </p:extLst>
+  </p:cSld>
+  <p:clrMapOvr>
+    <a:masterClrMapping/>
+  </p:clrMapOvr>
+</p:sld>
+</file>
+
+<file path=ppt/slides/slide25.xml><?xml version="1.0" encoding="utf-8"?>
+<p:sld xmlns:a="http://schemas.openxmlformats.org/drawingml/2006/main" xmlns:r="http://schemas.openxmlformats.org/officeDocument/2006/relationships" xmlns:p="http://schemas.openxmlformats.org/presentationml/2006/main">
+  <p:cSld>
+    <p:spTree>
+      <p:nvGrpSpPr>
+        <p:cNvPr id="1" name=""/>
+        <p:cNvGrpSpPr/>
+        <p:nvPr/>
+      </p:nvGrpSpPr>
+      <p:grpSpPr>
+        <a:xfrm>
+          <a:off x="0" y="0"/>
+          <a:ext cx="0" cy="0"/>
+          <a:chOff x="0" y="0"/>
+          <a:chExt cx="0" cy="0"/>
+        </a:xfrm>
+      </p:grpSpPr>
+      <p:sp>
+        <p:nvSpPr>
+          <p:cNvPr id="2" name="Title 1"/>
+          <p:cNvSpPr>
+            <a:spLocks noGrp="1"/>
+          </p:cNvSpPr>
+          <p:nvPr>
+            <p:ph type="title"/>
+          </p:nvPr>
+        </p:nvSpPr>
+        <p:spPr/>
+        <p:txBody>
+          <a:bodyPr/>
+          <a:lstStyle/>
+          <a:p>
+            <a:r>
+              <a:rPr lang="en-GB" dirty="0" smtClean="0"/>
+              <a:t>EC2</a:t>
+            </a:r>
+            <a:endParaRPr lang="en-US" dirty="0"/>
+          </a:p>
+        </p:txBody>
+      </p:sp>
+      <p:sp>
+        <p:nvSpPr>
+          <p:cNvPr id="4" name="Slide Number Placeholder 3"/>
+          <p:cNvSpPr>
+            <a:spLocks noGrp="1"/>
+          </p:cNvSpPr>
+          <p:nvPr>
+            <p:ph type="sldNum" sz="quarter" idx="12"/>
+          </p:nvPr>
+        </p:nvSpPr>
+        <p:spPr/>
+        <p:txBody>
+          <a:bodyPr/>
+          <a:lstStyle/>
+          <a:p>
+            <a:fld id="{CF3BE448-F768-4AC5-8094-8F17F27BA907}" type="slidenum">
+              <a:rPr lang="en-US" smtClean="0"/>
+              <a:t>25</a:t>
+            </a:fld>
+            <a:endParaRPr lang="en-US"/>
+          </a:p>
+        </p:txBody>
+      </p:sp>
+      <p:sp>
+        <p:nvSpPr>
+          <p:cNvPr id="6" name="TextBox 5"/>
+          <p:cNvSpPr txBox="1"/>
+          <p:nvPr/>
+        </p:nvSpPr>
+        <p:spPr>
+          <a:xfrm>
+            <a:off x="611560" y="1556792"/>
+            <a:ext cx="8064896" cy="369332"/>
+          </a:xfrm>
+          <a:prstGeom prst="rect">
+            <a:avLst/>
+          </a:prstGeom>
+          <a:noFill/>
+        </p:spPr>
+        <p:txBody>
+          <a:bodyPr wrap="square" rtlCol="0">
+            <a:spAutoFit/>
+          </a:bodyPr>
+          <a:lstStyle/>
+          <a:p>
+            <a:pPr marL="285750" indent="-285750">
+              <a:buFont typeface="Arial"/>
+              <a:buChar char="•"/>
+            </a:pPr>
+            <a:r>
+              <a:rPr lang="en-US" dirty="0" smtClean="0"/>
+              <a:t>Windows EC2 instance – shows last three system event log errors</a:t>
+            </a:r>
+            <a:endParaRPr lang="en-US" dirty="0">
+              <a:solidFill>
+                <a:srgbClr val="FF0000"/>
+              </a:solidFill>
+            </a:endParaRPr>
+          </a:p>
+        </p:txBody>
+      </p:sp>
+    </p:spTree>
+    <p:extLst>
+      <p:ext uri="{BB962C8B-B14F-4D97-AF65-F5344CB8AC3E}">
+        <p14:creationId xmlns:p14="http://schemas.microsoft.com/office/powerpoint/2010/main" val="1354969024"/>
+      </p:ext>
+    </p:extLst>
+  </p:cSld>
+  <p:clrMapOvr>
+    <a:masterClrMapping/>
+  </p:clrMapOvr>
+</p:sld>
+</file>
+
+<file path=ppt/slides/slide26.xml><?xml version="1.0" encoding="utf-8"?>
+<p:sld xmlns:a="http://schemas.openxmlformats.org/drawingml/2006/main" xmlns:r="http://schemas.openxmlformats.org/officeDocument/2006/relationships" xmlns:p="http://schemas.openxmlformats.org/presentationml/2006/main">
+  <p:cSld>
+    <p:spTree>
+      <p:nvGrpSpPr>
+        <p:cNvPr id="1" name=""/>
+        <p:cNvGrpSpPr/>
+        <p:nvPr/>
+      </p:nvGrpSpPr>
+      <p:grpSpPr>
+        <a:xfrm>
+          <a:off x="0" y="0"/>
+          <a:ext cx="0" cy="0"/>
+          <a:chOff x="0" y="0"/>
+          <a:chExt cx="0" cy="0"/>
+        </a:xfrm>
+      </p:grpSpPr>
+      <p:sp>
+        <p:nvSpPr>
+          <p:cNvPr id="2" name="Title 1"/>
+          <p:cNvSpPr>
+            <a:spLocks noGrp="1"/>
+          </p:cNvSpPr>
+          <p:nvPr>
+            <p:ph type="title"/>
+          </p:nvPr>
+        </p:nvSpPr>
+        <p:spPr/>
+        <p:txBody>
+          <a:bodyPr/>
+          <a:lstStyle/>
+          <a:p>
+            <a:r>
+              <a:rPr lang="en-GB" dirty="0" smtClean="0"/>
+              <a:t>Billing</a:t>
+            </a:r>
+            <a:endParaRPr lang="en-US" dirty="0"/>
+          </a:p>
+        </p:txBody>
+      </p:sp>
+      <p:sp>
+        <p:nvSpPr>
+          <p:cNvPr id="4" name="Slide Number Placeholder 3"/>
+          <p:cNvSpPr>
+            <a:spLocks noGrp="1"/>
+          </p:cNvSpPr>
+          <p:nvPr>
+            <p:ph type="sldNum" sz="quarter" idx="12"/>
+          </p:nvPr>
+        </p:nvSpPr>
+        <p:spPr/>
+        <p:txBody>
+          <a:bodyPr/>
+          <a:lstStyle/>
+          <a:p>
+            <a:fld id="{CF3BE448-F768-4AC5-8094-8F17F27BA907}" type="slidenum">
+              <a:rPr lang="en-US" smtClean="0"/>
+              <a:t>26</a:t>
+            </a:fld>
+            <a:endParaRPr lang="en-US"/>
+          </a:p>
+        </p:txBody>
+      </p:sp>
+      <p:sp>
+        <p:nvSpPr>
+          <p:cNvPr id="6" name="TextBox 5"/>
+          <p:cNvSpPr txBox="1"/>
+          <p:nvPr/>
+        </p:nvSpPr>
+        <p:spPr>
+          <a:xfrm>
+            <a:off x="611560" y="1556792"/>
+            <a:ext cx="8064896" cy="1477328"/>
+          </a:xfrm>
+          <a:prstGeom prst="rect">
+            <a:avLst/>
+          </a:prstGeom>
+          <a:noFill/>
+        </p:spPr>
+        <p:txBody>
+          <a:bodyPr wrap="square" rtlCol="0">
+            <a:spAutoFit/>
+          </a:bodyPr>
+          <a:lstStyle/>
+          <a:p>
+            <a:pPr marL="285750" indent="-285750">
+              <a:buFont typeface="Arial"/>
+              <a:buChar char="•"/>
+            </a:pPr>
+            <a:r>
+              <a:rPr lang="en-US" dirty="0" smtClean="0"/>
+              <a:t>AWS consolidated billing enables the </a:t>
+            </a:r>
+            <a:r>
+              <a:rPr lang="en-US" dirty="0" smtClean="0"/>
+              <a:t>organization to consolidate payments for multiple AWS accounts within a single organization by making a single paying account</a:t>
+            </a:r>
+          </a:p>
+          <a:p>
+            <a:pPr marL="285750" indent="-285750">
+              <a:buFont typeface="Arial"/>
+              <a:buChar char="•"/>
+            </a:pPr>
+            <a:r>
+              <a:rPr lang="en-US" dirty="0" smtClean="0">
+                <a:solidFill>
+                  <a:srgbClr val="292934"/>
+                </a:solidFill>
+              </a:rPr>
+              <a:t>Programmatic access to billing. It uses S3 bucket. The billing CSV is loaded to bucket</a:t>
+            </a:r>
+            <a:endParaRPr lang="en-US" dirty="0">
+              <a:solidFill>
+                <a:srgbClr val="292934"/>
+              </a:solidFill>
+            </a:endParaRPr>
+          </a:p>
+        </p:txBody>
+      </p:sp>
+    </p:spTree>
+    <p:extLst>
+      <p:ext uri="{BB962C8B-B14F-4D97-AF65-F5344CB8AC3E}">
+        <p14:creationId xmlns:p14="http://schemas.microsoft.com/office/powerpoint/2010/main" val="679276426"/>
+      </p:ext>
+    </p:extLst>
+  </p:cSld>
+  <p:clrMapOvr>
+    <a:masterClrMapping/>
+  </p:clrMapOvr>
+</p:sld>
+</file>
+
+<file path=ppt/slides/slide27.xml><?xml version="1.0" encoding="utf-8"?>
+<p:sld xmlns:a="http://schemas.openxmlformats.org/drawingml/2006/main" xmlns:r="http://schemas.openxmlformats.org/officeDocument/2006/relationships" xmlns:p="http://schemas.openxmlformats.org/presentationml/2006/main">
+  <p:cSld>
+    <p:spTree>
+      <p:nvGrpSpPr>
+        <p:cNvPr id="1" name=""/>
+        <p:cNvGrpSpPr/>
+        <p:nvPr/>
+      </p:nvGrpSpPr>
+      <p:grpSpPr>
+        <a:xfrm>
+          <a:off x="0" y="0"/>
+          <a:ext cx="0" cy="0"/>
+          <a:chOff x="0" y="0"/>
+          <a:chExt cx="0" cy="0"/>
+        </a:xfrm>
+      </p:grpSpPr>
+      <p:sp>
+        <p:nvSpPr>
+          <p:cNvPr id="2" name="Title 1"/>
+          <p:cNvSpPr>
+            <a:spLocks noGrp="1"/>
+          </p:cNvSpPr>
+          <p:nvPr>
+            <p:ph type="title"/>
+          </p:nvPr>
+        </p:nvSpPr>
+        <p:spPr/>
+        <p:txBody>
+          <a:bodyPr/>
+          <a:lstStyle/>
+          <a:p>
+            <a:r>
+              <a:rPr lang="en-US" dirty="0"/>
+              <a:t>References</a:t>
+            </a:r>
+          </a:p>
+        </p:txBody>
+      </p:sp>
+      <p:sp>
+        <p:nvSpPr>
+          <p:cNvPr id="3" name="Content Placeholder 2"/>
+          <p:cNvSpPr>
+            <a:spLocks noGrp="1"/>
+          </p:cNvSpPr>
+          <p:nvPr>
+            <p:ph idx="1"/>
+          </p:nvPr>
+        </p:nvSpPr>
+        <p:spPr/>
+        <p:txBody>
+          <a:bodyPr>
+            <a:normAutofit/>
+          </a:bodyPr>
+          <a:lstStyle/>
+          <a:p>
+            <a:r>
+              <a:rPr lang="en-US" sz="1600" dirty="0"/>
+              <a:t>AWS online documentation</a:t>
+            </a:r>
+          </a:p>
+          <a:p>
+            <a:r>
+              <a:rPr lang="en-US" sz="1600" dirty="0">
+                <a:hlinkClick r:id="rId2"/>
+              </a:rPr>
+              <a:t>http://docs.aws.amazon.com/AmazonVPC/latest/UserGuide/default-vpc.html</a:t>
+            </a:r>
+            <a:endParaRPr lang="en-US" sz="1600" dirty="0"/>
+          </a:p>
+          <a:p>
+            <a:r>
+              <a:rPr lang="en-US" sz="1600" dirty="0">
+                <a:hlinkClick r:id="rId3"/>
+              </a:rPr>
+              <a:t>http://docs.aws.amazon.com/AmazonVPC/latest/UserGuide/VPC_Scenario2.html</a:t>
+            </a:r>
+            <a:endParaRPr lang="en-US" sz="1600" dirty="0"/>
+          </a:p>
+          <a:p>
+            <a:r>
+              <a:rPr lang="en-US" sz="1600" dirty="0">
+                <a:hlinkClick r:id="rId4"/>
+              </a:rPr>
+              <a:t>https://fourteenislands.io/2015/06/aws-certified-sysops-administrator-associate-level-sample-exam-questions-and-answers/</a:t>
+            </a:r>
+            <a:endParaRPr lang="en-US" sz="1600" dirty="0"/>
+          </a:p>
+          <a:p>
+            <a:r>
+              <a:rPr lang="en-US" sz="1600" dirty="0">
+                <a:hlinkClick r:id="rId5"/>
+              </a:rPr>
+              <a:t>https://d0.awsstatic.com/whitepapers/</a:t>
+            </a:r>
+            <a:r>
+              <a:rPr lang="en-US" sz="1600" dirty="0" smtClean="0">
+                <a:hlinkClick r:id="rId5"/>
+              </a:rPr>
+              <a:t>AWS_w_Best_Practices.pdf</a:t>
+            </a:r>
+            <a:endParaRPr lang="en-US" sz="1600" dirty="0"/>
+          </a:p>
+          <a:p>
+            <a:r>
+              <a:rPr lang="en-US" sz="1600" dirty="0"/>
+              <a:t>https://</a:t>
+            </a:r>
+            <a:r>
+              <a:rPr lang="en-US" sz="1600" dirty="0" err="1"/>
+              <a:t>awslagi.com</a:t>
+            </a:r>
+            <a:r>
+              <a:rPr lang="en-US" sz="1600" dirty="0"/>
+              <a:t>/test2/</a:t>
+            </a:r>
+          </a:p>
+        </p:txBody>
+      </p:sp>
+      <p:sp>
+        <p:nvSpPr>
+          <p:cNvPr id="4" name="Slide Number Placeholder 3"/>
+          <p:cNvSpPr>
+            <a:spLocks noGrp="1"/>
+          </p:cNvSpPr>
+          <p:nvPr>
+            <p:ph type="sldNum" sz="quarter" idx="12"/>
+          </p:nvPr>
+        </p:nvSpPr>
+        <p:spPr/>
+        <p:txBody>
+          <a:bodyPr/>
+          <a:lstStyle/>
+          <a:p>
+            <a:fld id="{CF3BE448-F768-4AC5-8094-8F17F27BA907}" type="slidenum">
+              <a:rPr lang="en-US" smtClean="0"/>
+              <a:t>27</a:t>
+            </a:fld>
+            <a:endParaRPr lang="en-US"/>
+          </a:p>
+        </p:txBody>
+      </p:sp>
+    </p:spTree>
+    <p:extLst>
+      <p:ext uri="{BB962C8B-B14F-4D97-AF65-F5344CB8AC3E}">
+        <p14:creationId xmlns:p14="http://schemas.microsoft.com/office/powerpoint/2010/main" val="924403351"/>
       </p:ext>
     </p:extLst>
   </p:cSld>
